--- a/Alternative Fuel Station Project.pptx
+++ b/Alternative Fuel Station Project.pptx
@@ -5,7 +5,7 @@
     <p:sldMasterId id="2147483660" r:id="rId4"/>
   </p:sldMasterIdLst>
   <p:notesMasterIdLst>
-    <p:notesMasterId r:id="rId14"/>
+    <p:notesMasterId r:id="rId17"/>
   </p:notesMasterIdLst>
   <p:sldIdLst>
     <p:sldId id="273" r:id="rId5"/>
@@ -14,9 +14,12 @@
     <p:sldId id="295" r:id="rId8"/>
     <p:sldId id="302" r:id="rId9"/>
     <p:sldId id="303" r:id="rId10"/>
-    <p:sldId id="304" r:id="rId11"/>
-    <p:sldId id="305" r:id="rId12"/>
-    <p:sldId id="301" r:id="rId13"/>
+    <p:sldId id="307" r:id="rId11"/>
+    <p:sldId id="309" r:id="rId12"/>
+    <p:sldId id="310" r:id="rId13"/>
+    <p:sldId id="305" r:id="rId14"/>
+    <p:sldId id="306" r:id="rId15"/>
+    <p:sldId id="301" r:id="rId16"/>
   </p:sldIdLst>
   <p:sldSz cx="12192000" cy="6858000"/>
   <p:notesSz cx="6858000" cy="9144000"/>
@@ -213,7 +216,7 @@
           <a:p>
             <a:fld id="{BD9A23DD-169B-4AC2-A2E5-591C4D9596B3}" type="datetimeFigureOut">
               <a:rPr lang="en-US" smtClean="0"/>
-              <a:t>4/20/2021</a:t>
+              <a:t>4/22/2021</a:t>
             </a:fld>
             <a:endParaRPr lang="en-US"/>
           </a:p>
@@ -718,7 +721,7 @@
           <a:p>
             <a:fld id="{ED291B17-9318-49DB-B28B-6E5994AE9581}" type="datetime1">
               <a:rPr lang="en-US" smtClean="0"/>
-              <a:t>4/20/2021</a:t>
+              <a:t>4/22/2021</a:t>
             </a:fld>
             <a:endParaRPr lang="en-US" dirty="0"/>
           </a:p>
@@ -916,7 +919,7 @@
           <a:p>
             <a:fld id="{78DD82B9-B8EE-4375-B6FF-88FA6ABB15D9}" type="datetime1">
               <a:rPr lang="en-US" smtClean="0"/>
-              <a:t>4/20/2021</a:t>
+              <a:t>4/22/2021</a:t>
             </a:fld>
             <a:endParaRPr lang="en-US" dirty="0"/>
           </a:p>
@@ -1228,7 +1231,7 @@
           <a:p>
             <a:fld id="{B2497495-0637-405E-AE64-5CC7506D51F5}" type="datetime1">
               <a:rPr lang="en-US" smtClean="0"/>
-              <a:t>4/20/2021</a:t>
+              <a:t>4/22/2021</a:t>
             </a:fld>
             <a:endParaRPr lang="en-US" dirty="0"/>
           </a:p>
@@ -1481,7 +1484,7 @@
           <a:p>
             <a:fld id="{7BFFD690-9426-415D-8B65-26881E07B2D4}" type="datetime1">
               <a:rPr lang="en-US" smtClean="0"/>
-              <a:t>4/20/2021</a:t>
+              <a:t>4/22/2021</a:t>
             </a:fld>
             <a:endParaRPr lang="en-US" dirty="0"/>
           </a:p>
@@ -1903,7 +1906,7 @@
           <a:p>
             <a:fld id="{04C4989A-474C-40DE-95B9-011C28B71673}" type="datetime1">
               <a:rPr lang="en-US" smtClean="0"/>
-              <a:t>4/20/2021</a:t>
+              <a:t>4/22/2021</a:t>
             </a:fld>
             <a:endParaRPr lang="en-US" dirty="0"/>
           </a:p>
@@ -2026,7 +2029,7 @@
           <a:p>
             <a:fld id="{5DB4ED54-5B5E-4A04-93D3-5772E3CE3818}" type="datetime1">
               <a:rPr lang="en-US" smtClean="0"/>
-              <a:t>4/20/2021</a:t>
+              <a:t>4/22/2021</a:t>
             </a:fld>
             <a:endParaRPr lang="en-US" dirty="0"/>
           </a:p>
@@ -2121,7 +2124,7 @@
           <a:p>
             <a:fld id="{4EDE50D6-574B-40AF-946F-D52A04ADE379}" type="datetime1">
               <a:rPr lang="en-US" smtClean="0"/>
-              <a:t>4/20/2021</a:t>
+              <a:t>4/22/2021</a:t>
             </a:fld>
             <a:endParaRPr lang="en-US" dirty="0"/>
           </a:p>
@@ -2498,7 +2501,7 @@
           <a:p>
             <a:fld id="{D82884F1-FFEA-405F-9602-3DCA865EDA4E}" type="datetime1">
               <a:rPr lang="en-US" smtClean="0"/>
-              <a:t>4/20/2021</a:t>
+              <a:t>4/22/2021</a:t>
             </a:fld>
             <a:endParaRPr lang="en-US" dirty="0"/>
           </a:p>
@@ -2791,7 +2794,7 @@
           <a:p>
             <a:fld id="{7E18DB4A-8810-4A10-AD5C-D5E2C667F5B3}" type="datetime1">
               <a:rPr lang="en-US" smtClean="0"/>
-              <a:t>4/20/2021</a:t>
+              <a:t>4/22/2021</a:t>
             </a:fld>
             <a:endParaRPr lang="en-US" dirty="0"/>
           </a:p>
@@ -3006,7 +3009,7 @@
           <a:p>
             <a:fld id="{ED291B17-9318-49DB-B28B-6E5994AE9581}" type="datetime1">
               <a:rPr lang="en-US" smtClean="0"/>
-              <a:t>4/20/2021</a:t>
+              <a:t>4/22/2021</a:t>
             </a:fld>
             <a:endParaRPr lang="en-US" dirty="0"/>
           </a:p>
@@ -3979,6 +3982,517 @@
 </p:sld>
 </file>
 
+<file path=ppt/slides/slide10.xml><?xml version="1.0" encoding="utf-8"?>
+<p:sld xmlns:a="http://schemas.openxmlformats.org/drawingml/2006/main" xmlns:r="http://schemas.openxmlformats.org/officeDocument/2006/relationships" xmlns:p="http://schemas.openxmlformats.org/presentationml/2006/main">
+  <p:cSld>
+    <p:spTree>
+      <p:nvGrpSpPr>
+        <p:cNvPr id="1" name=""/>
+        <p:cNvGrpSpPr/>
+        <p:nvPr/>
+      </p:nvGrpSpPr>
+      <p:grpSpPr>
+        <a:xfrm>
+          <a:off x="0" y="0"/>
+          <a:ext cx="0" cy="0"/>
+          <a:chOff x="0" y="0"/>
+          <a:chExt cx="0" cy="0"/>
+        </a:xfrm>
+      </p:grpSpPr>
+      <p:sp>
+        <p:nvSpPr>
+          <p:cNvPr id="2" name="Title 1">
+            <a:extLst>
+              <a:ext uri="{FF2B5EF4-FFF2-40B4-BE49-F238E27FC236}">
+                <a16:creationId xmlns:a16="http://schemas.microsoft.com/office/drawing/2014/main" id="{7A4BDC69-4580-40A1-828F-CB453F1E883E}"/>
+              </a:ext>
+            </a:extLst>
+          </p:cNvPr>
+          <p:cNvSpPr>
+            <a:spLocks noGrp="1"/>
+          </p:cNvSpPr>
+          <p:nvPr>
+            <p:ph type="title"/>
+          </p:nvPr>
+        </p:nvSpPr>
+        <p:spPr/>
+        <p:txBody>
+          <a:bodyPr/>
+          <a:lstStyle/>
+          <a:p>
+            <a:r>
+              <a:rPr lang="en-US" dirty="0"/>
+              <a:t>Conclusions</a:t>
+            </a:r>
+          </a:p>
+        </p:txBody>
+      </p:sp>
+      <p:sp>
+        <p:nvSpPr>
+          <p:cNvPr id="4" name="TextBox 3">
+            <a:extLst>
+              <a:ext uri="{FF2B5EF4-FFF2-40B4-BE49-F238E27FC236}">
+                <a16:creationId xmlns:a16="http://schemas.microsoft.com/office/drawing/2014/main" id="{2970FE32-99F1-484F-9640-86339855EB41}"/>
+              </a:ext>
+            </a:extLst>
+          </p:cNvPr>
+          <p:cNvSpPr txBox="1"/>
+          <p:nvPr/>
+        </p:nvSpPr>
+        <p:spPr>
+          <a:xfrm>
+            <a:off x="581193" y="3077908"/>
+            <a:ext cx="10562429" cy="2062103"/>
+          </a:xfrm>
+          <a:prstGeom prst="rect">
+            <a:avLst/>
+          </a:prstGeom>
+          <a:noFill/>
+        </p:spPr>
+        <p:txBody>
+          <a:bodyPr wrap="square" rtlCol="0">
+            <a:spAutoFit/>
+          </a:bodyPr>
+          <a:lstStyle/>
+          <a:p>
+            <a:pPr marL="285750" indent="-285750">
+              <a:buClr>
+                <a:schemeClr val="accent1"/>
+              </a:buClr>
+              <a:buSzPct val="92000"/>
+              <a:buFont typeface="Wingdings" panose="05000000000000000000" pitchFamily="2" charset="2"/>
+              <a:buChar char="§"/>
+            </a:pPr>
+            <a:r>
+              <a:rPr lang="en-US" sz="1600" dirty="0">
+                <a:solidFill>
+                  <a:srgbClr val="111111"/>
+                </a:solidFill>
+                <a:cs typeface="Arial" panose="020B0604020202020204" pitchFamily="34" charset="0"/>
+              </a:rPr>
+              <a:t>Alternative fuel vehicles and charging stations will increase dramatically in usage in the near future.</a:t>
+            </a:r>
+          </a:p>
+          <a:p>
+            <a:pPr marL="285750" indent="-285750">
+              <a:buClr>
+                <a:schemeClr val="accent1"/>
+              </a:buClr>
+              <a:buSzPct val="92000"/>
+              <a:buFont typeface="Wingdings" panose="05000000000000000000" pitchFamily="2" charset="2"/>
+              <a:buChar char="§"/>
+            </a:pPr>
+            <a:r>
+              <a:rPr lang="en-US" sz="1600" dirty="0">
+                <a:solidFill>
+                  <a:srgbClr val="111111"/>
+                </a:solidFill>
+                <a:cs typeface="Arial" panose="020B0604020202020204" pitchFamily="34" charset="0"/>
+              </a:rPr>
+              <a:t>Zip codes with higher average household incomes do not appear to have more alternative fueling stations. A more in depth analysis should be performed to confirm.</a:t>
+            </a:r>
+          </a:p>
+          <a:p>
+            <a:pPr marL="285750" indent="-285750">
+              <a:buClr>
+                <a:schemeClr val="accent1"/>
+              </a:buClr>
+              <a:buSzPct val="92000"/>
+              <a:buFont typeface="Wingdings" panose="05000000000000000000" pitchFamily="2" charset="2"/>
+              <a:buChar char="§"/>
+            </a:pPr>
+            <a:r>
+              <a:rPr lang="en-US" sz="1600" dirty="0">
+                <a:solidFill>
+                  <a:srgbClr val="111111"/>
+                </a:solidFill>
+                <a:cs typeface="Arial" panose="020B0604020202020204" pitchFamily="34" charset="0"/>
+              </a:rPr>
+              <a:t>There’s enormous potential for use of an alternative fuel station dashboard with a diverse number of applications.</a:t>
+            </a:r>
+          </a:p>
+          <a:p>
+            <a:pPr marL="285750" indent="-285750">
+              <a:buClr>
+                <a:schemeClr val="accent1"/>
+              </a:buClr>
+              <a:buSzPct val="92000"/>
+              <a:buFont typeface="Wingdings" panose="05000000000000000000" pitchFamily="2" charset="2"/>
+              <a:buChar char="§"/>
+            </a:pPr>
+            <a:endParaRPr lang="en-US" sz="1600" dirty="0">
+              <a:solidFill>
+                <a:srgbClr val="111111"/>
+              </a:solidFill>
+              <a:cs typeface="Arial" panose="020B0604020202020204" pitchFamily="34" charset="0"/>
+            </a:endParaRPr>
+          </a:p>
+          <a:p>
+            <a:pPr marL="285750" indent="-285750">
+              <a:buClr>
+                <a:schemeClr val="accent1"/>
+              </a:buClr>
+              <a:buSzPct val="92000"/>
+              <a:buFont typeface="Wingdings" panose="05000000000000000000" pitchFamily="2" charset="2"/>
+              <a:buChar char="§"/>
+            </a:pPr>
+            <a:endParaRPr lang="en-US" sz="1600" dirty="0">
+              <a:solidFill>
+                <a:srgbClr val="111111"/>
+              </a:solidFill>
+              <a:cs typeface="Arial" panose="020B0604020202020204" pitchFamily="34" charset="0"/>
+            </a:endParaRPr>
+          </a:p>
+          <a:p>
+            <a:pPr lvl="1"/>
+            <a:endParaRPr lang="en-US" sz="1600" dirty="0">
+              <a:solidFill>
+                <a:srgbClr val="111111"/>
+              </a:solidFill>
+              <a:latin typeface="Arial" panose="020B0604020202020204" pitchFamily="34" charset="0"/>
+              <a:cs typeface="Arial" panose="020B0604020202020204" pitchFamily="34" charset="0"/>
+            </a:endParaRPr>
+          </a:p>
+          <a:p>
+            <a:pPr marL="742950" lvl="1" indent="-285750">
+              <a:buFont typeface="Arial" panose="020B0604020202020204" pitchFamily="34" charset="0"/>
+              <a:buChar char="•"/>
+            </a:pPr>
+            <a:endParaRPr lang="en-US" sz="1600" dirty="0">
+              <a:solidFill>
+                <a:srgbClr val="111111"/>
+              </a:solidFill>
+              <a:latin typeface="Arial" panose="020B0604020202020204" pitchFamily="34" charset="0"/>
+              <a:cs typeface="Arial" panose="020B0604020202020204" pitchFamily="34" charset="0"/>
+            </a:endParaRPr>
+          </a:p>
+        </p:txBody>
+      </p:sp>
+    </p:spTree>
+    <p:extLst>
+      <p:ext uri="{BB962C8B-B14F-4D97-AF65-F5344CB8AC3E}">
+        <p14:creationId xmlns:p14="http://schemas.microsoft.com/office/powerpoint/2010/main" val="743061923"/>
+      </p:ext>
+    </p:extLst>
+  </p:cSld>
+  <p:clrMapOvr>
+    <a:masterClrMapping/>
+  </p:clrMapOvr>
+</p:sld>
+</file>
+
+<file path=ppt/slides/slide11.xml><?xml version="1.0" encoding="utf-8"?>
+<p:sld xmlns:a="http://schemas.openxmlformats.org/drawingml/2006/main" xmlns:r="http://schemas.openxmlformats.org/officeDocument/2006/relationships" xmlns:p="http://schemas.openxmlformats.org/presentationml/2006/main">
+  <p:cSld>
+    <p:spTree>
+      <p:nvGrpSpPr>
+        <p:cNvPr id="1" name=""/>
+        <p:cNvGrpSpPr/>
+        <p:nvPr/>
+      </p:nvGrpSpPr>
+      <p:grpSpPr>
+        <a:xfrm>
+          <a:off x="0" y="0"/>
+          <a:ext cx="0" cy="0"/>
+          <a:chOff x="0" y="0"/>
+          <a:chExt cx="0" cy="0"/>
+        </a:xfrm>
+      </p:grpSpPr>
+      <p:sp>
+        <p:nvSpPr>
+          <p:cNvPr id="2" name="Title 1">
+            <a:extLst>
+              <a:ext uri="{FF2B5EF4-FFF2-40B4-BE49-F238E27FC236}">
+                <a16:creationId xmlns:a16="http://schemas.microsoft.com/office/drawing/2014/main" id="{7A4BDC69-4580-40A1-828F-CB453F1E883E}"/>
+              </a:ext>
+            </a:extLst>
+          </p:cNvPr>
+          <p:cNvSpPr>
+            <a:spLocks noGrp="1"/>
+          </p:cNvSpPr>
+          <p:nvPr>
+            <p:ph type="title"/>
+          </p:nvPr>
+        </p:nvSpPr>
+        <p:spPr/>
+        <p:txBody>
+          <a:bodyPr/>
+          <a:lstStyle/>
+          <a:p>
+            <a:r>
+              <a:rPr lang="en-US" dirty="0"/>
+              <a:t>Dashboard </a:t>
+            </a:r>
+            <a:r>
+              <a:rPr lang="en-US" dirty="0" err="1"/>
+              <a:t>GiF</a:t>
+            </a:r>
+            <a:r>
+              <a:rPr lang="en-US" dirty="0"/>
+              <a:t> or link to Heroku</a:t>
+            </a:r>
+          </a:p>
+        </p:txBody>
+      </p:sp>
+    </p:spTree>
+    <p:extLst>
+      <p:ext uri="{BB962C8B-B14F-4D97-AF65-F5344CB8AC3E}">
+        <p14:creationId xmlns:p14="http://schemas.microsoft.com/office/powerpoint/2010/main" val="2736720884"/>
+      </p:ext>
+    </p:extLst>
+  </p:cSld>
+  <p:clrMapOvr>
+    <a:masterClrMapping/>
+  </p:clrMapOvr>
+</p:sld>
+</file>
+
+<file path=ppt/slides/slide12.xml><?xml version="1.0" encoding="utf-8"?>
+<p:sld xmlns:a="http://schemas.openxmlformats.org/drawingml/2006/main" xmlns:r="http://schemas.openxmlformats.org/officeDocument/2006/relationships" xmlns:p="http://schemas.openxmlformats.org/presentationml/2006/main">
+  <p:cSld>
+    <p:spTree>
+      <p:nvGrpSpPr>
+        <p:cNvPr id="1" name=""/>
+        <p:cNvGrpSpPr/>
+        <p:nvPr/>
+      </p:nvGrpSpPr>
+      <p:grpSpPr>
+        <a:xfrm>
+          <a:off x="0" y="0"/>
+          <a:ext cx="0" cy="0"/>
+          <a:chOff x="0" y="0"/>
+          <a:chExt cx="0" cy="0"/>
+        </a:xfrm>
+      </p:grpSpPr>
+      <p:sp>
+        <p:nvSpPr>
+          <p:cNvPr id="2" name="Title 1">
+            <a:extLst>
+              <a:ext uri="{FF2B5EF4-FFF2-40B4-BE49-F238E27FC236}">
+                <a16:creationId xmlns:a16="http://schemas.microsoft.com/office/drawing/2014/main" id="{8A75B6AD-4719-4AF0-9E29-741709DBB9D0}"/>
+              </a:ext>
+            </a:extLst>
+          </p:cNvPr>
+          <p:cNvSpPr>
+            <a:spLocks noGrp="1"/>
+          </p:cNvSpPr>
+          <p:nvPr>
+            <p:ph type="title"/>
+          </p:nvPr>
+        </p:nvSpPr>
+        <p:spPr/>
+        <p:txBody>
+          <a:bodyPr/>
+          <a:lstStyle/>
+          <a:p>
+            <a:r>
+              <a:rPr lang="en-US" dirty="0"/>
+              <a:t>APPENDIX A</a:t>
+            </a:r>
+          </a:p>
+        </p:txBody>
+      </p:sp>
+      <p:sp>
+        <p:nvSpPr>
+          <p:cNvPr id="3" name="Content Placeholder 2">
+            <a:extLst>
+              <a:ext uri="{FF2B5EF4-FFF2-40B4-BE49-F238E27FC236}">
+                <a16:creationId xmlns:a16="http://schemas.microsoft.com/office/drawing/2014/main" id="{15356DB3-B308-4CB4-A011-5900E07C7B32}"/>
+              </a:ext>
+            </a:extLst>
+          </p:cNvPr>
+          <p:cNvSpPr>
+            <a:spLocks noGrp="1"/>
+          </p:cNvSpPr>
+          <p:nvPr>
+            <p:ph idx="1"/>
+          </p:nvPr>
+        </p:nvSpPr>
+        <p:spPr/>
+        <p:txBody>
+          <a:bodyPr/>
+          <a:lstStyle/>
+          <a:p>
+            <a:r>
+              <a:rPr lang="en-US" dirty="0"/>
+              <a:t>Resources</a:t>
+            </a:r>
+          </a:p>
+          <a:p>
+            <a:pPr lvl="1"/>
+            <a:r>
+              <a:rPr lang="en-US" dirty="0">
+                <a:hlinkClick r:id="rId2"/>
+              </a:rPr>
+              <a:t>Businesswire</a:t>
+            </a:r>
+            <a:r>
+              <a:rPr lang="en-US" dirty="0"/>
+              <a:t>: </a:t>
+            </a:r>
+            <a:r>
+              <a:rPr lang="en-US" b="0" i="0" dirty="0">
+                <a:solidFill>
+                  <a:srgbClr val="111111"/>
+                </a:solidFill>
+                <a:effectLst/>
+              </a:rPr>
+              <a:t>Business Wire, a Berkshire Hathaway company, is the global leader in press release distribution and regulatory disclosure.</a:t>
+            </a:r>
+          </a:p>
+          <a:p>
+            <a:pPr lvl="1"/>
+            <a:r>
+              <a:rPr lang="en-US" dirty="0">
+                <a:hlinkClick r:id="rId3"/>
+              </a:rPr>
+              <a:t>IHS Markit</a:t>
+            </a:r>
+            <a:r>
+              <a:rPr lang="en-US" dirty="0"/>
+              <a:t>: </a:t>
+            </a:r>
+            <a:r>
+              <a:rPr lang="en-US" b="0" i="0" dirty="0">
+                <a:solidFill>
+                  <a:srgbClr val="111111"/>
+                </a:solidFill>
+                <a:effectLst/>
+              </a:rPr>
+              <a:t>IHS Markit is a dynamic team that includes more than 5,000 analysts, data scientists, financial experts and industry specialists. Our global information expertise spans numerous industries, including leading positions in finance, energy and transportation.</a:t>
+            </a:r>
+          </a:p>
+          <a:p>
+            <a:pPr lvl="1"/>
+            <a:r>
+              <a:rPr lang="en-US" dirty="0">
+                <a:solidFill>
+                  <a:srgbClr val="111111"/>
+                </a:solidFill>
+                <a:hlinkClick r:id="rId4"/>
+              </a:rPr>
+              <a:t>US Department of Energy</a:t>
+            </a:r>
+            <a:r>
+              <a:rPr lang="en-US" dirty="0">
+                <a:solidFill>
+                  <a:srgbClr val="111111"/>
+                </a:solidFill>
+              </a:rPr>
+              <a:t>: The mission of the Energy Department is to ensure America’s security and prosperity by addressing its energy, environmental and nuclear challenges through transformative science and technology solutions.</a:t>
+            </a:r>
+            <a:endParaRPr lang="en-US" b="0" i="0" dirty="0">
+              <a:solidFill>
+                <a:srgbClr val="111111"/>
+              </a:solidFill>
+              <a:effectLst/>
+            </a:endParaRPr>
+          </a:p>
+          <a:p>
+            <a:pPr lvl="1"/>
+            <a:r>
+              <a:rPr lang="en-US" dirty="0">
+                <a:solidFill>
+                  <a:srgbClr val="111111"/>
+                </a:solidFill>
+                <a:hlinkClick r:id="rId5"/>
+              </a:rPr>
+              <a:t>Colorado.Gov</a:t>
+            </a:r>
+            <a:r>
+              <a:rPr lang="en-US" dirty="0">
+                <a:solidFill>
+                  <a:srgbClr val="111111"/>
+                </a:solidFill>
+              </a:rPr>
+              <a:t>: Public website for the state of Colorado </a:t>
+            </a:r>
+          </a:p>
+          <a:p>
+            <a:pPr lvl="1"/>
+            <a:r>
+              <a:rPr lang="en-US" dirty="0">
+                <a:solidFill>
+                  <a:srgbClr val="111111"/>
+                </a:solidFill>
+                <a:hlinkClick r:id="rId6"/>
+              </a:rPr>
+              <a:t>World Population Review</a:t>
+            </a:r>
+            <a:r>
+              <a:rPr lang="en-US" dirty="0">
+                <a:solidFill>
+                  <a:srgbClr val="111111"/>
+                </a:solidFill>
+              </a:rPr>
+              <a:t>: </a:t>
+            </a:r>
+            <a:r>
+              <a:rPr lang="en-US" b="0" i="0" dirty="0">
+                <a:solidFill>
+                  <a:srgbClr val="444444"/>
+                </a:solidFill>
+                <a:effectLst/>
+                <a:latin typeface="Open Sans"/>
+              </a:rPr>
+              <a:t>Most demographic data is hidden in spreadsheets, behind complex APIs, or inside cumbersome tools. World Population Review's goal is to make this data more accessible through graphs, charts, analysis and visualizations. We also strive to present the most recent information available, and develop our own projections based on recent growth.</a:t>
+            </a:r>
+          </a:p>
+          <a:p>
+            <a:pPr lvl="1"/>
+            <a:r>
+              <a:rPr lang="en-US" dirty="0">
+                <a:solidFill>
+                  <a:srgbClr val="444444"/>
+                </a:solidFill>
+                <a:latin typeface="Open Sans"/>
+                <a:hlinkClick r:id="rId7"/>
+              </a:rPr>
+              <a:t>Zip Atlas</a:t>
+            </a:r>
+            <a:r>
+              <a:rPr lang="en-US" dirty="0">
+                <a:solidFill>
+                  <a:srgbClr val="444444"/>
+                </a:solidFill>
+                <a:latin typeface="Open Sans"/>
+              </a:rPr>
+              <a:t>: Zip Atlas is a structured collection of zip code, area code, city and state demographic, social and economic profiles.</a:t>
+            </a:r>
+            <a:endParaRPr lang="en-US" dirty="0">
+              <a:solidFill>
+                <a:srgbClr val="111111"/>
+              </a:solidFill>
+            </a:endParaRPr>
+          </a:p>
+          <a:p>
+            <a:pPr lvl="1"/>
+            <a:endParaRPr lang="en-US" b="0" i="0" dirty="0">
+              <a:solidFill>
+                <a:srgbClr val="111111"/>
+              </a:solidFill>
+              <a:effectLst/>
+            </a:endParaRPr>
+          </a:p>
+          <a:p>
+            <a:pPr lvl="1"/>
+            <a:endParaRPr lang="en-US" dirty="0"/>
+          </a:p>
+        </p:txBody>
+      </p:sp>
+    </p:spTree>
+    <p:extLst>
+      <p:ext uri="{BB962C8B-B14F-4D97-AF65-F5344CB8AC3E}">
+        <p14:creationId xmlns:p14="http://schemas.microsoft.com/office/powerpoint/2010/main" val="125706371"/>
+      </p:ext>
+    </p:extLst>
+  </p:cSld>
+  <p:clrMapOvr>
+    <a:masterClrMapping/>
+  </p:clrMapOvr>
+</p:sld>
+</file>
+
 <file path=ppt/slides/slide2.xml><?xml version="1.0" encoding="utf-8"?>
 <p:sld xmlns:a="http://schemas.openxmlformats.org/drawingml/2006/main" xmlns:r="http://schemas.openxmlformats.org/officeDocument/2006/relationships" xmlns:p="http://schemas.openxmlformats.org/presentationml/2006/main">
   <p:cSld>
@@ -4990,34 +5504,6 @@
       </p:sp>
       <p:sp>
         <p:nvSpPr>
-          <p:cNvPr id="5" name="Text Placeholder 4">
-            <a:extLst>
-              <a:ext uri="{FF2B5EF4-FFF2-40B4-BE49-F238E27FC236}">
-                <a16:creationId xmlns:a16="http://schemas.microsoft.com/office/drawing/2014/main" id="{369DC7EE-80BE-464D-A39A-570C8B6AAC6D}"/>
-              </a:ext>
-            </a:extLst>
-          </p:cNvPr>
-          <p:cNvSpPr>
-            <a:spLocks noGrp="1"/>
-          </p:cNvSpPr>
-          <p:nvPr>
-            <p:ph type="body" sz="quarter" idx="3"/>
-          </p:nvPr>
-        </p:nvSpPr>
-        <p:spPr/>
-        <p:txBody>
-          <a:bodyPr/>
-          <a:lstStyle/>
-          <a:p>
-            <a:r>
-              <a:rPr lang="en-US" dirty="0"/>
-              <a:t>**Chart of stations by fuel type**</a:t>
-            </a:r>
-          </a:p>
-        </p:txBody>
-      </p:sp>
-      <p:sp>
-        <p:nvSpPr>
           <p:cNvPr id="9" name="TextBox 8">
             <a:extLst>
               <a:ext uri="{FF2B5EF4-FFF2-40B4-BE49-F238E27FC236}">
@@ -5226,6 +5712,53 @@
           </a:p>
         </p:txBody>
       </p:sp>
+      <p:pic>
+        <p:nvPicPr>
+          <p:cNvPr id="1044" name="Picture 20" descr="Category: Alternative Fuel Vehicles - PUREAIRE MONITORING SYSTEMS">
+            <a:extLst>
+              <a:ext uri="{FF2B5EF4-FFF2-40B4-BE49-F238E27FC236}">
+                <a16:creationId xmlns:a16="http://schemas.microsoft.com/office/drawing/2014/main" id="{E5D2E856-4D0C-4CCF-8EC2-3D3B28FBC4FB}"/>
+              </a:ext>
+            </a:extLst>
+          </p:cNvPr>
+          <p:cNvPicPr>
+            <a:picLocks noChangeAspect="1" noChangeArrowheads="1"/>
+          </p:cNvPicPr>
+          <p:nvPr/>
+        </p:nvPicPr>
+        <p:blipFill>
+          <a:blip r:embed="rId3">
+            <a:extLst>
+              <a:ext uri="{28A0092B-C50C-407E-A947-70E740481C1C}">
+                <a14:useLocalDpi xmlns:a14="http://schemas.microsoft.com/office/drawing/2010/main" val="0"/>
+              </a:ext>
+            </a:extLst>
+          </a:blip>
+          <a:srcRect/>
+          <a:stretch>
+            <a:fillRect/>
+          </a:stretch>
+        </p:blipFill>
+        <p:spPr bwMode="auto">
+          <a:xfrm>
+            <a:off x="6115382" y="2073649"/>
+            <a:ext cx="5476044" cy="3863775"/>
+          </a:xfrm>
+          <a:prstGeom prst="rect">
+            <a:avLst/>
+          </a:prstGeom>
+          <a:noFill/>
+          <a:extLst>
+            <a:ext uri="{909E8E84-426E-40DD-AFC4-6F175D3DCCD1}">
+              <a14:hiddenFill xmlns:a14="http://schemas.microsoft.com/office/drawing/2010/main">
+                <a:solidFill>
+                  <a:srgbClr val="FFFFFF"/>
+                </a:solidFill>
+              </a14:hiddenFill>
+            </a:ext>
+          </a:extLst>
+        </p:spPr>
+      </p:pic>
     </p:spTree>
     <p:extLst>
       <p:ext uri="{BB962C8B-B14F-4D97-AF65-F5344CB8AC3E}">
@@ -5788,11 +6321,41 @@
           <a:p>
             <a:r>
               <a:rPr lang="en-US" dirty="0"/>
-              <a:t>**Map Screenshot**</a:t>
-            </a:r>
-          </a:p>
-        </p:txBody>
-      </p:sp>
+              <a:t>Colorado Alternative Fuel Stations Map</a:t>
+            </a:r>
+          </a:p>
+        </p:txBody>
+      </p:sp>
+      <p:pic>
+        <p:nvPicPr>
+          <p:cNvPr id="7" name="Picture 6">
+            <a:extLst>
+              <a:ext uri="{FF2B5EF4-FFF2-40B4-BE49-F238E27FC236}">
+                <a16:creationId xmlns:a16="http://schemas.microsoft.com/office/drawing/2014/main" id="{FDFAA48D-FE3C-437E-B747-04C4333B643B}"/>
+              </a:ext>
+            </a:extLst>
+          </p:cNvPr>
+          <p:cNvPicPr>
+            <a:picLocks noChangeAspect="1"/>
+          </p:cNvPicPr>
+          <p:nvPr/>
+        </p:nvPicPr>
+        <p:blipFill>
+          <a:blip r:embed="rId2"/>
+          <a:stretch>
+            <a:fillRect/>
+          </a:stretch>
+        </p:blipFill>
+        <p:spPr>
+          <a:xfrm>
+            <a:off x="581193" y="2271363"/>
+            <a:ext cx="11029615" cy="4320356"/>
+          </a:xfrm>
+          <a:prstGeom prst="rect">
+            <a:avLst/>
+          </a:prstGeom>
+        </p:spPr>
+      </p:pic>
     </p:spTree>
     <p:extLst>
       <p:ext uri="{BB962C8B-B14F-4D97-AF65-F5344CB8AC3E}">
@@ -5853,10 +6416,10 @@
       </p:sp>
       <p:sp>
         <p:nvSpPr>
-          <p:cNvPr id="5" name="Text Placeholder 4">
+          <p:cNvPr id="11" name="Text Placeholder 2">
             <a:extLst>
               <a:ext uri="{FF2B5EF4-FFF2-40B4-BE49-F238E27FC236}">
-                <a16:creationId xmlns:a16="http://schemas.microsoft.com/office/drawing/2014/main" id="{369DC7EE-80BE-464D-A39A-570C8B6AAC6D}"/>
+                <a16:creationId xmlns:a16="http://schemas.microsoft.com/office/drawing/2014/main" id="{BA2B51E5-8536-40E2-857E-8C7CA6C69647}"/>
               </a:ext>
             </a:extLst>
           </p:cNvPr>
@@ -5864,13 +6427,13 @@
             <a:spLocks noGrp="1"/>
           </p:cNvSpPr>
           <p:nvPr>
-            <p:ph type="body" sz="quarter" idx="3"/>
+            <p:ph type="body" idx="1"/>
           </p:nvPr>
         </p:nvSpPr>
         <p:spPr>
           <a:xfrm>
-            <a:off x="1271283" y="1717990"/>
-            <a:ext cx="5194770" cy="553373"/>
+            <a:off x="581191" y="2250891"/>
+            <a:ext cx="5194769" cy="557784"/>
           </a:xfrm>
         </p:spPr>
         <p:txBody>
@@ -5879,31 +6442,327 @@
           <a:p>
             <a:r>
               <a:rPr lang="en-US" dirty="0"/>
-              <a:t>**Bubble, </a:t>
-            </a:r>
-            <a:r>
-              <a:rPr lang="en-US" dirty="0" err="1"/>
-              <a:t>Treemap</a:t>
-            </a:r>
-            <a:r>
-              <a:rPr lang="en-US" dirty="0"/>
-              <a:t>, </a:t>
-            </a:r>
-            <a:r>
-              <a:rPr lang="en-US" dirty="0" err="1"/>
-              <a:t>BarChart</a:t>
-            </a:r>
-            <a:r>
-              <a:rPr lang="en-US" dirty="0"/>
-              <a:t> Screenshots**</a:t>
-            </a:r>
+              <a:t>Bubble Chart</a:t>
+            </a:r>
+          </a:p>
+        </p:txBody>
+      </p:sp>
+      <p:pic>
+        <p:nvPicPr>
+          <p:cNvPr id="14" name="Picture 13">
+            <a:extLst>
+              <a:ext uri="{FF2B5EF4-FFF2-40B4-BE49-F238E27FC236}">
+                <a16:creationId xmlns:a16="http://schemas.microsoft.com/office/drawing/2014/main" id="{F4855D6A-C654-4662-8E14-18B9F7DBDC71}"/>
+              </a:ext>
+            </a:extLst>
+          </p:cNvPr>
+          <p:cNvPicPr>
+            <a:picLocks noChangeAspect="1"/>
+          </p:cNvPicPr>
+          <p:nvPr/>
+        </p:nvPicPr>
+        <p:blipFill>
+          <a:blip r:embed="rId2"/>
+          <a:stretch>
+            <a:fillRect/>
+          </a:stretch>
+        </p:blipFill>
+        <p:spPr>
+          <a:xfrm>
+            <a:off x="5154804" y="2250891"/>
+            <a:ext cx="6456006" cy="3877451"/>
+          </a:xfrm>
+          <a:prstGeom prst="rect">
+            <a:avLst/>
+          </a:prstGeom>
+        </p:spPr>
+      </p:pic>
+      <p:sp>
+        <p:nvSpPr>
+          <p:cNvPr id="16" name="Text Placeholder 4">
+            <a:extLst>
+              <a:ext uri="{FF2B5EF4-FFF2-40B4-BE49-F238E27FC236}">
+                <a16:creationId xmlns:a16="http://schemas.microsoft.com/office/drawing/2014/main" id="{CFB2FD42-427A-4962-BD21-1E750060309E}"/>
+              </a:ext>
+            </a:extLst>
+          </p:cNvPr>
+          <p:cNvSpPr txBox="1">
+            <a:spLocks/>
+          </p:cNvSpPr>
+          <p:nvPr/>
+        </p:nvSpPr>
+        <p:spPr>
+          <a:xfrm>
+            <a:off x="581191" y="3014506"/>
+            <a:ext cx="4191776" cy="1627832"/>
+          </a:xfrm>
+          <a:prstGeom prst="rect">
+            <a:avLst/>
+          </a:prstGeom>
+        </p:spPr>
+        <p:txBody>
+          <a:bodyPr vert="horz" lIns="91440" tIns="45720" rIns="91440" bIns="45720" rtlCol="0" anchor="ctr">
+            <a:noAutofit/>
+          </a:bodyPr>
+          <a:lstStyle>
+            <a:lvl1pPr marL="0" marR="0" indent="0" algn="l" defTabSz="457200" rtl="0" eaLnBrk="1" fontAlgn="auto" latinLnBrk="0" hangingPunct="1">
+              <a:lnSpc>
+                <a:spcPct val="100000"/>
+              </a:lnSpc>
+              <a:spcBef>
+                <a:spcPct val="20000"/>
+              </a:spcBef>
+              <a:spcAft>
+                <a:spcPts val="600"/>
+              </a:spcAft>
+              <a:buClr>
+                <a:schemeClr val="accent1"/>
+              </a:buClr>
+              <a:buSzPct val="92000"/>
+              <a:buFont typeface="Wingdings 2" panose="05020102010507070707" pitchFamily="18" charset="2"/>
+              <a:buNone/>
+              <a:tabLst/>
+              <a:defRPr sz="2000" b="0" kern="1200">
+                <a:solidFill>
+                  <a:schemeClr val="tx1">
+                    <a:lumMod val="75000"/>
+                    <a:lumOff val="25000"/>
+                  </a:schemeClr>
+                </a:solidFill>
+                <a:latin typeface="+mn-lt"/>
+                <a:ea typeface="+mn-ea"/>
+                <a:cs typeface="+mn-cs"/>
+              </a:defRPr>
+            </a:lvl1pPr>
+            <a:lvl2pPr marL="457200" indent="0" algn="l" defTabSz="457200" rtl="0" eaLnBrk="1" latinLnBrk="0" hangingPunct="1">
+              <a:spcBef>
+                <a:spcPct val="20000"/>
+              </a:spcBef>
+              <a:spcAft>
+                <a:spcPts val="600"/>
+              </a:spcAft>
+              <a:buClr>
+                <a:schemeClr val="accent1"/>
+              </a:buClr>
+              <a:buSzPct val="92000"/>
+              <a:buFont typeface="Wingdings 2" panose="05020102010507070707" pitchFamily="18" charset="2"/>
+              <a:buNone/>
+              <a:defRPr sz="2000" b="1" kern="1200">
+                <a:solidFill>
+                  <a:schemeClr val="tx1">
+                    <a:lumMod val="75000"/>
+                    <a:lumOff val="25000"/>
+                  </a:schemeClr>
+                </a:solidFill>
+                <a:latin typeface="+mn-lt"/>
+                <a:ea typeface="+mn-ea"/>
+                <a:cs typeface="+mn-cs"/>
+              </a:defRPr>
+            </a:lvl2pPr>
+            <a:lvl3pPr marL="914400" indent="0" algn="l" defTabSz="457200" rtl="0" eaLnBrk="1" latinLnBrk="0" hangingPunct="1">
+              <a:spcBef>
+                <a:spcPct val="20000"/>
+              </a:spcBef>
+              <a:spcAft>
+                <a:spcPts val="600"/>
+              </a:spcAft>
+              <a:buClr>
+                <a:schemeClr val="accent1"/>
+              </a:buClr>
+              <a:buSzPct val="92000"/>
+              <a:buFont typeface="Wingdings 2" panose="05020102010507070707" pitchFamily="18" charset="2"/>
+              <a:buNone/>
+              <a:defRPr sz="1800" b="1" kern="1200">
+                <a:solidFill>
+                  <a:schemeClr val="tx1">
+                    <a:lumMod val="75000"/>
+                    <a:lumOff val="25000"/>
+                  </a:schemeClr>
+                </a:solidFill>
+                <a:latin typeface="+mn-lt"/>
+                <a:ea typeface="+mn-ea"/>
+                <a:cs typeface="+mn-cs"/>
+              </a:defRPr>
+            </a:lvl3pPr>
+            <a:lvl4pPr marL="1371600" indent="0" algn="l" defTabSz="457200" rtl="0" eaLnBrk="1" latinLnBrk="0" hangingPunct="1">
+              <a:spcBef>
+                <a:spcPct val="20000"/>
+              </a:spcBef>
+              <a:spcAft>
+                <a:spcPts val="600"/>
+              </a:spcAft>
+              <a:buClr>
+                <a:schemeClr val="accent1"/>
+              </a:buClr>
+              <a:buSzPct val="92000"/>
+              <a:buFont typeface="Wingdings 2" panose="05020102010507070707" pitchFamily="18" charset="2"/>
+              <a:buNone/>
+              <a:defRPr sz="1600" b="1" kern="1200">
+                <a:solidFill>
+                  <a:schemeClr val="tx1">
+                    <a:lumMod val="75000"/>
+                    <a:lumOff val="25000"/>
+                  </a:schemeClr>
+                </a:solidFill>
+                <a:latin typeface="+mn-lt"/>
+                <a:ea typeface="+mn-ea"/>
+                <a:cs typeface="+mn-cs"/>
+              </a:defRPr>
+            </a:lvl4pPr>
+            <a:lvl5pPr marL="1828800" indent="0" algn="l" defTabSz="457200" rtl="0" eaLnBrk="1" latinLnBrk="0" hangingPunct="1">
+              <a:spcBef>
+                <a:spcPct val="20000"/>
+              </a:spcBef>
+              <a:spcAft>
+                <a:spcPts val="600"/>
+              </a:spcAft>
+              <a:buClr>
+                <a:schemeClr val="accent1"/>
+              </a:buClr>
+              <a:buSzPct val="92000"/>
+              <a:buFont typeface="Wingdings 2" panose="05020102010507070707" pitchFamily="18" charset="2"/>
+              <a:buNone/>
+              <a:defRPr sz="1600" b="1" kern="1200">
+                <a:solidFill>
+                  <a:schemeClr val="tx1">
+                    <a:lumMod val="75000"/>
+                    <a:lumOff val="25000"/>
+                  </a:schemeClr>
+                </a:solidFill>
+                <a:latin typeface="+mn-lt"/>
+                <a:ea typeface="+mn-ea"/>
+                <a:cs typeface="+mn-cs"/>
+              </a:defRPr>
+            </a:lvl5pPr>
+            <a:lvl6pPr marL="2286000" indent="0" algn="l" defTabSz="457200" rtl="0" eaLnBrk="1" latinLnBrk="0" hangingPunct="1">
+              <a:spcBef>
+                <a:spcPct val="20000"/>
+              </a:spcBef>
+              <a:spcAft>
+                <a:spcPts val="600"/>
+              </a:spcAft>
+              <a:buClr>
+                <a:schemeClr val="accent2"/>
+              </a:buClr>
+              <a:buSzPct val="92000"/>
+              <a:buFont typeface="Wingdings 2" panose="05020102010507070707" pitchFamily="18" charset="2"/>
+              <a:buNone/>
+              <a:defRPr sz="1600" b="1" kern="1200">
+                <a:solidFill>
+                  <a:schemeClr val="tx2"/>
+                </a:solidFill>
+                <a:latin typeface="+mn-lt"/>
+                <a:ea typeface="+mn-ea"/>
+                <a:cs typeface="+mn-cs"/>
+              </a:defRPr>
+            </a:lvl6pPr>
+            <a:lvl7pPr marL="2743200" indent="0" algn="l" defTabSz="457200" rtl="0" eaLnBrk="1" latinLnBrk="0" hangingPunct="1">
+              <a:spcBef>
+                <a:spcPct val="20000"/>
+              </a:spcBef>
+              <a:spcAft>
+                <a:spcPts val="600"/>
+              </a:spcAft>
+              <a:buClr>
+                <a:schemeClr val="accent2"/>
+              </a:buClr>
+              <a:buSzPct val="92000"/>
+              <a:buFont typeface="Wingdings 2" panose="05020102010507070707" pitchFamily="18" charset="2"/>
+              <a:buNone/>
+              <a:defRPr sz="1600" b="1" kern="1200">
+                <a:solidFill>
+                  <a:schemeClr val="tx2"/>
+                </a:solidFill>
+                <a:latin typeface="+mn-lt"/>
+                <a:ea typeface="+mn-ea"/>
+                <a:cs typeface="+mn-cs"/>
+              </a:defRPr>
+            </a:lvl7pPr>
+            <a:lvl8pPr marL="3200400" indent="0" algn="l" defTabSz="457200" rtl="0" eaLnBrk="1" latinLnBrk="0" hangingPunct="1">
+              <a:spcBef>
+                <a:spcPct val="20000"/>
+              </a:spcBef>
+              <a:spcAft>
+                <a:spcPts val="600"/>
+              </a:spcAft>
+              <a:buClr>
+                <a:schemeClr val="accent2"/>
+              </a:buClr>
+              <a:buSzPct val="92000"/>
+              <a:buFont typeface="Wingdings 2" panose="05020102010507070707" pitchFamily="18" charset="2"/>
+              <a:buNone/>
+              <a:defRPr sz="1600" b="1" kern="1200">
+                <a:solidFill>
+                  <a:schemeClr val="tx2"/>
+                </a:solidFill>
+                <a:latin typeface="+mn-lt"/>
+                <a:ea typeface="+mn-ea"/>
+                <a:cs typeface="+mn-cs"/>
+              </a:defRPr>
+            </a:lvl8pPr>
+            <a:lvl9pPr marL="3657600" indent="0" algn="l" defTabSz="457200" rtl="0" eaLnBrk="1" latinLnBrk="0" hangingPunct="1">
+              <a:spcBef>
+                <a:spcPct val="20000"/>
+              </a:spcBef>
+              <a:spcAft>
+                <a:spcPts val="600"/>
+              </a:spcAft>
+              <a:buClr>
+                <a:schemeClr val="accent2"/>
+              </a:buClr>
+              <a:buSzPct val="92000"/>
+              <a:buFont typeface="Wingdings 2" panose="05020102010507070707" pitchFamily="18" charset="2"/>
+              <a:buNone/>
+              <a:defRPr sz="1600" b="1" kern="1200">
+                <a:solidFill>
+                  <a:schemeClr val="tx2"/>
+                </a:solidFill>
+                <a:latin typeface="+mn-lt"/>
+                <a:ea typeface="+mn-ea"/>
+                <a:cs typeface="+mn-cs"/>
+              </a:defRPr>
+            </a:lvl9pPr>
+          </a:lstStyle>
+          <a:p>
+            <a:pPr marL="342900" indent="-342900">
+              <a:buFont typeface="Wingdings" panose="05000000000000000000" pitchFamily="2" charset="2"/>
+              <a:buChar char="§"/>
+            </a:pPr>
+            <a:r>
+              <a:rPr lang="en-US" sz="1600" dirty="0"/>
+              <a:t>Shows population vs. average household income</a:t>
+            </a:r>
+          </a:p>
+          <a:p>
+            <a:pPr marL="342900" indent="-342900">
+              <a:buFont typeface="Wingdings" panose="05000000000000000000" pitchFamily="2" charset="2"/>
+              <a:buChar char="§"/>
+            </a:pPr>
+            <a:r>
+              <a:rPr lang="en-US" sz="1600" dirty="0"/>
+              <a:t>Bubbles are stations for each zip code</a:t>
+            </a:r>
+          </a:p>
+          <a:p>
+            <a:pPr marL="342900" indent="-342900">
+              <a:buFont typeface="Wingdings" panose="05000000000000000000" pitchFamily="2" charset="2"/>
+              <a:buChar char="§"/>
+            </a:pPr>
+            <a:endParaRPr lang="en-US" sz="1600" dirty="0"/>
+          </a:p>
+          <a:p>
+            <a:pPr marL="342900" indent="-342900">
+              <a:buFont typeface="Wingdings" panose="05000000000000000000" pitchFamily="2" charset="2"/>
+              <a:buChar char="§"/>
+            </a:pPr>
+            <a:endParaRPr lang="en-US" dirty="0"/>
           </a:p>
         </p:txBody>
       </p:sp>
     </p:spTree>
     <p:extLst>
       <p:ext uri="{BB962C8B-B14F-4D97-AF65-F5344CB8AC3E}">
-        <p14:creationId xmlns:p14="http://schemas.microsoft.com/office/powerpoint/2010/main" val="1959176486"/>
+        <p14:creationId xmlns:p14="http://schemas.microsoft.com/office/powerpoint/2010/main" val="3428750648"/>
       </p:ext>
     </p:extLst>
   </p:cSld>
@@ -5953,156 +6812,367 @@
           <a:p>
             <a:r>
               <a:rPr lang="en-US" dirty="0"/>
-              <a:t>Conclusions</a:t>
-            </a:r>
-          </a:p>
-        </p:txBody>
-      </p:sp>
-      <p:sp>
-        <p:nvSpPr>
-          <p:cNvPr id="4" name="TextBox 3">
+              <a:t>Interactive Visualizations</a:t>
+            </a:r>
+          </a:p>
+        </p:txBody>
+      </p:sp>
+      <p:sp>
+        <p:nvSpPr>
+          <p:cNvPr id="11" name="Text Placeholder 2">
             <a:extLst>
               <a:ext uri="{FF2B5EF4-FFF2-40B4-BE49-F238E27FC236}">
-                <a16:creationId xmlns:a16="http://schemas.microsoft.com/office/drawing/2014/main" id="{2970FE32-99F1-484F-9640-86339855EB41}"/>
+                <a16:creationId xmlns:a16="http://schemas.microsoft.com/office/drawing/2014/main" id="{BA2B51E5-8536-40E2-857E-8C7CA6C69647}"/>
               </a:ext>
             </a:extLst>
           </p:cNvPr>
-          <p:cNvSpPr txBox="1"/>
-          <p:nvPr/>
+          <p:cNvSpPr>
+            <a:spLocks noGrp="1"/>
+          </p:cNvSpPr>
+          <p:nvPr>
+            <p:ph type="body" idx="1"/>
+          </p:nvPr>
         </p:nvSpPr>
         <p:spPr>
           <a:xfrm>
-            <a:off x="581193" y="3077908"/>
-            <a:ext cx="10562429" cy="2062103"/>
+            <a:off x="581191" y="2250891"/>
+            <a:ext cx="5194769" cy="557784"/>
+          </a:xfrm>
+        </p:spPr>
+        <p:txBody>
+          <a:bodyPr/>
+          <a:lstStyle/>
+          <a:p>
+            <a:r>
+              <a:rPr lang="en-US" dirty="0"/>
+              <a:t>Tree Map</a:t>
+            </a:r>
+          </a:p>
+        </p:txBody>
+      </p:sp>
+      <p:sp>
+        <p:nvSpPr>
+          <p:cNvPr id="16" name="Text Placeholder 4">
+            <a:extLst>
+              <a:ext uri="{FF2B5EF4-FFF2-40B4-BE49-F238E27FC236}">
+                <a16:creationId xmlns:a16="http://schemas.microsoft.com/office/drawing/2014/main" id="{CFB2FD42-427A-4962-BD21-1E750060309E}"/>
+              </a:ext>
+            </a:extLst>
+          </p:cNvPr>
+          <p:cNvSpPr txBox="1">
+            <a:spLocks/>
+          </p:cNvSpPr>
+          <p:nvPr/>
+        </p:nvSpPr>
+        <p:spPr>
+          <a:xfrm>
+            <a:off x="581191" y="2808675"/>
+            <a:ext cx="4191776" cy="2621467"/>
           </a:xfrm>
           <a:prstGeom prst="rect">
             <a:avLst/>
           </a:prstGeom>
-          <a:noFill/>
         </p:spPr>
         <p:txBody>
-          <a:bodyPr wrap="square" rtlCol="0">
-            <a:spAutoFit/>
+          <a:bodyPr vert="horz" lIns="91440" tIns="45720" rIns="91440" bIns="45720" rtlCol="0" anchor="ctr">
+            <a:noAutofit/>
           </a:bodyPr>
-          <a:lstStyle/>
-          <a:p>
-            <a:pPr marL="285750" indent="-285750">
+          <a:lstStyle>
+            <a:lvl1pPr marL="0" marR="0" indent="0" algn="l" defTabSz="457200" rtl="0" eaLnBrk="1" fontAlgn="auto" latinLnBrk="0" hangingPunct="1">
+              <a:lnSpc>
+                <a:spcPct val="100000"/>
+              </a:lnSpc>
+              <a:spcBef>
+                <a:spcPct val="20000"/>
+              </a:spcBef>
+              <a:spcAft>
+                <a:spcPts val="600"/>
+              </a:spcAft>
               <a:buClr>
                 <a:schemeClr val="accent1"/>
               </a:buClr>
               <a:buSzPct val="92000"/>
-              <a:buFont typeface="Wingdings" panose="05000000000000000000" pitchFamily="2" charset="2"/>
-              <a:buChar char="§"/>
-            </a:pPr>
-            <a:r>
-              <a:rPr lang="en-US" sz="1600" dirty="0">
-                <a:solidFill>
-                  <a:srgbClr val="111111"/>
-                </a:solidFill>
-                <a:cs typeface="Arial" panose="020B0604020202020204" pitchFamily="34" charset="0"/>
-              </a:rPr>
-              <a:t>Alternative fuel vehicles and charging stations will increase dramatically in usage in the near future.</a:t>
-            </a:r>
-          </a:p>
-          <a:p>
-            <a:pPr marL="285750" indent="-285750">
+              <a:buFont typeface="Wingdings 2" panose="05020102010507070707" pitchFamily="18" charset="2"/>
+              <a:buNone/>
+              <a:tabLst/>
+              <a:defRPr sz="2000" b="0" kern="1200">
+                <a:solidFill>
+                  <a:schemeClr val="tx1">
+                    <a:lumMod val="75000"/>
+                    <a:lumOff val="25000"/>
+                  </a:schemeClr>
+                </a:solidFill>
+                <a:latin typeface="+mn-lt"/>
+                <a:ea typeface="+mn-ea"/>
+                <a:cs typeface="+mn-cs"/>
+              </a:defRPr>
+            </a:lvl1pPr>
+            <a:lvl2pPr marL="457200" indent="0" algn="l" defTabSz="457200" rtl="0" eaLnBrk="1" latinLnBrk="0" hangingPunct="1">
+              <a:spcBef>
+                <a:spcPct val="20000"/>
+              </a:spcBef>
+              <a:spcAft>
+                <a:spcPts val="600"/>
+              </a:spcAft>
               <a:buClr>
                 <a:schemeClr val="accent1"/>
               </a:buClr>
               <a:buSzPct val="92000"/>
-              <a:buFont typeface="Wingdings" panose="05000000000000000000" pitchFamily="2" charset="2"/>
-              <a:buChar char="§"/>
-            </a:pPr>
-            <a:r>
-              <a:rPr lang="en-US" sz="1600" dirty="0">
-                <a:solidFill>
-                  <a:srgbClr val="111111"/>
-                </a:solidFill>
-                <a:cs typeface="Arial" panose="020B0604020202020204" pitchFamily="34" charset="0"/>
-              </a:rPr>
-              <a:t>Zip codes with higher average household incomes appear to have more alternative fueling stations. A more in depth analysis should be performed to confirm.</a:t>
-            </a:r>
-          </a:p>
-          <a:p>
-            <a:pPr marL="285750" indent="-285750">
+              <a:buFont typeface="Wingdings 2" panose="05020102010507070707" pitchFamily="18" charset="2"/>
+              <a:buNone/>
+              <a:defRPr sz="2000" b="1" kern="1200">
+                <a:solidFill>
+                  <a:schemeClr val="tx1">
+                    <a:lumMod val="75000"/>
+                    <a:lumOff val="25000"/>
+                  </a:schemeClr>
+                </a:solidFill>
+                <a:latin typeface="+mn-lt"/>
+                <a:ea typeface="+mn-ea"/>
+                <a:cs typeface="+mn-cs"/>
+              </a:defRPr>
+            </a:lvl2pPr>
+            <a:lvl3pPr marL="914400" indent="0" algn="l" defTabSz="457200" rtl="0" eaLnBrk="1" latinLnBrk="0" hangingPunct="1">
+              <a:spcBef>
+                <a:spcPct val="20000"/>
+              </a:spcBef>
+              <a:spcAft>
+                <a:spcPts val="600"/>
+              </a:spcAft>
               <a:buClr>
                 <a:schemeClr val="accent1"/>
               </a:buClr>
               <a:buSzPct val="92000"/>
-              <a:buFont typeface="Wingdings" panose="05000000000000000000" pitchFamily="2" charset="2"/>
-              <a:buChar char="§"/>
-            </a:pPr>
-            <a:r>
-              <a:rPr lang="en-US" sz="1600" dirty="0">
-                <a:solidFill>
-                  <a:srgbClr val="111111"/>
-                </a:solidFill>
-                <a:cs typeface="Arial" panose="020B0604020202020204" pitchFamily="34" charset="0"/>
-              </a:rPr>
-              <a:t>There’s enormous potential for use of an alternative fuel station dashboard with a diverse number of applications.</a:t>
-            </a:r>
-          </a:p>
-          <a:p>
-            <a:pPr marL="285750" indent="-285750">
+              <a:buFont typeface="Wingdings 2" panose="05020102010507070707" pitchFamily="18" charset="2"/>
+              <a:buNone/>
+              <a:defRPr sz="1800" b="1" kern="1200">
+                <a:solidFill>
+                  <a:schemeClr val="tx1">
+                    <a:lumMod val="75000"/>
+                    <a:lumOff val="25000"/>
+                  </a:schemeClr>
+                </a:solidFill>
+                <a:latin typeface="+mn-lt"/>
+                <a:ea typeface="+mn-ea"/>
+                <a:cs typeface="+mn-cs"/>
+              </a:defRPr>
+            </a:lvl3pPr>
+            <a:lvl4pPr marL="1371600" indent="0" algn="l" defTabSz="457200" rtl="0" eaLnBrk="1" latinLnBrk="0" hangingPunct="1">
+              <a:spcBef>
+                <a:spcPct val="20000"/>
+              </a:spcBef>
+              <a:spcAft>
+                <a:spcPts val="600"/>
+              </a:spcAft>
               <a:buClr>
                 <a:schemeClr val="accent1"/>
               </a:buClr>
               <a:buSzPct val="92000"/>
-              <a:buFont typeface="Wingdings" panose="05000000000000000000" pitchFamily="2" charset="2"/>
-              <a:buChar char="§"/>
-            </a:pPr>
-            <a:endParaRPr lang="en-US" sz="1600" dirty="0">
-              <a:solidFill>
-                <a:srgbClr val="111111"/>
-              </a:solidFill>
-              <a:cs typeface="Arial" panose="020B0604020202020204" pitchFamily="34" charset="0"/>
-            </a:endParaRPr>
-          </a:p>
-          <a:p>
-            <a:pPr marL="285750" indent="-285750">
+              <a:buFont typeface="Wingdings 2" panose="05020102010507070707" pitchFamily="18" charset="2"/>
+              <a:buNone/>
+              <a:defRPr sz="1600" b="1" kern="1200">
+                <a:solidFill>
+                  <a:schemeClr val="tx1">
+                    <a:lumMod val="75000"/>
+                    <a:lumOff val="25000"/>
+                  </a:schemeClr>
+                </a:solidFill>
+                <a:latin typeface="+mn-lt"/>
+                <a:ea typeface="+mn-ea"/>
+                <a:cs typeface="+mn-cs"/>
+              </a:defRPr>
+            </a:lvl4pPr>
+            <a:lvl5pPr marL="1828800" indent="0" algn="l" defTabSz="457200" rtl="0" eaLnBrk="1" latinLnBrk="0" hangingPunct="1">
+              <a:spcBef>
+                <a:spcPct val="20000"/>
+              </a:spcBef>
+              <a:spcAft>
+                <a:spcPts val="600"/>
+              </a:spcAft>
               <a:buClr>
                 <a:schemeClr val="accent1"/>
               </a:buClr>
               <a:buSzPct val="92000"/>
+              <a:buFont typeface="Wingdings 2" panose="05020102010507070707" pitchFamily="18" charset="2"/>
+              <a:buNone/>
+              <a:defRPr sz="1600" b="1" kern="1200">
+                <a:solidFill>
+                  <a:schemeClr val="tx1">
+                    <a:lumMod val="75000"/>
+                    <a:lumOff val="25000"/>
+                  </a:schemeClr>
+                </a:solidFill>
+                <a:latin typeface="+mn-lt"/>
+                <a:ea typeface="+mn-ea"/>
+                <a:cs typeface="+mn-cs"/>
+              </a:defRPr>
+            </a:lvl5pPr>
+            <a:lvl6pPr marL="2286000" indent="0" algn="l" defTabSz="457200" rtl="0" eaLnBrk="1" latinLnBrk="0" hangingPunct="1">
+              <a:spcBef>
+                <a:spcPct val="20000"/>
+              </a:spcBef>
+              <a:spcAft>
+                <a:spcPts val="600"/>
+              </a:spcAft>
+              <a:buClr>
+                <a:schemeClr val="accent2"/>
+              </a:buClr>
+              <a:buSzPct val="92000"/>
+              <a:buFont typeface="Wingdings 2" panose="05020102010507070707" pitchFamily="18" charset="2"/>
+              <a:buNone/>
+              <a:defRPr sz="1600" b="1" kern="1200">
+                <a:solidFill>
+                  <a:schemeClr val="tx2"/>
+                </a:solidFill>
+                <a:latin typeface="+mn-lt"/>
+                <a:ea typeface="+mn-ea"/>
+                <a:cs typeface="+mn-cs"/>
+              </a:defRPr>
+            </a:lvl6pPr>
+            <a:lvl7pPr marL="2743200" indent="0" algn="l" defTabSz="457200" rtl="0" eaLnBrk="1" latinLnBrk="0" hangingPunct="1">
+              <a:spcBef>
+                <a:spcPct val="20000"/>
+              </a:spcBef>
+              <a:spcAft>
+                <a:spcPts val="600"/>
+              </a:spcAft>
+              <a:buClr>
+                <a:schemeClr val="accent2"/>
+              </a:buClr>
+              <a:buSzPct val="92000"/>
+              <a:buFont typeface="Wingdings 2" panose="05020102010507070707" pitchFamily="18" charset="2"/>
+              <a:buNone/>
+              <a:defRPr sz="1600" b="1" kern="1200">
+                <a:solidFill>
+                  <a:schemeClr val="tx2"/>
+                </a:solidFill>
+                <a:latin typeface="+mn-lt"/>
+                <a:ea typeface="+mn-ea"/>
+                <a:cs typeface="+mn-cs"/>
+              </a:defRPr>
+            </a:lvl7pPr>
+            <a:lvl8pPr marL="3200400" indent="0" algn="l" defTabSz="457200" rtl="0" eaLnBrk="1" latinLnBrk="0" hangingPunct="1">
+              <a:spcBef>
+                <a:spcPct val="20000"/>
+              </a:spcBef>
+              <a:spcAft>
+                <a:spcPts val="600"/>
+              </a:spcAft>
+              <a:buClr>
+                <a:schemeClr val="accent2"/>
+              </a:buClr>
+              <a:buSzPct val="92000"/>
+              <a:buFont typeface="Wingdings 2" panose="05020102010507070707" pitchFamily="18" charset="2"/>
+              <a:buNone/>
+              <a:defRPr sz="1600" b="1" kern="1200">
+                <a:solidFill>
+                  <a:schemeClr val="tx2"/>
+                </a:solidFill>
+                <a:latin typeface="+mn-lt"/>
+                <a:ea typeface="+mn-ea"/>
+                <a:cs typeface="+mn-cs"/>
+              </a:defRPr>
+            </a:lvl8pPr>
+            <a:lvl9pPr marL="3657600" indent="0" algn="l" defTabSz="457200" rtl="0" eaLnBrk="1" latinLnBrk="0" hangingPunct="1">
+              <a:spcBef>
+                <a:spcPct val="20000"/>
+              </a:spcBef>
+              <a:spcAft>
+                <a:spcPts val="600"/>
+              </a:spcAft>
+              <a:buClr>
+                <a:schemeClr val="accent2"/>
+              </a:buClr>
+              <a:buSzPct val="92000"/>
+              <a:buFont typeface="Wingdings 2" panose="05020102010507070707" pitchFamily="18" charset="2"/>
+              <a:buNone/>
+              <a:defRPr sz="1600" b="1" kern="1200">
+                <a:solidFill>
+                  <a:schemeClr val="tx2"/>
+                </a:solidFill>
+                <a:latin typeface="+mn-lt"/>
+                <a:ea typeface="+mn-ea"/>
+                <a:cs typeface="+mn-cs"/>
+              </a:defRPr>
+            </a:lvl9pPr>
+          </a:lstStyle>
+          <a:p>
+            <a:pPr marL="342900" indent="-342900">
               <a:buFont typeface="Wingdings" panose="05000000000000000000" pitchFamily="2" charset="2"/>
               <a:buChar char="§"/>
             </a:pPr>
-            <a:endParaRPr lang="en-US" sz="1600" dirty="0">
-              <a:solidFill>
-                <a:srgbClr val="111111"/>
-              </a:solidFill>
-              <a:cs typeface="Arial" panose="020B0604020202020204" pitchFamily="34" charset="0"/>
-            </a:endParaRPr>
-          </a:p>
-          <a:p>
-            <a:pPr lvl="1"/>
-            <a:endParaRPr lang="en-US" sz="1600" dirty="0">
-              <a:solidFill>
-                <a:srgbClr val="111111"/>
-              </a:solidFill>
-              <a:latin typeface="Arial" panose="020B0604020202020204" pitchFamily="34" charset="0"/>
-              <a:cs typeface="Arial" panose="020B0604020202020204" pitchFamily="34" charset="0"/>
-            </a:endParaRPr>
-          </a:p>
-          <a:p>
-            <a:pPr marL="742950" lvl="1" indent="-285750">
-              <a:buFont typeface="Arial" panose="020B0604020202020204" pitchFamily="34" charset="0"/>
-              <a:buChar char="•"/>
+            <a:r>
+              <a:rPr lang="en-US" sz="1600" dirty="0"/>
+              <a:t>Shows station count by zip code and fuel type for each city</a:t>
+            </a:r>
+          </a:p>
+          <a:p>
+            <a:pPr marL="342900" indent="-342900">
+              <a:buFont typeface="Wingdings" panose="05000000000000000000" pitchFamily="2" charset="2"/>
+              <a:buChar char="§"/>
             </a:pPr>
-            <a:endParaRPr lang="en-US" sz="1600" dirty="0">
-              <a:solidFill>
-                <a:srgbClr val="111111"/>
-              </a:solidFill>
-              <a:latin typeface="Arial" panose="020B0604020202020204" pitchFamily="34" charset="0"/>
-              <a:cs typeface="Arial" panose="020B0604020202020204" pitchFamily="34" charset="0"/>
-            </a:endParaRPr>
-          </a:p>
-        </p:txBody>
-      </p:sp>
+            <a:r>
+              <a:rPr lang="en-US" sz="1600" dirty="0"/>
+              <a:t>Each block is a unique zip code/fuel type combination. </a:t>
+            </a:r>
+          </a:p>
+          <a:p>
+            <a:pPr marL="342900" indent="-342900">
+              <a:buFont typeface="Wingdings" panose="05000000000000000000" pitchFamily="2" charset="2"/>
+              <a:buChar char="§"/>
+            </a:pPr>
+            <a:endParaRPr lang="en-US" sz="1600" dirty="0"/>
+          </a:p>
+          <a:p>
+            <a:pPr marL="342900" indent="-342900">
+              <a:buFont typeface="Wingdings" panose="05000000000000000000" pitchFamily="2" charset="2"/>
+              <a:buChar char="§"/>
+            </a:pPr>
+            <a:endParaRPr lang="en-US" sz="1600" dirty="0"/>
+          </a:p>
+          <a:p>
+            <a:pPr marL="342900" indent="-342900">
+              <a:buFont typeface="Wingdings" panose="05000000000000000000" pitchFamily="2" charset="2"/>
+              <a:buChar char="§"/>
+            </a:pPr>
+            <a:endParaRPr lang="en-US" dirty="0"/>
+          </a:p>
+        </p:txBody>
+      </p:sp>
+      <p:pic>
+        <p:nvPicPr>
+          <p:cNvPr id="6" name="Picture 5">
+            <a:extLst>
+              <a:ext uri="{FF2B5EF4-FFF2-40B4-BE49-F238E27FC236}">
+                <a16:creationId xmlns:a16="http://schemas.microsoft.com/office/drawing/2014/main" id="{8DF8CCED-905B-4882-BBC8-878C29C3CF0E}"/>
+              </a:ext>
+            </a:extLst>
+          </p:cNvPr>
+          <p:cNvPicPr>
+            <a:picLocks noChangeAspect="1"/>
+          </p:cNvPicPr>
+          <p:nvPr/>
+        </p:nvPicPr>
+        <p:blipFill>
+          <a:blip r:embed="rId2"/>
+          <a:stretch>
+            <a:fillRect/>
+          </a:stretch>
+        </p:blipFill>
+        <p:spPr>
+          <a:xfrm>
+            <a:off x="5174901" y="2250890"/>
+            <a:ext cx="6435908" cy="3877451"/>
+          </a:xfrm>
+          <a:prstGeom prst="rect">
+            <a:avLst/>
+          </a:prstGeom>
+        </p:spPr>
+      </p:pic>
     </p:spTree>
     <p:extLst>
       <p:ext uri="{BB962C8B-B14F-4D97-AF65-F5344CB8AC3E}">
-        <p14:creationId xmlns:p14="http://schemas.microsoft.com/office/powerpoint/2010/main" val="743061923"/>
+        <p14:creationId xmlns:p14="http://schemas.microsoft.com/office/powerpoint/2010/main" val="919304003"/>
       </p:ext>
     </p:extLst>
   </p:cSld>
@@ -6134,7 +7204,7 @@
           <p:cNvPr id="2" name="Title 1">
             <a:extLst>
               <a:ext uri="{FF2B5EF4-FFF2-40B4-BE49-F238E27FC236}">
-                <a16:creationId xmlns:a16="http://schemas.microsoft.com/office/drawing/2014/main" id="{8A75B6AD-4719-4AF0-9E29-741709DBB9D0}"/>
+                <a16:creationId xmlns:a16="http://schemas.microsoft.com/office/drawing/2014/main" id="{7A4BDC69-4580-40A1-828F-CB453F1E883E}"/>
               </a:ext>
             </a:extLst>
           </p:cNvPr>
@@ -6152,17 +7222,17 @@
           <a:p>
             <a:r>
               <a:rPr lang="en-US" dirty="0"/>
-              <a:t>APPENDIX A</a:t>
-            </a:r>
-          </a:p>
-        </p:txBody>
-      </p:sp>
-      <p:sp>
-        <p:nvSpPr>
-          <p:cNvPr id="3" name="Content Placeholder 2">
+              <a:t>Interactive Visualizations</a:t>
+            </a:r>
+          </a:p>
+        </p:txBody>
+      </p:sp>
+      <p:sp>
+        <p:nvSpPr>
+          <p:cNvPr id="11" name="Text Placeholder 2">
             <a:extLst>
               <a:ext uri="{FF2B5EF4-FFF2-40B4-BE49-F238E27FC236}">
-                <a16:creationId xmlns:a16="http://schemas.microsoft.com/office/drawing/2014/main" id="{15356DB3-B308-4CB4-A011-5900E07C7B32}"/>
+                <a16:creationId xmlns:a16="http://schemas.microsoft.com/office/drawing/2014/main" id="{BA2B51E5-8536-40E2-857E-8C7CA6C69647}"/>
               </a:ext>
             </a:extLst>
           </p:cNvPr>
@@ -6170,185 +7240,339 @@
             <a:spLocks noGrp="1"/>
           </p:cNvSpPr>
           <p:nvPr>
-            <p:ph idx="1"/>
-          </p:nvPr>
-        </p:nvSpPr>
-        <p:spPr/>
+            <p:ph type="body" idx="1"/>
+          </p:nvPr>
+        </p:nvSpPr>
+        <p:spPr>
+          <a:xfrm>
+            <a:off x="581191" y="2250891"/>
+            <a:ext cx="5194769" cy="557784"/>
+          </a:xfrm>
+        </p:spPr>
         <p:txBody>
           <a:bodyPr/>
           <a:lstStyle/>
           <a:p>
             <a:r>
               <a:rPr lang="en-US" dirty="0"/>
-              <a:t>Resources</a:t>
-            </a:r>
-          </a:p>
-          <a:p>
-            <a:pPr lvl="1"/>
-            <a:r>
-              <a:rPr lang="en-US" dirty="0">
-                <a:hlinkClick r:id="rId2"/>
-              </a:rPr>
-              <a:t>Businesswire</a:t>
-            </a:r>
-            <a:r>
-              <a:rPr lang="en-US" dirty="0"/>
-              <a:t>: </a:t>
-            </a:r>
-            <a:r>
-              <a:rPr lang="en-US" b="0" i="0" dirty="0">
-                <a:solidFill>
-                  <a:srgbClr val="111111"/>
-                </a:solidFill>
-                <a:effectLst/>
-              </a:rPr>
-              <a:t>Business Wire, a Berkshire Hathaway company, is the global leader in press release distribution and regulatory disclosure.</a:t>
-            </a:r>
-          </a:p>
-          <a:p>
-            <a:pPr lvl="1"/>
-            <a:r>
-              <a:rPr lang="en-US" dirty="0">
-                <a:hlinkClick r:id="rId3"/>
-              </a:rPr>
-              <a:t>IHS Markit</a:t>
-            </a:r>
-            <a:r>
-              <a:rPr lang="en-US" dirty="0"/>
-              <a:t>: </a:t>
-            </a:r>
-            <a:r>
-              <a:rPr lang="en-US" b="0" i="0" dirty="0">
-                <a:solidFill>
-                  <a:srgbClr val="111111"/>
-                </a:solidFill>
-                <a:effectLst/>
-              </a:rPr>
-              <a:t>IHS Markit is a dynamic team that includes more than 5,000 analysts, data scientists, financial experts and industry specialists. Our global information expertise spans numerous industries, including leading positions in finance, energy and transportation.</a:t>
-            </a:r>
-          </a:p>
-          <a:p>
-            <a:pPr lvl="1"/>
-            <a:r>
-              <a:rPr lang="en-US" dirty="0">
-                <a:solidFill>
-                  <a:srgbClr val="111111"/>
-                </a:solidFill>
-                <a:hlinkClick r:id="rId4"/>
-              </a:rPr>
-              <a:t>US Department of Energy</a:t>
-            </a:r>
-            <a:r>
-              <a:rPr lang="en-US" dirty="0">
-                <a:solidFill>
-                  <a:srgbClr val="111111"/>
-                </a:solidFill>
-              </a:rPr>
-              <a:t>: The mission of the Energy Department is to ensure America’s security and prosperity by addressing its energy, environmental and nuclear challenges through transformative science and technology solutions.</a:t>
-            </a:r>
-            <a:endParaRPr lang="en-US" b="0" i="0" dirty="0">
-              <a:solidFill>
-                <a:srgbClr val="111111"/>
-              </a:solidFill>
-              <a:effectLst/>
-            </a:endParaRPr>
-          </a:p>
-          <a:p>
-            <a:pPr lvl="1"/>
-            <a:r>
-              <a:rPr lang="en-US" dirty="0">
-                <a:solidFill>
-                  <a:srgbClr val="111111"/>
-                </a:solidFill>
-                <a:hlinkClick r:id="rId5"/>
-              </a:rPr>
-              <a:t>Colorado.Gov</a:t>
-            </a:r>
-            <a:r>
-              <a:rPr lang="en-US" dirty="0">
-                <a:solidFill>
-                  <a:srgbClr val="111111"/>
-                </a:solidFill>
-              </a:rPr>
-              <a:t>: Public website for the state of Colorado </a:t>
-            </a:r>
-          </a:p>
-          <a:p>
-            <a:pPr lvl="1"/>
-            <a:r>
-              <a:rPr lang="en-US" dirty="0">
-                <a:solidFill>
-                  <a:srgbClr val="111111"/>
-                </a:solidFill>
-                <a:hlinkClick r:id="rId6"/>
-              </a:rPr>
-              <a:t>World Population Review</a:t>
-            </a:r>
-            <a:r>
-              <a:rPr lang="en-US" dirty="0">
-                <a:solidFill>
-                  <a:srgbClr val="111111"/>
-                </a:solidFill>
-              </a:rPr>
-              <a:t>: </a:t>
-            </a:r>
-            <a:r>
-              <a:rPr lang="en-US" b="0" i="0" dirty="0">
-                <a:solidFill>
-                  <a:srgbClr val="444444"/>
-                </a:solidFill>
-                <a:effectLst/>
-                <a:latin typeface="Open Sans"/>
-              </a:rPr>
-              <a:t>Most demographic data is hidden in spreadsheets, behind complex APIs, or inside cumbersome tools. World Population Review's goal is to make this data more accessible through graphs, charts, analysis and visualizations. We also strive to present the most recent information available, and develop our own projections based on recent growth.</a:t>
-            </a:r>
-          </a:p>
-          <a:p>
-            <a:pPr lvl="1"/>
-            <a:r>
-              <a:rPr lang="en-US" dirty="0">
-                <a:solidFill>
-                  <a:srgbClr val="444444"/>
-                </a:solidFill>
-                <a:latin typeface="Open Sans"/>
-                <a:hlinkClick r:id="rId7"/>
-              </a:rPr>
-              <a:t>Zip Atlas</a:t>
-            </a:r>
-            <a:r>
-              <a:rPr lang="en-US" dirty="0">
-                <a:solidFill>
-                  <a:srgbClr val="444444"/>
-                </a:solidFill>
-                <a:latin typeface="Open Sans"/>
-              </a:rPr>
-              <a:t>: Zip Atlas is a structured collection of zip code, area code, city and state demographic, social and economic profiles.</a:t>
-            </a:r>
-            <a:endParaRPr lang="en-US" dirty="0">
-              <a:solidFill>
-                <a:srgbClr val="111111"/>
-              </a:solidFill>
-            </a:endParaRPr>
-          </a:p>
-          <a:p>
-            <a:pPr lvl="1"/>
-            <a:endParaRPr lang="en-US" b="0" i="0" dirty="0">
-              <a:solidFill>
-                <a:srgbClr val="111111"/>
-              </a:solidFill>
-              <a:effectLst/>
-            </a:endParaRPr>
-          </a:p>
-          <a:p>
-            <a:pPr lvl="1"/>
+              <a:t>Bar Chart</a:t>
+            </a:r>
+          </a:p>
+        </p:txBody>
+      </p:sp>
+      <p:sp>
+        <p:nvSpPr>
+          <p:cNvPr id="16" name="Text Placeholder 4">
+            <a:extLst>
+              <a:ext uri="{FF2B5EF4-FFF2-40B4-BE49-F238E27FC236}">
+                <a16:creationId xmlns:a16="http://schemas.microsoft.com/office/drawing/2014/main" id="{CFB2FD42-427A-4962-BD21-1E750060309E}"/>
+              </a:ext>
+            </a:extLst>
+          </p:cNvPr>
+          <p:cNvSpPr txBox="1">
+            <a:spLocks/>
+          </p:cNvSpPr>
+          <p:nvPr/>
+        </p:nvSpPr>
+        <p:spPr>
+          <a:xfrm>
+            <a:off x="581191" y="2808674"/>
+            <a:ext cx="4191776" cy="1883906"/>
+          </a:xfrm>
+          <a:prstGeom prst="rect">
+            <a:avLst/>
+          </a:prstGeom>
+        </p:spPr>
+        <p:txBody>
+          <a:bodyPr vert="horz" lIns="91440" tIns="45720" rIns="91440" bIns="45720" rtlCol="0" anchor="ctr">
+            <a:noAutofit/>
+          </a:bodyPr>
+          <a:lstStyle>
+            <a:lvl1pPr marL="0" marR="0" indent="0" algn="l" defTabSz="457200" rtl="0" eaLnBrk="1" fontAlgn="auto" latinLnBrk="0" hangingPunct="1">
+              <a:lnSpc>
+                <a:spcPct val="100000"/>
+              </a:lnSpc>
+              <a:spcBef>
+                <a:spcPct val="20000"/>
+              </a:spcBef>
+              <a:spcAft>
+                <a:spcPts val="600"/>
+              </a:spcAft>
+              <a:buClr>
+                <a:schemeClr val="accent1"/>
+              </a:buClr>
+              <a:buSzPct val="92000"/>
+              <a:buFont typeface="Wingdings 2" panose="05020102010507070707" pitchFamily="18" charset="2"/>
+              <a:buNone/>
+              <a:tabLst/>
+              <a:defRPr sz="2000" b="0" kern="1200">
+                <a:solidFill>
+                  <a:schemeClr val="tx1">
+                    <a:lumMod val="75000"/>
+                    <a:lumOff val="25000"/>
+                  </a:schemeClr>
+                </a:solidFill>
+                <a:latin typeface="+mn-lt"/>
+                <a:ea typeface="+mn-ea"/>
+                <a:cs typeface="+mn-cs"/>
+              </a:defRPr>
+            </a:lvl1pPr>
+            <a:lvl2pPr marL="457200" indent="0" algn="l" defTabSz="457200" rtl="0" eaLnBrk="1" latinLnBrk="0" hangingPunct="1">
+              <a:spcBef>
+                <a:spcPct val="20000"/>
+              </a:spcBef>
+              <a:spcAft>
+                <a:spcPts val="600"/>
+              </a:spcAft>
+              <a:buClr>
+                <a:schemeClr val="accent1"/>
+              </a:buClr>
+              <a:buSzPct val="92000"/>
+              <a:buFont typeface="Wingdings 2" panose="05020102010507070707" pitchFamily="18" charset="2"/>
+              <a:buNone/>
+              <a:defRPr sz="2000" b="1" kern="1200">
+                <a:solidFill>
+                  <a:schemeClr val="tx1">
+                    <a:lumMod val="75000"/>
+                    <a:lumOff val="25000"/>
+                  </a:schemeClr>
+                </a:solidFill>
+                <a:latin typeface="+mn-lt"/>
+                <a:ea typeface="+mn-ea"/>
+                <a:cs typeface="+mn-cs"/>
+              </a:defRPr>
+            </a:lvl2pPr>
+            <a:lvl3pPr marL="914400" indent="0" algn="l" defTabSz="457200" rtl="0" eaLnBrk="1" latinLnBrk="0" hangingPunct="1">
+              <a:spcBef>
+                <a:spcPct val="20000"/>
+              </a:spcBef>
+              <a:spcAft>
+                <a:spcPts val="600"/>
+              </a:spcAft>
+              <a:buClr>
+                <a:schemeClr val="accent1"/>
+              </a:buClr>
+              <a:buSzPct val="92000"/>
+              <a:buFont typeface="Wingdings 2" panose="05020102010507070707" pitchFamily="18" charset="2"/>
+              <a:buNone/>
+              <a:defRPr sz="1800" b="1" kern="1200">
+                <a:solidFill>
+                  <a:schemeClr val="tx1">
+                    <a:lumMod val="75000"/>
+                    <a:lumOff val="25000"/>
+                  </a:schemeClr>
+                </a:solidFill>
+                <a:latin typeface="+mn-lt"/>
+                <a:ea typeface="+mn-ea"/>
+                <a:cs typeface="+mn-cs"/>
+              </a:defRPr>
+            </a:lvl3pPr>
+            <a:lvl4pPr marL="1371600" indent="0" algn="l" defTabSz="457200" rtl="0" eaLnBrk="1" latinLnBrk="0" hangingPunct="1">
+              <a:spcBef>
+                <a:spcPct val="20000"/>
+              </a:spcBef>
+              <a:spcAft>
+                <a:spcPts val="600"/>
+              </a:spcAft>
+              <a:buClr>
+                <a:schemeClr val="accent1"/>
+              </a:buClr>
+              <a:buSzPct val="92000"/>
+              <a:buFont typeface="Wingdings 2" panose="05020102010507070707" pitchFamily="18" charset="2"/>
+              <a:buNone/>
+              <a:defRPr sz="1600" b="1" kern="1200">
+                <a:solidFill>
+                  <a:schemeClr val="tx1">
+                    <a:lumMod val="75000"/>
+                    <a:lumOff val="25000"/>
+                  </a:schemeClr>
+                </a:solidFill>
+                <a:latin typeface="+mn-lt"/>
+                <a:ea typeface="+mn-ea"/>
+                <a:cs typeface="+mn-cs"/>
+              </a:defRPr>
+            </a:lvl4pPr>
+            <a:lvl5pPr marL="1828800" indent="0" algn="l" defTabSz="457200" rtl="0" eaLnBrk="1" latinLnBrk="0" hangingPunct="1">
+              <a:spcBef>
+                <a:spcPct val="20000"/>
+              </a:spcBef>
+              <a:spcAft>
+                <a:spcPts val="600"/>
+              </a:spcAft>
+              <a:buClr>
+                <a:schemeClr val="accent1"/>
+              </a:buClr>
+              <a:buSzPct val="92000"/>
+              <a:buFont typeface="Wingdings 2" panose="05020102010507070707" pitchFamily="18" charset="2"/>
+              <a:buNone/>
+              <a:defRPr sz="1600" b="1" kern="1200">
+                <a:solidFill>
+                  <a:schemeClr val="tx1">
+                    <a:lumMod val="75000"/>
+                    <a:lumOff val="25000"/>
+                  </a:schemeClr>
+                </a:solidFill>
+                <a:latin typeface="+mn-lt"/>
+                <a:ea typeface="+mn-ea"/>
+                <a:cs typeface="+mn-cs"/>
+              </a:defRPr>
+            </a:lvl5pPr>
+            <a:lvl6pPr marL="2286000" indent="0" algn="l" defTabSz="457200" rtl="0" eaLnBrk="1" latinLnBrk="0" hangingPunct="1">
+              <a:spcBef>
+                <a:spcPct val="20000"/>
+              </a:spcBef>
+              <a:spcAft>
+                <a:spcPts val="600"/>
+              </a:spcAft>
+              <a:buClr>
+                <a:schemeClr val="accent2"/>
+              </a:buClr>
+              <a:buSzPct val="92000"/>
+              <a:buFont typeface="Wingdings 2" panose="05020102010507070707" pitchFamily="18" charset="2"/>
+              <a:buNone/>
+              <a:defRPr sz="1600" b="1" kern="1200">
+                <a:solidFill>
+                  <a:schemeClr val="tx2"/>
+                </a:solidFill>
+                <a:latin typeface="+mn-lt"/>
+                <a:ea typeface="+mn-ea"/>
+                <a:cs typeface="+mn-cs"/>
+              </a:defRPr>
+            </a:lvl6pPr>
+            <a:lvl7pPr marL="2743200" indent="0" algn="l" defTabSz="457200" rtl="0" eaLnBrk="1" latinLnBrk="0" hangingPunct="1">
+              <a:spcBef>
+                <a:spcPct val="20000"/>
+              </a:spcBef>
+              <a:spcAft>
+                <a:spcPts val="600"/>
+              </a:spcAft>
+              <a:buClr>
+                <a:schemeClr val="accent2"/>
+              </a:buClr>
+              <a:buSzPct val="92000"/>
+              <a:buFont typeface="Wingdings 2" panose="05020102010507070707" pitchFamily="18" charset="2"/>
+              <a:buNone/>
+              <a:defRPr sz="1600" b="1" kern="1200">
+                <a:solidFill>
+                  <a:schemeClr val="tx2"/>
+                </a:solidFill>
+                <a:latin typeface="+mn-lt"/>
+                <a:ea typeface="+mn-ea"/>
+                <a:cs typeface="+mn-cs"/>
+              </a:defRPr>
+            </a:lvl7pPr>
+            <a:lvl8pPr marL="3200400" indent="0" algn="l" defTabSz="457200" rtl="0" eaLnBrk="1" latinLnBrk="0" hangingPunct="1">
+              <a:spcBef>
+                <a:spcPct val="20000"/>
+              </a:spcBef>
+              <a:spcAft>
+                <a:spcPts val="600"/>
+              </a:spcAft>
+              <a:buClr>
+                <a:schemeClr val="accent2"/>
+              </a:buClr>
+              <a:buSzPct val="92000"/>
+              <a:buFont typeface="Wingdings 2" panose="05020102010507070707" pitchFamily="18" charset="2"/>
+              <a:buNone/>
+              <a:defRPr sz="1600" b="1" kern="1200">
+                <a:solidFill>
+                  <a:schemeClr val="tx2"/>
+                </a:solidFill>
+                <a:latin typeface="+mn-lt"/>
+                <a:ea typeface="+mn-ea"/>
+                <a:cs typeface="+mn-cs"/>
+              </a:defRPr>
+            </a:lvl8pPr>
+            <a:lvl9pPr marL="3657600" indent="0" algn="l" defTabSz="457200" rtl="0" eaLnBrk="1" latinLnBrk="0" hangingPunct="1">
+              <a:spcBef>
+                <a:spcPct val="20000"/>
+              </a:spcBef>
+              <a:spcAft>
+                <a:spcPts val="600"/>
+              </a:spcAft>
+              <a:buClr>
+                <a:schemeClr val="accent2"/>
+              </a:buClr>
+              <a:buSzPct val="92000"/>
+              <a:buFont typeface="Wingdings 2" panose="05020102010507070707" pitchFamily="18" charset="2"/>
+              <a:buNone/>
+              <a:defRPr sz="1600" b="1" kern="1200">
+                <a:solidFill>
+                  <a:schemeClr val="tx2"/>
+                </a:solidFill>
+                <a:latin typeface="+mn-lt"/>
+                <a:ea typeface="+mn-ea"/>
+                <a:cs typeface="+mn-cs"/>
+              </a:defRPr>
+            </a:lvl9pPr>
+          </a:lstStyle>
+          <a:p>
+            <a:pPr marL="342900" indent="-342900">
+              <a:buFont typeface="Wingdings" panose="05000000000000000000" pitchFamily="2" charset="2"/>
+              <a:buChar char="§"/>
+            </a:pPr>
+            <a:r>
+              <a:rPr lang="en-US" sz="1600" dirty="0"/>
+              <a:t>Shows station count by fuel type for each city</a:t>
+            </a:r>
+          </a:p>
+          <a:p>
+            <a:pPr marL="342900" indent="-342900">
+              <a:buFont typeface="Wingdings" panose="05000000000000000000" pitchFamily="2" charset="2"/>
+              <a:buChar char="§"/>
+            </a:pPr>
+            <a:endParaRPr lang="en-US" sz="1600" dirty="0"/>
+          </a:p>
+          <a:p>
+            <a:pPr marL="342900" indent="-342900">
+              <a:buFont typeface="Wingdings" panose="05000000000000000000" pitchFamily="2" charset="2"/>
+              <a:buChar char="§"/>
+            </a:pPr>
+            <a:endParaRPr lang="en-US" sz="1600" dirty="0"/>
+          </a:p>
+          <a:p>
+            <a:pPr marL="342900" indent="-342900">
+              <a:buFont typeface="Wingdings" panose="05000000000000000000" pitchFamily="2" charset="2"/>
+              <a:buChar char="§"/>
+            </a:pPr>
             <a:endParaRPr lang="en-US" dirty="0"/>
           </a:p>
         </p:txBody>
       </p:sp>
+      <p:pic>
+        <p:nvPicPr>
+          <p:cNvPr id="4" name="Picture 3">
+            <a:extLst>
+              <a:ext uri="{FF2B5EF4-FFF2-40B4-BE49-F238E27FC236}">
+                <a16:creationId xmlns:a16="http://schemas.microsoft.com/office/drawing/2014/main" id="{76837A59-E0B6-4EAE-9560-6D1678E41EDC}"/>
+              </a:ext>
+            </a:extLst>
+          </p:cNvPr>
+          <p:cNvPicPr>
+            <a:picLocks noChangeAspect="1"/>
+          </p:cNvPicPr>
+          <p:nvPr/>
+        </p:nvPicPr>
+        <p:blipFill>
+          <a:blip r:embed="rId2"/>
+          <a:stretch>
+            <a:fillRect/>
+          </a:stretch>
+        </p:blipFill>
+        <p:spPr>
+          <a:xfrm>
+            <a:off x="6096000" y="2250891"/>
+            <a:ext cx="5514809" cy="3877451"/>
+          </a:xfrm>
+          <a:prstGeom prst="rect">
+            <a:avLst/>
+          </a:prstGeom>
+        </p:spPr>
+      </p:pic>
     </p:spTree>
     <p:extLst>
       <p:ext uri="{BB962C8B-B14F-4D97-AF65-F5344CB8AC3E}">
-        <p14:creationId xmlns:p14="http://schemas.microsoft.com/office/powerpoint/2010/main" val="125706371"/>
+        <p14:creationId xmlns:p14="http://schemas.microsoft.com/office/powerpoint/2010/main" val="2774912514"/>
       </p:ext>
     </p:extLst>
   </p:cSld>
@@ -6923,6 +8147,24 @@
 </file>
 
 <file path=customXml/item1.xml><?xml version="1.0" encoding="utf-8"?>
+<p:properties xmlns:p="http://schemas.microsoft.com/office/2006/metadata/properties" xmlns:xsi="http://www.w3.org/2001/XMLSchema-instance" xmlns:pc="http://schemas.microsoft.com/office/infopath/2007/PartnerControls">
+  <documentManagement>
+    <Status xmlns="71af3243-3dd4-4a8d-8c0d-dd76da1f02a5">Not started</Status>
+    <MediaServiceKeyPoints xmlns="71af3243-3dd4-4a8d-8c0d-dd76da1f02a5" xsi:nil="true"/>
+  </documentManagement>
+</p:properties>
+</file>
+
+<file path=customXml/item2.xml><?xml version="1.0" encoding="utf-8"?>
+<?mso-contentType ?>
+<FormTemplates xmlns="http://schemas.microsoft.com/sharepoint/v3/contenttype/forms">
+  <Display>DocumentLibraryForm</Display>
+  <Edit>DocumentLibraryForm</Edit>
+  <New>DocumentLibraryForm</New>
+</FormTemplates>
+</file>
+
+<file path=customXml/item3.xml><?xml version="1.0" encoding="utf-8"?>
 <ct:contentTypeSchema xmlns:ct="http://schemas.microsoft.com/office/2006/metadata/contentType" xmlns:ma="http://schemas.microsoft.com/office/2006/metadata/properties/metaAttributes" ct:_="" ma:_="" ma:contentTypeName="Document" ma:contentTypeID="0x01010079F111ED35F8CC479449609E8A0923A6" ma:contentTypeVersion="12" ma:contentTypeDescription="Create a new document." ma:contentTypeScope="" ma:versionID="a410dd7f93c95333ffa1b60ed6adedd1">
   <xsd:schema xmlns:xsd="http://www.w3.org/2001/XMLSchema" xmlns:xs="http://www.w3.org/2001/XMLSchema" xmlns:p="http://schemas.microsoft.com/office/2006/metadata/properties" xmlns:ns2="71af3243-3dd4-4a8d-8c0d-dd76da1f02a5" xmlns:ns3="16c05727-aa75-4e4a-9b5f-8a80a1165891" targetNamespace="http://schemas.microsoft.com/office/2006/metadata/properties" ma:root="true" ma:fieldsID="a936d9baba76aa3866493feff160faab" ns2:_="" ns3:_="">
     <xsd:import namespace="71af3243-3dd4-4a8d-8c0d-dd76da1f02a5"/>
@@ -7143,25 +8385,25 @@
 </ct:contentTypeSchema>
 </file>
 
-<file path=customXml/item2.xml><?xml version="1.0" encoding="utf-8"?>
-<?mso-contentType ?>
-<FormTemplates xmlns="http://schemas.microsoft.com/sharepoint/v3/contenttype/forms">
-  <Display>DocumentLibraryForm</Display>
-  <Edit>DocumentLibraryForm</Edit>
-  <New>DocumentLibraryForm</New>
-</FormTemplates>
+<file path=customXml/itemProps1.xml><?xml version="1.0" encoding="utf-8"?>
+<ds:datastoreItem xmlns:ds="http://schemas.openxmlformats.org/officeDocument/2006/customXml" ds:itemID="{FBD2D995-20F0-4C14-BF62-1248AB4B484D}">
+  <ds:schemaRefs>
+    <ds:schemaRef ds:uri="http://schemas.microsoft.com/office/2006/metadata/properties"/>
+    <ds:schemaRef ds:uri="http://schemas.microsoft.com/office/infopath/2007/PartnerControls"/>
+    <ds:schemaRef ds:uri="71af3243-3dd4-4a8d-8c0d-dd76da1f02a5"/>
+  </ds:schemaRefs>
+</ds:datastoreItem>
 </file>
 
-<file path=customXml/item3.xml><?xml version="1.0" encoding="utf-8"?>
-<p:properties xmlns:p="http://schemas.microsoft.com/office/2006/metadata/properties" xmlns:xsi="http://www.w3.org/2001/XMLSchema-instance" xmlns:pc="http://schemas.microsoft.com/office/infopath/2007/PartnerControls">
-  <documentManagement>
-    <Status xmlns="71af3243-3dd4-4a8d-8c0d-dd76da1f02a5">Not started</Status>
-    <MediaServiceKeyPoints xmlns="71af3243-3dd4-4a8d-8c0d-dd76da1f02a5" xsi:nil="true"/>
-  </documentManagement>
-</p:properties>
+<file path=customXml/itemProps2.xml><?xml version="1.0" encoding="utf-8"?>
+<ds:datastoreItem xmlns:ds="http://schemas.openxmlformats.org/officeDocument/2006/customXml" ds:itemID="{BB3242A4-1E6A-4E02-809C-4A24066EC01D}">
+  <ds:schemaRefs>
+    <ds:schemaRef ds:uri="http://schemas.microsoft.com/sharepoint/v3/contenttype/forms"/>
+  </ds:schemaRefs>
+</ds:datastoreItem>
 </file>
 
-<file path=customXml/itemProps1.xml><?xml version="1.0" encoding="utf-8"?>
+<file path=customXml/itemProps3.xml><?xml version="1.0" encoding="utf-8"?>
 <ds:datastoreItem xmlns:ds="http://schemas.openxmlformats.org/officeDocument/2006/customXml" ds:itemID="{965255AC-12AC-4323-AA35-9BAC798B66BD}">
   <ds:schemaRefs>
     <ds:schemaRef ds:uri="http://schemas.microsoft.com/office/2006/metadata/contentType"/>
@@ -7178,22 +8420,4 @@
     <ds:schemaRef ds:uri="http://schemas.microsoft.com/internal/obd"/>
   </ds:schemaRefs>
 </ds:datastoreItem>
-</file>
-
-<file path=customXml/itemProps2.xml><?xml version="1.0" encoding="utf-8"?>
-<ds:datastoreItem xmlns:ds="http://schemas.openxmlformats.org/officeDocument/2006/customXml" ds:itemID="{BB3242A4-1E6A-4E02-809C-4A24066EC01D}">
-  <ds:schemaRefs>
-    <ds:schemaRef ds:uri="http://schemas.microsoft.com/sharepoint/v3/contenttype/forms"/>
-  </ds:schemaRefs>
-</ds:datastoreItem>
-</file>
-
-<file path=customXml/itemProps3.xml><?xml version="1.0" encoding="utf-8"?>
-<ds:datastoreItem xmlns:ds="http://schemas.openxmlformats.org/officeDocument/2006/customXml" ds:itemID="{FBD2D995-20F0-4C14-BF62-1248AB4B484D}">
-  <ds:schemaRefs>
-    <ds:schemaRef ds:uri="http://schemas.microsoft.com/office/2006/metadata/properties"/>
-    <ds:schemaRef ds:uri="http://schemas.microsoft.com/office/infopath/2007/PartnerControls"/>
-    <ds:schemaRef ds:uri="71af3243-3dd4-4a8d-8c0d-dd76da1f02a5"/>
-  </ds:schemaRefs>
-</ds:datastoreItem>
 </file>
--- a/Alternative Fuel Station Project.pptx
+++ b/Alternative Fuel Station Project.pptx
@@ -134,6 +134,2935 @@
 </p1510:revInfo>
 </file>
 
+<file path=ppt/diagrams/colors1.xml><?xml version="1.0" encoding="utf-8"?>
+<dgm:colorsDef xmlns:dgm="http://schemas.openxmlformats.org/drawingml/2006/diagram" xmlns:a="http://schemas.openxmlformats.org/drawingml/2006/main" uniqueId="urn:microsoft.com/office/officeart/2005/8/colors/colorful1">
+  <dgm:title val=""/>
+  <dgm:desc val=""/>
+  <dgm:catLst>
+    <dgm:cat type="colorful" pri="10100"/>
+  </dgm:catLst>
+  <dgm:styleLbl name="node0">
+    <dgm:fillClrLst meth="repeat">
+      <a:schemeClr val="accent1"/>
+    </dgm:fillClrLst>
+    <dgm:linClrLst meth="repeat">
+      <a:schemeClr val="lt1"/>
+    </dgm:linClrLst>
+    <dgm:effectClrLst/>
+    <dgm:txLinClrLst/>
+    <dgm:txFillClrLst/>
+    <dgm:txEffectClrLst/>
+  </dgm:styleLbl>
+  <dgm:styleLbl name="node1">
+    <dgm:fillClrLst meth="repeat">
+      <a:schemeClr val="accent2"/>
+      <a:schemeClr val="accent3"/>
+      <a:schemeClr val="accent4"/>
+      <a:schemeClr val="accent5"/>
+      <a:schemeClr val="accent6"/>
+    </dgm:fillClrLst>
+    <dgm:linClrLst meth="repeat">
+      <a:schemeClr val="lt1"/>
+    </dgm:linClrLst>
+    <dgm:effectClrLst/>
+    <dgm:txLinClrLst/>
+    <dgm:txFillClrLst/>
+    <dgm:txEffectClrLst/>
+  </dgm:styleLbl>
+  <dgm:styleLbl name="alignNode1">
+    <dgm:fillClrLst meth="repeat">
+      <a:schemeClr val="accent2"/>
+      <a:schemeClr val="accent3"/>
+      <a:schemeClr val="accent4"/>
+      <a:schemeClr val="accent5"/>
+      <a:schemeClr val="accent6"/>
+    </dgm:fillClrLst>
+    <dgm:linClrLst meth="repeat">
+      <a:schemeClr val="accent2"/>
+      <a:schemeClr val="accent3"/>
+      <a:schemeClr val="accent4"/>
+      <a:schemeClr val="accent5"/>
+      <a:schemeClr val="accent6"/>
+    </dgm:linClrLst>
+    <dgm:effectClrLst/>
+    <dgm:txLinClrLst/>
+    <dgm:txFillClrLst/>
+    <dgm:txEffectClrLst/>
+  </dgm:styleLbl>
+  <dgm:styleLbl name="lnNode1">
+    <dgm:fillClrLst meth="repeat">
+      <a:schemeClr val="accent2"/>
+      <a:schemeClr val="accent3"/>
+      <a:schemeClr val="accent4"/>
+      <a:schemeClr val="accent5"/>
+      <a:schemeClr val="accent6"/>
+    </dgm:fillClrLst>
+    <dgm:linClrLst meth="repeat">
+      <a:schemeClr val="lt1"/>
+    </dgm:linClrLst>
+    <dgm:effectClrLst/>
+    <dgm:txLinClrLst/>
+    <dgm:txFillClrLst/>
+    <dgm:txEffectClrLst/>
+  </dgm:styleLbl>
+  <dgm:styleLbl name="vennNode1">
+    <dgm:fillClrLst meth="repeat">
+      <a:schemeClr val="accent2">
+        <a:alpha val="50000"/>
+      </a:schemeClr>
+      <a:schemeClr val="accent3">
+        <a:alpha val="50000"/>
+      </a:schemeClr>
+      <a:schemeClr val="accent4">
+        <a:alpha val="50000"/>
+      </a:schemeClr>
+      <a:schemeClr val="accent5">
+        <a:alpha val="50000"/>
+      </a:schemeClr>
+      <a:schemeClr val="accent6">
+        <a:alpha val="50000"/>
+      </a:schemeClr>
+    </dgm:fillClrLst>
+    <dgm:linClrLst meth="repeat">
+      <a:schemeClr val="lt1"/>
+    </dgm:linClrLst>
+    <dgm:effectClrLst/>
+    <dgm:txLinClrLst/>
+    <dgm:txFillClrLst/>
+    <dgm:txEffectClrLst/>
+  </dgm:styleLbl>
+  <dgm:styleLbl name="node2">
+    <dgm:fillClrLst>
+      <a:schemeClr val="accent2"/>
+    </dgm:fillClrLst>
+    <dgm:linClrLst meth="repeat">
+      <a:schemeClr val="lt1"/>
+    </dgm:linClrLst>
+    <dgm:effectClrLst/>
+    <dgm:txLinClrLst/>
+    <dgm:txFillClrLst/>
+    <dgm:txEffectClrLst/>
+  </dgm:styleLbl>
+  <dgm:styleLbl name="node3">
+    <dgm:fillClrLst>
+      <a:schemeClr val="accent3"/>
+    </dgm:fillClrLst>
+    <dgm:linClrLst meth="repeat">
+      <a:schemeClr val="lt1"/>
+    </dgm:linClrLst>
+    <dgm:effectClrLst/>
+    <dgm:txLinClrLst/>
+    <dgm:txFillClrLst/>
+    <dgm:txEffectClrLst/>
+  </dgm:styleLbl>
+  <dgm:styleLbl name="node4">
+    <dgm:fillClrLst>
+      <a:schemeClr val="accent4"/>
+    </dgm:fillClrLst>
+    <dgm:linClrLst meth="repeat">
+      <a:schemeClr val="lt1"/>
+    </dgm:linClrLst>
+    <dgm:effectClrLst/>
+    <dgm:txLinClrLst/>
+    <dgm:txFillClrLst/>
+    <dgm:txEffectClrLst/>
+  </dgm:styleLbl>
+  <dgm:styleLbl name="fgImgPlace1">
+    <dgm:fillClrLst meth="repeat">
+      <a:schemeClr val="accent2">
+        <a:tint val="50000"/>
+      </a:schemeClr>
+      <a:schemeClr val="accent3">
+        <a:tint val="50000"/>
+      </a:schemeClr>
+      <a:schemeClr val="accent4">
+        <a:tint val="50000"/>
+      </a:schemeClr>
+      <a:schemeClr val="accent5">
+        <a:tint val="50000"/>
+      </a:schemeClr>
+      <a:schemeClr val="accent6">
+        <a:tint val="50000"/>
+      </a:schemeClr>
+    </dgm:fillClrLst>
+    <dgm:linClrLst meth="repeat">
+      <a:schemeClr val="lt1"/>
+    </dgm:linClrLst>
+    <dgm:effectClrLst/>
+    <dgm:txLinClrLst/>
+    <dgm:txFillClrLst meth="repeat">
+      <a:schemeClr val="lt1"/>
+    </dgm:txFillClrLst>
+    <dgm:txEffectClrLst/>
+  </dgm:styleLbl>
+  <dgm:styleLbl name="alignImgPlace1">
+    <dgm:fillClrLst>
+      <a:schemeClr val="accent1">
+        <a:tint val="50000"/>
+      </a:schemeClr>
+      <a:schemeClr val="accent2">
+        <a:tint val="20000"/>
+      </a:schemeClr>
+    </dgm:fillClrLst>
+    <dgm:linClrLst meth="repeat">
+      <a:schemeClr val="lt1"/>
+    </dgm:linClrLst>
+    <dgm:effectClrLst/>
+    <dgm:txLinClrLst/>
+    <dgm:txFillClrLst meth="repeat">
+      <a:schemeClr val="lt1"/>
+    </dgm:txFillClrLst>
+    <dgm:txEffectClrLst/>
+  </dgm:styleLbl>
+  <dgm:styleLbl name="bgImgPlace1">
+    <dgm:fillClrLst>
+      <a:schemeClr val="accent1">
+        <a:tint val="50000"/>
+      </a:schemeClr>
+      <a:schemeClr val="accent2">
+        <a:tint val="20000"/>
+      </a:schemeClr>
+    </dgm:fillClrLst>
+    <dgm:linClrLst meth="repeat">
+      <a:schemeClr val="lt1"/>
+    </dgm:linClrLst>
+    <dgm:effectClrLst/>
+    <dgm:txLinClrLst/>
+    <dgm:txFillClrLst meth="repeat">
+      <a:schemeClr val="lt1"/>
+    </dgm:txFillClrLst>
+    <dgm:txEffectClrLst/>
+  </dgm:styleLbl>
+  <dgm:styleLbl name="sibTrans2D1">
+    <dgm:fillClrLst meth="repeat">
+      <a:schemeClr val="accent2"/>
+      <a:schemeClr val="accent3"/>
+      <a:schemeClr val="accent4"/>
+      <a:schemeClr val="accent5"/>
+      <a:schemeClr val="accent6"/>
+    </dgm:fillClrLst>
+    <dgm:linClrLst meth="cycle">
+      <a:schemeClr val="lt1"/>
+    </dgm:linClrLst>
+    <dgm:effectClrLst/>
+    <dgm:txLinClrLst/>
+    <dgm:txFillClrLst/>
+    <dgm:txEffectClrLst/>
+  </dgm:styleLbl>
+  <dgm:styleLbl name="fgSibTrans2D1">
+    <dgm:fillClrLst meth="repeat">
+      <a:schemeClr val="accent2"/>
+      <a:schemeClr val="accent3"/>
+      <a:schemeClr val="accent4"/>
+      <a:schemeClr val="accent5"/>
+      <a:schemeClr val="accent6"/>
+    </dgm:fillClrLst>
+    <dgm:linClrLst meth="cycle">
+      <a:schemeClr val="lt1"/>
+    </dgm:linClrLst>
+    <dgm:effectClrLst/>
+    <dgm:txLinClrLst/>
+    <dgm:txFillClrLst meth="repeat">
+      <a:schemeClr val="lt1"/>
+    </dgm:txFillClrLst>
+    <dgm:txEffectClrLst/>
+  </dgm:styleLbl>
+  <dgm:styleLbl name="bgSibTrans2D1">
+    <dgm:fillClrLst meth="repeat">
+      <a:schemeClr val="accent2"/>
+      <a:schemeClr val="accent3"/>
+      <a:schemeClr val="accent4"/>
+      <a:schemeClr val="accent5"/>
+      <a:schemeClr val="accent6"/>
+    </dgm:fillClrLst>
+    <dgm:linClrLst meth="cycle">
+      <a:schemeClr val="lt1"/>
+    </dgm:linClrLst>
+    <dgm:effectClrLst/>
+    <dgm:txLinClrLst/>
+    <dgm:txFillClrLst meth="repeat">
+      <a:schemeClr val="lt1"/>
+    </dgm:txFillClrLst>
+    <dgm:txEffectClrLst/>
+  </dgm:styleLbl>
+  <dgm:styleLbl name="sibTrans1D1">
+    <dgm:fillClrLst meth="repeat">
+      <a:schemeClr val="accent2"/>
+      <a:schemeClr val="accent3"/>
+      <a:schemeClr val="accent4"/>
+      <a:schemeClr val="accent5"/>
+      <a:schemeClr val="accent6"/>
+    </dgm:fillClrLst>
+    <dgm:linClrLst meth="repeat">
+      <a:schemeClr val="accent2"/>
+      <a:schemeClr val="accent3"/>
+      <a:schemeClr val="accent4"/>
+      <a:schemeClr val="accent5"/>
+      <a:schemeClr val="accent6"/>
+    </dgm:linClrLst>
+    <dgm:effectClrLst/>
+    <dgm:txLinClrLst/>
+    <dgm:txFillClrLst meth="repeat">
+      <a:schemeClr val="tx1"/>
+    </dgm:txFillClrLst>
+    <dgm:txEffectClrLst/>
+  </dgm:styleLbl>
+  <dgm:styleLbl name="callout">
+    <dgm:fillClrLst meth="repeat">
+      <a:schemeClr val="accent2"/>
+    </dgm:fillClrLst>
+    <dgm:linClrLst meth="repeat">
+      <a:schemeClr val="accent2">
+        <a:tint val="50000"/>
+      </a:schemeClr>
+    </dgm:linClrLst>
+    <dgm:effectClrLst/>
+    <dgm:txLinClrLst/>
+    <dgm:txFillClrLst meth="repeat">
+      <a:schemeClr val="tx1"/>
+    </dgm:txFillClrLst>
+    <dgm:txEffectClrLst/>
+  </dgm:styleLbl>
+  <dgm:styleLbl name="asst0">
+    <dgm:fillClrLst meth="repeat">
+      <a:schemeClr val="accent1"/>
+    </dgm:fillClrLst>
+    <dgm:linClrLst meth="repeat">
+      <a:schemeClr val="lt1"/>
+    </dgm:linClrLst>
+    <dgm:effectClrLst/>
+    <dgm:txLinClrLst/>
+    <dgm:txFillClrLst/>
+    <dgm:txEffectClrLst/>
+  </dgm:styleLbl>
+  <dgm:styleLbl name="asst1">
+    <dgm:fillClrLst meth="repeat">
+      <a:schemeClr val="accent2"/>
+    </dgm:fillClrLst>
+    <dgm:linClrLst meth="repeat">
+      <a:schemeClr val="lt1"/>
+    </dgm:linClrLst>
+    <dgm:effectClrLst/>
+    <dgm:txLinClrLst/>
+    <dgm:txFillClrLst/>
+    <dgm:txEffectClrLst/>
+  </dgm:styleLbl>
+  <dgm:styleLbl name="asst2">
+    <dgm:fillClrLst>
+      <a:schemeClr val="accent3"/>
+    </dgm:fillClrLst>
+    <dgm:linClrLst meth="repeat">
+      <a:schemeClr val="lt1"/>
+    </dgm:linClrLst>
+    <dgm:effectClrLst/>
+    <dgm:txLinClrLst/>
+    <dgm:txFillClrLst/>
+    <dgm:txEffectClrLst/>
+  </dgm:styleLbl>
+  <dgm:styleLbl name="asst3">
+    <dgm:fillClrLst>
+      <a:schemeClr val="accent4"/>
+    </dgm:fillClrLst>
+    <dgm:linClrLst meth="repeat">
+      <a:schemeClr val="lt1"/>
+    </dgm:linClrLst>
+    <dgm:effectClrLst/>
+    <dgm:txLinClrLst/>
+    <dgm:txFillClrLst/>
+    <dgm:txEffectClrLst/>
+  </dgm:styleLbl>
+  <dgm:styleLbl name="asst4">
+    <dgm:fillClrLst>
+      <a:schemeClr val="accent5"/>
+    </dgm:fillClrLst>
+    <dgm:linClrLst meth="repeat">
+      <a:schemeClr val="lt1"/>
+    </dgm:linClrLst>
+    <dgm:effectClrLst/>
+    <dgm:txLinClrLst/>
+    <dgm:txFillClrLst/>
+    <dgm:txEffectClrLst/>
+  </dgm:styleLbl>
+  <dgm:styleLbl name="parChTrans2D1">
+    <dgm:fillClrLst meth="repeat">
+      <a:schemeClr val="accent2"/>
+    </dgm:fillClrLst>
+    <dgm:linClrLst meth="repeat">
+      <a:schemeClr val="lt1"/>
+    </dgm:linClrLst>
+    <dgm:effectClrLst/>
+    <dgm:txLinClrLst/>
+    <dgm:txFillClrLst meth="repeat">
+      <a:schemeClr val="lt1"/>
+    </dgm:txFillClrLst>
+    <dgm:txEffectClrLst/>
+  </dgm:styleLbl>
+  <dgm:styleLbl name="parChTrans2D2">
+    <dgm:fillClrLst meth="repeat">
+      <a:schemeClr val="accent3"/>
+    </dgm:fillClrLst>
+    <dgm:linClrLst meth="repeat">
+      <a:schemeClr val="lt1"/>
+    </dgm:linClrLst>
+    <dgm:effectClrLst/>
+    <dgm:txLinClrLst/>
+    <dgm:txFillClrLst/>
+    <dgm:txEffectClrLst/>
+  </dgm:styleLbl>
+  <dgm:styleLbl name="parChTrans2D3">
+    <dgm:fillClrLst meth="repeat">
+      <a:schemeClr val="accent4"/>
+    </dgm:fillClrLst>
+    <dgm:linClrLst meth="repeat">
+      <a:schemeClr val="lt1"/>
+    </dgm:linClrLst>
+    <dgm:effectClrLst/>
+    <dgm:txLinClrLst/>
+    <dgm:txFillClrLst/>
+    <dgm:txEffectClrLst/>
+  </dgm:styleLbl>
+  <dgm:styleLbl name="parChTrans2D4">
+    <dgm:fillClrLst meth="repeat">
+      <a:schemeClr val="accent5"/>
+    </dgm:fillClrLst>
+    <dgm:linClrLst meth="repeat">
+      <a:schemeClr val="lt1"/>
+    </dgm:linClrLst>
+    <dgm:effectClrLst/>
+    <dgm:txLinClrLst/>
+    <dgm:txFillClrLst meth="repeat">
+      <a:schemeClr val="lt1"/>
+    </dgm:txFillClrLst>
+    <dgm:txEffectClrLst/>
+  </dgm:styleLbl>
+  <dgm:styleLbl name="parChTrans1D1">
+    <dgm:fillClrLst meth="repeat">
+      <a:schemeClr val="accent2"/>
+    </dgm:fillClrLst>
+    <dgm:linClrLst meth="repeat">
+      <a:schemeClr val="accent1"/>
+    </dgm:linClrLst>
+    <dgm:effectClrLst/>
+    <dgm:txLinClrLst/>
+    <dgm:txFillClrLst meth="repeat">
+      <a:schemeClr val="tx1"/>
+    </dgm:txFillClrLst>
+    <dgm:txEffectClrLst/>
+  </dgm:styleLbl>
+  <dgm:styleLbl name="parChTrans1D2">
+    <dgm:fillClrLst meth="repeat">
+      <a:schemeClr val="accent3">
+        <a:tint val="90000"/>
+      </a:schemeClr>
+    </dgm:fillClrLst>
+    <dgm:linClrLst meth="repeat">
+      <a:schemeClr val="accent2"/>
+    </dgm:linClrLst>
+    <dgm:effectClrLst/>
+    <dgm:txLinClrLst/>
+    <dgm:txFillClrLst meth="repeat">
+      <a:schemeClr val="tx1"/>
+    </dgm:txFillClrLst>
+    <dgm:txEffectClrLst/>
+  </dgm:styleLbl>
+  <dgm:styleLbl name="parChTrans1D3">
+    <dgm:fillClrLst meth="repeat">
+      <a:schemeClr val="accent4">
+        <a:tint val="70000"/>
+      </a:schemeClr>
+    </dgm:fillClrLst>
+    <dgm:linClrLst meth="repeat">
+      <a:schemeClr val="accent3"/>
+    </dgm:linClrLst>
+    <dgm:effectClrLst/>
+    <dgm:txLinClrLst/>
+    <dgm:txFillClrLst meth="repeat">
+      <a:schemeClr val="tx1"/>
+    </dgm:txFillClrLst>
+    <dgm:txEffectClrLst/>
+  </dgm:styleLbl>
+  <dgm:styleLbl name="parChTrans1D4">
+    <dgm:fillClrLst meth="repeat">
+      <a:schemeClr val="accent5">
+        <a:tint val="50000"/>
+      </a:schemeClr>
+    </dgm:fillClrLst>
+    <dgm:linClrLst meth="repeat">
+      <a:schemeClr val="accent4"/>
+    </dgm:linClrLst>
+    <dgm:effectClrLst/>
+    <dgm:txLinClrLst/>
+    <dgm:txFillClrLst meth="repeat">
+      <a:schemeClr val="tx1"/>
+    </dgm:txFillClrLst>
+    <dgm:txEffectClrLst/>
+  </dgm:styleLbl>
+  <dgm:styleLbl name="fgAcc1">
+    <dgm:fillClrLst meth="repeat">
+      <a:schemeClr val="lt1">
+        <a:alpha val="90000"/>
+      </a:schemeClr>
+    </dgm:fillClrLst>
+    <dgm:linClrLst meth="repeat">
+      <a:schemeClr val="accent2"/>
+      <a:schemeClr val="accent3"/>
+      <a:schemeClr val="accent4"/>
+      <a:schemeClr val="accent5"/>
+      <a:schemeClr val="accent6"/>
+    </dgm:linClrLst>
+    <dgm:effectClrLst/>
+    <dgm:txLinClrLst/>
+    <dgm:txFillClrLst meth="repeat">
+      <a:schemeClr val="dk1"/>
+    </dgm:txFillClrLst>
+    <dgm:txEffectClrLst/>
+  </dgm:styleLbl>
+  <dgm:styleLbl name="conFgAcc1">
+    <dgm:fillClrLst meth="repeat">
+      <a:schemeClr val="lt1">
+        <a:alpha val="90000"/>
+      </a:schemeClr>
+    </dgm:fillClrLst>
+    <dgm:linClrLst meth="repeat">
+      <a:schemeClr val="accent2"/>
+      <a:schemeClr val="accent3"/>
+      <a:schemeClr val="accent4"/>
+      <a:schemeClr val="accent5"/>
+      <a:schemeClr val="accent6"/>
+    </dgm:linClrLst>
+    <dgm:effectClrLst/>
+    <dgm:txLinClrLst/>
+    <dgm:txFillClrLst meth="repeat">
+      <a:schemeClr val="dk1"/>
+    </dgm:txFillClrLst>
+    <dgm:txEffectClrLst/>
+  </dgm:styleLbl>
+  <dgm:styleLbl name="alignAcc1">
+    <dgm:fillClrLst meth="repeat">
+      <a:schemeClr val="lt1">
+        <a:alpha val="90000"/>
+      </a:schemeClr>
+    </dgm:fillClrLst>
+    <dgm:linClrLst meth="repeat">
+      <a:schemeClr val="accent2"/>
+      <a:schemeClr val="accent3"/>
+      <a:schemeClr val="accent4"/>
+      <a:schemeClr val="accent5"/>
+      <a:schemeClr val="accent6"/>
+    </dgm:linClrLst>
+    <dgm:effectClrLst/>
+    <dgm:txLinClrLst/>
+    <dgm:txFillClrLst meth="repeat">
+      <a:schemeClr val="dk1"/>
+    </dgm:txFillClrLst>
+    <dgm:txEffectClrLst/>
+  </dgm:styleLbl>
+  <dgm:styleLbl name="trAlignAcc1">
+    <dgm:fillClrLst meth="repeat">
+      <a:schemeClr val="lt1">
+        <a:alpha val="40000"/>
+      </a:schemeClr>
+    </dgm:fillClrLst>
+    <dgm:linClrLst meth="repeat">
+      <a:schemeClr val="accent1"/>
+    </dgm:linClrLst>
+    <dgm:effectClrLst/>
+    <dgm:txLinClrLst/>
+    <dgm:txFillClrLst meth="repeat">
+      <a:schemeClr val="dk1"/>
+    </dgm:txFillClrLst>
+    <dgm:txEffectClrLst/>
+  </dgm:styleLbl>
+  <dgm:styleLbl name="bgAcc1">
+    <dgm:fillClrLst meth="repeat">
+      <a:schemeClr val="lt1">
+        <a:alpha val="90000"/>
+      </a:schemeClr>
+    </dgm:fillClrLst>
+    <dgm:linClrLst meth="repeat">
+      <a:schemeClr val="accent2"/>
+      <a:schemeClr val="accent3"/>
+      <a:schemeClr val="accent4"/>
+      <a:schemeClr val="accent5"/>
+      <a:schemeClr val="accent6"/>
+    </dgm:linClrLst>
+    <dgm:effectClrLst/>
+    <dgm:txLinClrLst/>
+    <dgm:txFillClrLst meth="repeat">
+      <a:schemeClr val="dk1"/>
+    </dgm:txFillClrLst>
+    <dgm:txEffectClrLst/>
+  </dgm:styleLbl>
+  <dgm:styleLbl name="solidFgAcc1">
+    <dgm:fillClrLst meth="repeat">
+      <a:schemeClr val="lt1"/>
+    </dgm:fillClrLst>
+    <dgm:linClrLst meth="repeat">
+      <a:schemeClr val="accent2"/>
+      <a:schemeClr val="accent3"/>
+      <a:schemeClr val="accent4"/>
+      <a:schemeClr val="accent5"/>
+      <a:schemeClr val="accent6"/>
+    </dgm:linClrLst>
+    <dgm:effectClrLst/>
+    <dgm:txLinClrLst/>
+    <dgm:txFillClrLst meth="repeat">
+      <a:schemeClr val="dk1"/>
+    </dgm:txFillClrLst>
+    <dgm:txEffectClrLst/>
+  </dgm:styleLbl>
+  <dgm:styleLbl name="solidAlignAcc1">
+    <dgm:fillClrLst meth="repeat">
+      <a:schemeClr val="lt1"/>
+    </dgm:fillClrLst>
+    <dgm:linClrLst meth="repeat">
+      <a:schemeClr val="accent2"/>
+      <a:schemeClr val="accent3"/>
+      <a:schemeClr val="accent4"/>
+      <a:schemeClr val="accent5"/>
+      <a:schemeClr val="accent6"/>
+    </dgm:linClrLst>
+    <dgm:effectClrLst/>
+    <dgm:txLinClrLst/>
+    <dgm:txFillClrLst meth="repeat">
+      <a:schemeClr val="dk1"/>
+    </dgm:txFillClrLst>
+    <dgm:txEffectClrLst/>
+  </dgm:styleLbl>
+  <dgm:styleLbl name="solidBgAcc1">
+    <dgm:fillClrLst meth="repeat">
+      <a:schemeClr val="lt1"/>
+    </dgm:fillClrLst>
+    <dgm:linClrLst meth="repeat">
+      <a:schemeClr val="accent2"/>
+      <a:schemeClr val="accent3"/>
+      <a:schemeClr val="accent4"/>
+      <a:schemeClr val="accent5"/>
+      <a:schemeClr val="accent6"/>
+    </dgm:linClrLst>
+    <dgm:effectClrLst/>
+    <dgm:txLinClrLst/>
+    <dgm:txFillClrLst meth="repeat">
+      <a:schemeClr val="dk1"/>
+    </dgm:txFillClrLst>
+    <dgm:txEffectClrLst/>
+  </dgm:styleLbl>
+  <dgm:styleLbl name="fgAccFollowNode1">
+    <dgm:fillClrLst meth="repeat">
+      <a:schemeClr val="accent2">
+        <a:tint val="40000"/>
+        <a:alpha val="90000"/>
+      </a:schemeClr>
+      <a:schemeClr val="accent3">
+        <a:tint val="40000"/>
+        <a:alpha val="90000"/>
+      </a:schemeClr>
+      <a:schemeClr val="accent4">
+        <a:tint val="40000"/>
+        <a:alpha val="90000"/>
+      </a:schemeClr>
+      <a:schemeClr val="accent5">
+        <a:tint val="40000"/>
+        <a:alpha val="90000"/>
+      </a:schemeClr>
+      <a:schemeClr val="accent6">
+        <a:tint val="40000"/>
+        <a:alpha val="90000"/>
+      </a:schemeClr>
+    </dgm:fillClrLst>
+    <dgm:linClrLst meth="repeat">
+      <a:schemeClr val="accent2">
+        <a:tint val="40000"/>
+        <a:alpha val="90000"/>
+      </a:schemeClr>
+      <a:schemeClr val="accent3">
+        <a:tint val="40000"/>
+        <a:alpha val="90000"/>
+      </a:schemeClr>
+      <a:schemeClr val="accent4">
+        <a:tint val="40000"/>
+        <a:alpha val="90000"/>
+      </a:schemeClr>
+      <a:schemeClr val="accent5">
+        <a:tint val="40000"/>
+        <a:alpha val="90000"/>
+      </a:schemeClr>
+      <a:schemeClr val="accent6">
+        <a:tint val="40000"/>
+        <a:alpha val="90000"/>
+      </a:schemeClr>
+    </dgm:linClrLst>
+    <dgm:effectClrLst/>
+    <dgm:txLinClrLst/>
+    <dgm:txFillClrLst meth="repeat">
+      <a:schemeClr val="dk1"/>
+    </dgm:txFillClrLst>
+    <dgm:txEffectClrLst/>
+  </dgm:styleLbl>
+  <dgm:styleLbl name="alignAccFollowNode1">
+    <dgm:fillClrLst meth="repeat">
+      <a:schemeClr val="accent2">
+        <a:tint val="40000"/>
+        <a:alpha val="90000"/>
+      </a:schemeClr>
+      <a:schemeClr val="accent3">
+        <a:tint val="40000"/>
+        <a:alpha val="90000"/>
+      </a:schemeClr>
+      <a:schemeClr val="accent4">
+        <a:tint val="40000"/>
+        <a:alpha val="90000"/>
+      </a:schemeClr>
+      <a:schemeClr val="accent5">
+        <a:tint val="40000"/>
+        <a:alpha val="90000"/>
+      </a:schemeClr>
+      <a:schemeClr val="accent6">
+        <a:tint val="40000"/>
+        <a:alpha val="90000"/>
+      </a:schemeClr>
+    </dgm:fillClrLst>
+    <dgm:linClrLst meth="repeat">
+      <a:schemeClr val="accent2">
+        <a:tint val="40000"/>
+        <a:alpha val="90000"/>
+      </a:schemeClr>
+      <a:schemeClr val="accent3">
+        <a:tint val="40000"/>
+        <a:alpha val="90000"/>
+      </a:schemeClr>
+      <a:schemeClr val="accent4">
+        <a:tint val="40000"/>
+        <a:alpha val="90000"/>
+      </a:schemeClr>
+      <a:schemeClr val="accent5">
+        <a:tint val="40000"/>
+        <a:alpha val="90000"/>
+      </a:schemeClr>
+      <a:schemeClr val="accent6">
+        <a:tint val="40000"/>
+        <a:alpha val="90000"/>
+      </a:schemeClr>
+    </dgm:linClrLst>
+    <dgm:effectClrLst/>
+    <dgm:txLinClrLst/>
+    <dgm:txFillClrLst meth="repeat">
+      <a:schemeClr val="dk1"/>
+    </dgm:txFillClrLst>
+    <dgm:txEffectClrLst/>
+  </dgm:styleLbl>
+  <dgm:styleLbl name="bgAccFollowNode1">
+    <dgm:fillClrLst meth="repeat">
+      <a:schemeClr val="accent2">
+        <a:tint val="40000"/>
+        <a:alpha val="90000"/>
+      </a:schemeClr>
+      <a:schemeClr val="accent3">
+        <a:tint val="40000"/>
+        <a:alpha val="90000"/>
+      </a:schemeClr>
+      <a:schemeClr val="accent4">
+        <a:tint val="40000"/>
+        <a:alpha val="90000"/>
+      </a:schemeClr>
+      <a:schemeClr val="accent5">
+        <a:tint val="40000"/>
+        <a:alpha val="90000"/>
+      </a:schemeClr>
+      <a:schemeClr val="accent6">
+        <a:tint val="40000"/>
+        <a:alpha val="90000"/>
+      </a:schemeClr>
+    </dgm:fillClrLst>
+    <dgm:linClrLst meth="repeat">
+      <a:schemeClr val="accent2">
+        <a:tint val="40000"/>
+        <a:alpha val="90000"/>
+      </a:schemeClr>
+      <a:schemeClr val="accent3">
+        <a:tint val="40000"/>
+        <a:alpha val="90000"/>
+      </a:schemeClr>
+      <a:schemeClr val="accent4">
+        <a:tint val="40000"/>
+        <a:alpha val="90000"/>
+      </a:schemeClr>
+      <a:schemeClr val="accent5">
+        <a:tint val="40000"/>
+        <a:alpha val="90000"/>
+      </a:schemeClr>
+      <a:schemeClr val="accent6">
+        <a:tint val="40000"/>
+        <a:alpha val="90000"/>
+      </a:schemeClr>
+    </dgm:linClrLst>
+    <dgm:effectClrLst/>
+    <dgm:txLinClrLst/>
+    <dgm:txFillClrLst meth="repeat">
+      <a:schemeClr val="dk1"/>
+    </dgm:txFillClrLst>
+    <dgm:txEffectClrLst/>
+  </dgm:styleLbl>
+  <dgm:styleLbl name="fgAcc0">
+    <dgm:fillClrLst meth="repeat">
+      <a:schemeClr val="lt1">
+        <a:alpha val="90000"/>
+      </a:schemeClr>
+    </dgm:fillClrLst>
+    <dgm:linClrLst>
+      <a:schemeClr val="accent1"/>
+    </dgm:linClrLst>
+    <dgm:effectClrLst/>
+    <dgm:txLinClrLst/>
+    <dgm:txFillClrLst meth="repeat">
+      <a:schemeClr val="dk1"/>
+    </dgm:txFillClrLst>
+    <dgm:txEffectClrLst/>
+  </dgm:styleLbl>
+  <dgm:styleLbl name="fgAcc2">
+    <dgm:fillClrLst meth="repeat">
+      <a:schemeClr val="lt1">
+        <a:alpha val="90000"/>
+      </a:schemeClr>
+    </dgm:fillClrLst>
+    <dgm:linClrLst>
+      <a:schemeClr val="accent2"/>
+    </dgm:linClrLst>
+    <dgm:effectClrLst/>
+    <dgm:txLinClrLst/>
+    <dgm:txFillClrLst meth="repeat">
+      <a:schemeClr val="dk1"/>
+    </dgm:txFillClrLst>
+    <dgm:txEffectClrLst/>
+  </dgm:styleLbl>
+  <dgm:styleLbl name="fgAcc3">
+    <dgm:fillClrLst meth="repeat">
+      <a:schemeClr val="lt1">
+        <a:alpha val="90000"/>
+      </a:schemeClr>
+    </dgm:fillClrLst>
+    <dgm:linClrLst>
+      <a:schemeClr val="accent3"/>
+    </dgm:linClrLst>
+    <dgm:effectClrLst/>
+    <dgm:txLinClrLst/>
+    <dgm:txFillClrLst meth="repeat">
+      <a:schemeClr val="dk1"/>
+    </dgm:txFillClrLst>
+    <dgm:txEffectClrLst/>
+  </dgm:styleLbl>
+  <dgm:styleLbl name="fgAcc4">
+    <dgm:fillClrLst meth="repeat">
+      <a:schemeClr val="lt1">
+        <a:alpha val="90000"/>
+      </a:schemeClr>
+    </dgm:fillClrLst>
+    <dgm:linClrLst>
+      <a:schemeClr val="accent4"/>
+    </dgm:linClrLst>
+    <dgm:effectClrLst/>
+    <dgm:txLinClrLst/>
+    <dgm:txFillClrLst meth="repeat">
+      <a:schemeClr val="dk1"/>
+    </dgm:txFillClrLst>
+    <dgm:txEffectClrLst/>
+  </dgm:styleLbl>
+  <dgm:styleLbl name="bgShp">
+    <dgm:fillClrLst meth="repeat">
+      <a:schemeClr val="accent2">
+        <a:tint val="40000"/>
+      </a:schemeClr>
+    </dgm:fillClrLst>
+    <dgm:linClrLst meth="repeat">
+      <a:schemeClr val="dk1"/>
+    </dgm:linClrLst>
+    <dgm:effectClrLst/>
+    <dgm:txLinClrLst/>
+    <dgm:txFillClrLst meth="repeat">
+      <a:schemeClr val="dk1"/>
+    </dgm:txFillClrLst>
+    <dgm:txEffectClrLst/>
+  </dgm:styleLbl>
+  <dgm:styleLbl name="dkBgShp">
+    <dgm:fillClrLst meth="repeat">
+      <a:schemeClr val="accent2">
+        <a:shade val="90000"/>
+      </a:schemeClr>
+    </dgm:fillClrLst>
+    <dgm:linClrLst meth="repeat">
+      <a:schemeClr val="dk1"/>
+    </dgm:linClrLst>
+    <dgm:effectClrLst/>
+    <dgm:txLinClrLst/>
+    <dgm:txFillClrLst meth="repeat">
+      <a:schemeClr val="lt1"/>
+    </dgm:txFillClrLst>
+    <dgm:txEffectClrLst/>
+  </dgm:styleLbl>
+  <dgm:styleLbl name="trBgShp">
+    <dgm:fillClrLst meth="repeat">
+      <a:schemeClr val="accent1">
+        <a:tint val="50000"/>
+        <a:alpha val="40000"/>
+      </a:schemeClr>
+    </dgm:fillClrLst>
+    <dgm:linClrLst meth="repeat">
+      <a:schemeClr val="accent2"/>
+    </dgm:linClrLst>
+    <dgm:effectClrLst/>
+    <dgm:txLinClrLst/>
+    <dgm:txFillClrLst meth="repeat">
+      <a:schemeClr val="lt1"/>
+    </dgm:txFillClrLst>
+    <dgm:txEffectClrLst/>
+  </dgm:styleLbl>
+  <dgm:styleLbl name="fgShp">
+    <dgm:fillClrLst meth="repeat">
+      <a:schemeClr val="accent2">
+        <a:tint val="40000"/>
+      </a:schemeClr>
+    </dgm:fillClrLst>
+    <dgm:linClrLst meth="repeat">
+      <a:schemeClr val="lt1"/>
+    </dgm:linClrLst>
+    <dgm:effectClrLst/>
+    <dgm:txLinClrLst/>
+    <dgm:txFillClrLst meth="repeat">
+      <a:schemeClr val="dk1"/>
+    </dgm:txFillClrLst>
+    <dgm:txEffectClrLst/>
+  </dgm:styleLbl>
+  <dgm:styleLbl name="revTx">
+    <dgm:fillClrLst meth="repeat">
+      <a:schemeClr val="lt1">
+        <a:alpha val="0"/>
+      </a:schemeClr>
+    </dgm:fillClrLst>
+    <dgm:linClrLst meth="repeat">
+      <a:schemeClr val="dk1">
+        <a:alpha val="0"/>
+      </a:schemeClr>
+    </dgm:linClrLst>
+    <dgm:effectClrLst/>
+    <dgm:txLinClrLst/>
+    <dgm:txFillClrLst meth="repeat">
+      <a:schemeClr val="tx1"/>
+    </dgm:txFillClrLst>
+    <dgm:txEffectClrLst/>
+  </dgm:styleLbl>
+</dgm:colorsDef>
+</file>
+
+<file path=ppt/diagrams/data1.xml><?xml version="1.0" encoding="utf-8"?>
+<dgm:dataModel xmlns:dgm="http://schemas.openxmlformats.org/drawingml/2006/diagram" xmlns:a="http://schemas.openxmlformats.org/drawingml/2006/main">
+  <dgm:ptLst>
+    <dgm:pt modelId="{A6C24DCA-FFE5-44D6-A125-42AE73CC7BA5}" type="doc">
+      <dgm:prSet loTypeId="urn:microsoft.com/office/officeart/2016/7/layout/LinearBlockProcessNumbered" loCatId="process" qsTypeId="urn:microsoft.com/office/officeart/2005/8/quickstyle/simple1" qsCatId="simple" csTypeId="urn:microsoft.com/office/officeart/2005/8/colors/colorful1" csCatId="colorful" phldr="1"/>
+      <dgm:spPr/>
+      <dgm:t>
+        <a:bodyPr/>
+        <a:lstStyle/>
+        <a:p>
+          <a:endParaRPr lang="en-US"/>
+        </a:p>
+      </dgm:t>
+    </dgm:pt>
+    <dgm:pt modelId="{CA43BAD4-10F7-4B3B-B193-13A2E0E801D6}">
+      <dgm:prSet/>
+      <dgm:spPr/>
+      <dgm:t>
+        <a:bodyPr/>
+        <a:lstStyle/>
+        <a:p>
+          <a:r>
+            <a:rPr lang="en-US"/>
+            <a:t>Alternative fuel vehicles and charging stations will increase dramatically in usage in the near future.</a:t>
+          </a:r>
+        </a:p>
+      </dgm:t>
+    </dgm:pt>
+    <dgm:pt modelId="{6316A771-2C0E-4D04-BE8C-6807D56D5FC2}" type="parTrans" cxnId="{5C086654-40E4-4788-95DE-4223BF93C9EE}">
+      <dgm:prSet/>
+      <dgm:spPr/>
+      <dgm:t>
+        <a:bodyPr/>
+        <a:lstStyle/>
+        <a:p>
+          <a:endParaRPr lang="en-US"/>
+        </a:p>
+      </dgm:t>
+    </dgm:pt>
+    <dgm:pt modelId="{A82AB92F-B247-4C21-9B09-60D81052D5C7}" type="sibTrans" cxnId="{5C086654-40E4-4788-95DE-4223BF93C9EE}">
+      <dgm:prSet phldrT="01" phldr="0"/>
+      <dgm:spPr/>
+      <dgm:t>
+        <a:bodyPr/>
+        <a:lstStyle/>
+        <a:p>
+          <a:r>
+            <a:rPr lang="en-US"/>
+            <a:t>01</a:t>
+          </a:r>
+        </a:p>
+      </dgm:t>
+    </dgm:pt>
+    <dgm:pt modelId="{06B0B318-D042-4BED-819D-8F0A36D774BC}">
+      <dgm:prSet/>
+      <dgm:spPr/>
+      <dgm:t>
+        <a:bodyPr/>
+        <a:lstStyle/>
+        <a:p>
+          <a:r>
+            <a:rPr lang="en-US" dirty="0"/>
+            <a:t>Zip codes with higher average household incomes do not appear to have more alternative fueling stations. A more in-depth analysis should be performed to confirm.</a:t>
+          </a:r>
+        </a:p>
+      </dgm:t>
+    </dgm:pt>
+    <dgm:pt modelId="{5E68F262-F767-4C26-B655-EEF3ECA35D6F}" type="parTrans" cxnId="{1691FFD0-8A7A-4F20-BCA3-BF8ECDE1B4F8}">
+      <dgm:prSet/>
+      <dgm:spPr/>
+      <dgm:t>
+        <a:bodyPr/>
+        <a:lstStyle/>
+        <a:p>
+          <a:endParaRPr lang="en-US"/>
+        </a:p>
+      </dgm:t>
+    </dgm:pt>
+    <dgm:pt modelId="{B7C79DFC-848E-471C-9179-8119FFC5139D}" type="sibTrans" cxnId="{1691FFD0-8A7A-4F20-BCA3-BF8ECDE1B4F8}">
+      <dgm:prSet phldrT="02" phldr="0"/>
+      <dgm:spPr/>
+      <dgm:t>
+        <a:bodyPr/>
+        <a:lstStyle/>
+        <a:p>
+          <a:r>
+            <a:rPr lang="en-US"/>
+            <a:t>02</a:t>
+          </a:r>
+        </a:p>
+      </dgm:t>
+    </dgm:pt>
+    <dgm:pt modelId="{D225BFBC-B679-423A-8760-C3C119639C45}">
+      <dgm:prSet/>
+      <dgm:spPr/>
+      <dgm:t>
+        <a:bodyPr/>
+        <a:lstStyle/>
+        <a:p>
+          <a:r>
+            <a:rPr lang="en-US"/>
+            <a:t>There’s enormous potential for use of an alternative fuel station dashboard with a diverse number of applications.</a:t>
+          </a:r>
+        </a:p>
+      </dgm:t>
+    </dgm:pt>
+    <dgm:pt modelId="{6B95D77C-FFE6-44C0-8428-72E046F42DDA}" type="parTrans" cxnId="{FE1641D9-AB8B-41D5-8F8A-86E5F210B4B2}">
+      <dgm:prSet/>
+      <dgm:spPr/>
+      <dgm:t>
+        <a:bodyPr/>
+        <a:lstStyle/>
+        <a:p>
+          <a:endParaRPr lang="en-US"/>
+        </a:p>
+      </dgm:t>
+    </dgm:pt>
+    <dgm:pt modelId="{6D5DB109-EAFF-4A2C-852E-BAA8113B38DA}" type="sibTrans" cxnId="{FE1641D9-AB8B-41D5-8F8A-86E5F210B4B2}">
+      <dgm:prSet phldrT="03" phldr="0"/>
+      <dgm:spPr/>
+      <dgm:t>
+        <a:bodyPr/>
+        <a:lstStyle/>
+        <a:p>
+          <a:r>
+            <a:rPr lang="en-US"/>
+            <a:t>03</a:t>
+          </a:r>
+        </a:p>
+      </dgm:t>
+    </dgm:pt>
+    <dgm:pt modelId="{6FD7A8F2-6CFE-BC4A-92C4-1FEBE6245E31}" type="pres">
+      <dgm:prSet presAssocID="{A6C24DCA-FFE5-44D6-A125-42AE73CC7BA5}" presName="Name0" presStyleCnt="0">
+        <dgm:presLayoutVars>
+          <dgm:animLvl val="lvl"/>
+          <dgm:resizeHandles val="exact"/>
+        </dgm:presLayoutVars>
+      </dgm:prSet>
+      <dgm:spPr/>
+    </dgm:pt>
+    <dgm:pt modelId="{D670C50D-B38B-7B41-A26D-7722DA19C2C6}" type="pres">
+      <dgm:prSet presAssocID="{CA43BAD4-10F7-4B3B-B193-13A2E0E801D6}" presName="compositeNode" presStyleCnt="0">
+        <dgm:presLayoutVars>
+          <dgm:bulletEnabled val="1"/>
+        </dgm:presLayoutVars>
+      </dgm:prSet>
+      <dgm:spPr/>
+    </dgm:pt>
+    <dgm:pt modelId="{BF79BB80-054D-E146-9A96-7E5379F25D33}" type="pres">
+      <dgm:prSet presAssocID="{CA43BAD4-10F7-4B3B-B193-13A2E0E801D6}" presName="bgRect" presStyleLbl="alignNode1" presStyleIdx="0" presStyleCnt="3"/>
+      <dgm:spPr/>
+    </dgm:pt>
+    <dgm:pt modelId="{B12E9281-75DA-0141-9CB9-8463842669C1}" type="pres">
+      <dgm:prSet presAssocID="{A82AB92F-B247-4C21-9B09-60D81052D5C7}" presName="sibTransNodeRect" presStyleLbl="alignNode1" presStyleIdx="0" presStyleCnt="3">
+        <dgm:presLayoutVars>
+          <dgm:chMax val="0"/>
+          <dgm:bulletEnabled val="1"/>
+        </dgm:presLayoutVars>
+      </dgm:prSet>
+      <dgm:spPr/>
+    </dgm:pt>
+    <dgm:pt modelId="{38B514B4-85E7-AF44-A680-AAADBF8A3850}" type="pres">
+      <dgm:prSet presAssocID="{CA43BAD4-10F7-4B3B-B193-13A2E0E801D6}" presName="nodeRect" presStyleLbl="alignNode1" presStyleIdx="0" presStyleCnt="3">
+        <dgm:presLayoutVars>
+          <dgm:bulletEnabled val="1"/>
+        </dgm:presLayoutVars>
+      </dgm:prSet>
+      <dgm:spPr/>
+    </dgm:pt>
+    <dgm:pt modelId="{AA61AAB3-4F15-FF45-89E8-7080F04A1337}" type="pres">
+      <dgm:prSet presAssocID="{A82AB92F-B247-4C21-9B09-60D81052D5C7}" presName="sibTrans" presStyleCnt="0"/>
+      <dgm:spPr/>
+    </dgm:pt>
+    <dgm:pt modelId="{9B73383B-21A3-8346-A2E5-351B704C6549}" type="pres">
+      <dgm:prSet presAssocID="{06B0B318-D042-4BED-819D-8F0A36D774BC}" presName="compositeNode" presStyleCnt="0">
+        <dgm:presLayoutVars>
+          <dgm:bulletEnabled val="1"/>
+        </dgm:presLayoutVars>
+      </dgm:prSet>
+      <dgm:spPr/>
+    </dgm:pt>
+    <dgm:pt modelId="{92402D67-8D8A-9F4B-A845-B0404D7A1B7C}" type="pres">
+      <dgm:prSet presAssocID="{06B0B318-D042-4BED-819D-8F0A36D774BC}" presName="bgRect" presStyleLbl="alignNode1" presStyleIdx="1" presStyleCnt="3"/>
+      <dgm:spPr/>
+    </dgm:pt>
+    <dgm:pt modelId="{82E5FAEC-2754-394B-A389-4387A923202E}" type="pres">
+      <dgm:prSet presAssocID="{B7C79DFC-848E-471C-9179-8119FFC5139D}" presName="sibTransNodeRect" presStyleLbl="alignNode1" presStyleIdx="1" presStyleCnt="3">
+        <dgm:presLayoutVars>
+          <dgm:chMax val="0"/>
+          <dgm:bulletEnabled val="1"/>
+        </dgm:presLayoutVars>
+      </dgm:prSet>
+      <dgm:spPr/>
+    </dgm:pt>
+    <dgm:pt modelId="{84AB1554-6798-6F4B-8F67-D1566616936D}" type="pres">
+      <dgm:prSet presAssocID="{06B0B318-D042-4BED-819D-8F0A36D774BC}" presName="nodeRect" presStyleLbl="alignNode1" presStyleIdx="1" presStyleCnt="3">
+        <dgm:presLayoutVars>
+          <dgm:bulletEnabled val="1"/>
+        </dgm:presLayoutVars>
+      </dgm:prSet>
+      <dgm:spPr/>
+    </dgm:pt>
+    <dgm:pt modelId="{4DF04C00-35B4-204A-8AA0-EE6CBB0BB295}" type="pres">
+      <dgm:prSet presAssocID="{B7C79DFC-848E-471C-9179-8119FFC5139D}" presName="sibTrans" presStyleCnt="0"/>
+      <dgm:spPr/>
+    </dgm:pt>
+    <dgm:pt modelId="{E314C2D7-ACC3-8A4A-9C5C-2FE08A2004E8}" type="pres">
+      <dgm:prSet presAssocID="{D225BFBC-B679-423A-8760-C3C119639C45}" presName="compositeNode" presStyleCnt="0">
+        <dgm:presLayoutVars>
+          <dgm:bulletEnabled val="1"/>
+        </dgm:presLayoutVars>
+      </dgm:prSet>
+      <dgm:spPr/>
+    </dgm:pt>
+    <dgm:pt modelId="{BAC7FAED-ADAE-BB4C-98D1-25C4BBEE0B85}" type="pres">
+      <dgm:prSet presAssocID="{D225BFBC-B679-423A-8760-C3C119639C45}" presName="bgRect" presStyleLbl="alignNode1" presStyleIdx="2" presStyleCnt="3"/>
+      <dgm:spPr/>
+    </dgm:pt>
+    <dgm:pt modelId="{024AAE0E-0DEE-914F-AA09-B22F9855910F}" type="pres">
+      <dgm:prSet presAssocID="{6D5DB109-EAFF-4A2C-852E-BAA8113B38DA}" presName="sibTransNodeRect" presStyleLbl="alignNode1" presStyleIdx="2" presStyleCnt="3">
+        <dgm:presLayoutVars>
+          <dgm:chMax val="0"/>
+          <dgm:bulletEnabled val="1"/>
+        </dgm:presLayoutVars>
+      </dgm:prSet>
+      <dgm:spPr/>
+    </dgm:pt>
+    <dgm:pt modelId="{BDBC7E39-0A72-D547-8882-06202D3781B8}" type="pres">
+      <dgm:prSet presAssocID="{D225BFBC-B679-423A-8760-C3C119639C45}" presName="nodeRect" presStyleLbl="alignNode1" presStyleIdx="2" presStyleCnt="3">
+        <dgm:presLayoutVars>
+          <dgm:bulletEnabled val="1"/>
+        </dgm:presLayoutVars>
+      </dgm:prSet>
+      <dgm:spPr/>
+    </dgm:pt>
+  </dgm:ptLst>
+  <dgm:cxnLst>
+    <dgm:cxn modelId="{395BF208-8269-044F-A710-B57BF0CF5602}" type="presOf" srcId="{A6C24DCA-FFE5-44D6-A125-42AE73CC7BA5}" destId="{6FD7A8F2-6CFE-BC4A-92C4-1FEBE6245E31}" srcOrd="0" destOrd="0" presId="urn:microsoft.com/office/officeart/2016/7/layout/LinearBlockProcessNumbered"/>
+    <dgm:cxn modelId="{4563A815-05EC-9F45-A213-8C14246ED6B5}" type="presOf" srcId="{CA43BAD4-10F7-4B3B-B193-13A2E0E801D6}" destId="{BF79BB80-054D-E146-9A96-7E5379F25D33}" srcOrd="0" destOrd="0" presId="urn:microsoft.com/office/officeart/2016/7/layout/LinearBlockProcessNumbered"/>
+    <dgm:cxn modelId="{8B490226-AF58-964F-94B2-A6761AA53DDE}" type="presOf" srcId="{D225BFBC-B679-423A-8760-C3C119639C45}" destId="{BAC7FAED-ADAE-BB4C-98D1-25C4BBEE0B85}" srcOrd="0" destOrd="0" presId="urn:microsoft.com/office/officeart/2016/7/layout/LinearBlockProcessNumbered"/>
+    <dgm:cxn modelId="{6155514A-DC8C-044E-8BB6-FFF36F315E18}" type="presOf" srcId="{6D5DB109-EAFF-4A2C-852E-BAA8113B38DA}" destId="{024AAE0E-0DEE-914F-AA09-B22F9855910F}" srcOrd="0" destOrd="0" presId="urn:microsoft.com/office/officeart/2016/7/layout/LinearBlockProcessNumbered"/>
+    <dgm:cxn modelId="{5C086654-40E4-4788-95DE-4223BF93C9EE}" srcId="{A6C24DCA-FFE5-44D6-A125-42AE73CC7BA5}" destId="{CA43BAD4-10F7-4B3B-B193-13A2E0E801D6}" srcOrd="0" destOrd="0" parTransId="{6316A771-2C0E-4D04-BE8C-6807D56D5FC2}" sibTransId="{A82AB92F-B247-4C21-9B09-60D81052D5C7}"/>
+    <dgm:cxn modelId="{ECB8616D-B79B-2445-A86D-8F1E59471B5A}" type="presOf" srcId="{B7C79DFC-848E-471C-9179-8119FFC5139D}" destId="{82E5FAEC-2754-394B-A389-4387A923202E}" srcOrd="0" destOrd="0" presId="urn:microsoft.com/office/officeart/2016/7/layout/LinearBlockProcessNumbered"/>
+    <dgm:cxn modelId="{AAF5C0AA-3CF9-EC40-9BBD-A85AE0985C5A}" type="presOf" srcId="{A82AB92F-B247-4C21-9B09-60D81052D5C7}" destId="{B12E9281-75DA-0141-9CB9-8463842669C1}" srcOrd="0" destOrd="0" presId="urn:microsoft.com/office/officeart/2016/7/layout/LinearBlockProcessNumbered"/>
+    <dgm:cxn modelId="{E14C0EAF-6F36-1A48-9643-7F5D7C606450}" type="presOf" srcId="{CA43BAD4-10F7-4B3B-B193-13A2E0E801D6}" destId="{38B514B4-85E7-AF44-A680-AAADBF8A3850}" srcOrd="1" destOrd="0" presId="urn:microsoft.com/office/officeart/2016/7/layout/LinearBlockProcessNumbered"/>
+    <dgm:cxn modelId="{1691FFD0-8A7A-4F20-BCA3-BF8ECDE1B4F8}" srcId="{A6C24DCA-FFE5-44D6-A125-42AE73CC7BA5}" destId="{06B0B318-D042-4BED-819D-8F0A36D774BC}" srcOrd="1" destOrd="0" parTransId="{5E68F262-F767-4C26-B655-EEF3ECA35D6F}" sibTransId="{B7C79DFC-848E-471C-9179-8119FFC5139D}"/>
+    <dgm:cxn modelId="{DD6CB8D5-91B5-D340-AF16-EBCF90419BDF}" type="presOf" srcId="{06B0B318-D042-4BED-819D-8F0A36D774BC}" destId="{84AB1554-6798-6F4B-8F67-D1566616936D}" srcOrd="1" destOrd="0" presId="urn:microsoft.com/office/officeart/2016/7/layout/LinearBlockProcessNumbered"/>
+    <dgm:cxn modelId="{9493A0D6-7A33-6249-ADED-7CB795DA43AE}" type="presOf" srcId="{D225BFBC-B679-423A-8760-C3C119639C45}" destId="{BDBC7E39-0A72-D547-8882-06202D3781B8}" srcOrd="1" destOrd="0" presId="urn:microsoft.com/office/officeart/2016/7/layout/LinearBlockProcessNumbered"/>
+    <dgm:cxn modelId="{FE1641D9-AB8B-41D5-8F8A-86E5F210B4B2}" srcId="{A6C24DCA-FFE5-44D6-A125-42AE73CC7BA5}" destId="{D225BFBC-B679-423A-8760-C3C119639C45}" srcOrd="2" destOrd="0" parTransId="{6B95D77C-FFE6-44C0-8428-72E046F42DDA}" sibTransId="{6D5DB109-EAFF-4A2C-852E-BAA8113B38DA}"/>
+    <dgm:cxn modelId="{7902D1FA-D9B4-5E45-BD43-29A504378EBB}" type="presOf" srcId="{06B0B318-D042-4BED-819D-8F0A36D774BC}" destId="{92402D67-8D8A-9F4B-A845-B0404D7A1B7C}" srcOrd="0" destOrd="0" presId="urn:microsoft.com/office/officeart/2016/7/layout/LinearBlockProcessNumbered"/>
+    <dgm:cxn modelId="{BA180B59-B6B7-914F-ABF4-DB050353D127}" type="presParOf" srcId="{6FD7A8F2-6CFE-BC4A-92C4-1FEBE6245E31}" destId="{D670C50D-B38B-7B41-A26D-7722DA19C2C6}" srcOrd="0" destOrd="0" presId="urn:microsoft.com/office/officeart/2016/7/layout/LinearBlockProcessNumbered"/>
+    <dgm:cxn modelId="{AE74310C-CD84-ED43-9D46-1BC931099976}" type="presParOf" srcId="{D670C50D-B38B-7B41-A26D-7722DA19C2C6}" destId="{BF79BB80-054D-E146-9A96-7E5379F25D33}" srcOrd="0" destOrd="0" presId="urn:microsoft.com/office/officeart/2016/7/layout/LinearBlockProcessNumbered"/>
+    <dgm:cxn modelId="{E746765D-265A-B44A-8CC4-5FA6025348D6}" type="presParOf" srcId="{D670C50D-B38B-7B41-A26D-7722DA19C2C6}" destId="{B12E9281-75DA-0141-9CB9-8463842669C1}" srcOrd="1" destOrd="0" presId="urn:microsoft.com/office/officeart/2016/7/layout/LinearBlockProcessNumbered"/>
+    <dgm:cxn modelId="{931B80F8-059A-F64B-8A5B-34A4B8B6CBCF}" type="presParOf" srcId="{D670C50D-B38B-7B41-A26D-7722DA19C2C6}" destId="{38B514B4-85E7-AF44-A680-AAADBF8A3850}" srcOrd="2" destOrd="0" presId="urn:microsoft.com/office/officeart/2016/7/layout/LinearBlockProcessNumbered"/>
+    <dgm:cxn modelId="{FF020E51-7F7A-854E-8EA0-F6C7B986F72F}" type="presParOf" srcId="{6FD7A8F2-6CFE-BC4A-92C4-1FEBE6245E31}" destId="{AA61AAB3-4F15-FF45-89E8-7080F04A1337}" srcOrd="1" destOrd="0" presId="urn:microsoft.com/office/officeart/2016/7/layout/LinearBlockProcessNumbered"/>
+    <dgm:cxn modelId="{4658E372-57D1-3C44-B85C-BB15620EE281}" type="presParOf" srcId="{6FD7A8F2-6CFE-BC4A-92C4-1FEBE6245E31}" destId="{9B73383B-21A3-8346-A2E5-351B704C6549}" srcOrd="2" destOrd="0" presId="urn:microsoft.com/office/officeart/2016/7/layout/LinearBlockProcessNumbered"/>
+    <dgm:cxn modelId="{DF077D78-4D71-2D48-9176-465F29D22B14}" type="presParOf" srcId="{9B73383B-21A3-8346-A2E5-351B704C6549}" destId="{92402D67-8D8A-9F4B-A845-B0404D7A1B7C}" srcOrd="0" destOrd="0" presId="urn:microsoft.com/office/officeart/2016/7/layout/LinearBlockProcessNumbered"/>
+    <dgm:cxn modelId="{0010EECD-F618-554E-8DCA-8D370AB8A806}" type="presParOf" srcId="{9B73383B-21A3-8346-A2E5-351B704C6549}" destId="{82E5FAEC-2754-394B-A389-4387A923202E}" srcOrd="1" destOrd="0" presId="urn:microsoft.com/office/officeart/2016/7/layout/LinearBlockProcessNumbered"/>
+    <dgm:cxn modelId="{43C10B4F-DCA2-E14F-A070-F5584322389A}" type="presParOf" srcId="{9B73383B-21A3-8346-A2E5-351B704C6549}" destId="{84AB1554-6798-6F4B-8F67-D1566616936D}" srcOrd="2" destOrd="0" presId="urn:microsoft.com/office/officeart/2016/7/layout/LinearBlockProcessNumbered"/>
+    <dgm:cxn modelId="{DEEC206E-116A-D943-803C-B06E6A0A59DB}" type="presParOf" srcId="{6FD7A8F2-6CFE-BC4A-92C4-1FEBE6245E31}" destId="{4DF04C00-35B4-204A-8AA0-EE6CBB0BB295}" srcOrd="3" destOrd="0" presId="urn:microsoft.com/office/officeart/2016/7/layout/LinearBlockProcessNumbered"/>
+    <dgm:cxn modelId="{8DB33F23-4B2A-2046-AAC9-F5EFF3AB2799}" type="presParOf" srcId="{6FD7A8F2-6CFE-BC4A-92C4-1FEBE6245E31}" destId="{E314C2D7-ACC3-8A4A-9C5C-2FE08A2004E8}" srcOrd="4" destOrd="0" presId="urn:microsoft.com/office/officeart/2016/7/layout/LinearBlockProcessNumbered"/>
+    <dgm:cxn modelId="{993D7022-3662-3D47-B99E-B858C13A5C32}" type="presParOf" srcId="{E314C2D7-ACC3-8A4A-9C5C-2FE08A2004E8}" destId="{BAC7FAED-ADAE-BB4C-98D1-25C4BBEE0B85}" srcOrd="0" destOrd="0" presId="urn:microsoft.com/office/officeart/2016/7/layout/LinearBlockProcessNumbered"/>
+    <dgm:cxn modelId="{D73E29C2-2B51-6F4F-B677-3CA83E08EA32}" type="presParOf" srcId="{E314C2D7-ACC3-8A4A-9C5C-2FE08A2004E8}" destId="{024AAE0E-0DEE-914F-AA09-B22F9855910F}" srcOrd="1" destOrd="0" presId="urn:microsoft.com/office/officeart/2016/7/layout/LinearBlockProcessNumbered"/>
+    <dgm:cxn modelId="{D0EAF428-9AFC-074B-A2FC-E6BD0904B603}" type="presParOf" srcId="{E314C2D7-ACC3-8A4A-9C5C-2FE08A2004E8}" destId="{BDBC7E39-0A72-D547-8882-06202D3781B8}" srcOrd="2" destOrd="0" presId="urn:microsoft.com/office/officeart/2016/7/layout/LinearBlockProcessNumbered"/>
+  </dgm:cxnLst>
+  <dgm:bg/>
+  <dgm:whole/>
+  <dgm:extLst>
+    <a:ext uri="http://schemas.microsoft.com/office/drawing/2008/diagram">
+      <dsp:dataModelExt xmlns:dsp="http://schemas.microsoft.com/office/drawing/2008/diagram" relId="rId6" minVer="http://schemas.openxmlformats.org/drawingml/2006/diagram"/>
+    </a:ext>
+  </dgm:extLst>
+</dgm:dataModel>
+</file>
+
+<file path=ppt/diagrams/drawing1.xml><?xml version="1.0" encoding="utf-8"?>
+<dsp:drawing xmlns:dgm="http://schemas.openxmlformats.org/drawingml/2006/diagram" xmlns:dsp="http://schemas.microsoft.com/office/drawing/2008/diagram" xmlns:a="http://schemas.openxmlformats.org/drawingml/2006/main">
+  <dsp:spTree>
+    <dsp:nvGrpSpPr>
+      <dsp:cNvPr id="0" name=""/>
+      <dsp:cNvGrpSpPr/>
+    </dsp:nvGrpSpPr>
+    <dsp:grpSpPr/>
+    <dsp:sp modelId="{BF79BB80-054D-E146-9A96-7E5379F25D33}">
+      <dsp:nvSpPr>
+        <dsp:cNvPr id="0" name=""/>
+        <dsp:cNvSpPr/>
+      </dsp:nvSpPr>
+      <dsp:spPr>
+        <a:xfrm>
+          <a:off x="861" y="0"/>
+          <a:ext cx="3489945" cy="3814281"/>
+        </a:xfrm>
+        <a:prstGeom prst="rect">
+          <a:avLst/>
+        </a:prstGeom>
+        <a:solidFill>
+          <a:schemeClr val="accent2">
+            <a:hueOff val="0"/>
+            <a:satOff val="0"/>
+            <a:lumOff val="0"/>
+            <a:alphaOff val="0"/>
+          </a:schemeClr>
+        </a:solidFill>
+        <a:ln w="22225" cap="rnd" cmpd="sng" algn="ctr">
+          <a:solidFill>
+            <a:schemeClr val="accent2">
+              <a:hueOff val="0"/>
+              <a:satOff val="0"/>
+              <a:lumOff val="0"/>
+              <a:alphaOff val="0"/>
+            </a:schemeClr>
+          </a:solidFill>
+          <a:prstDash val="solid"/>
+        </a:ln>
+        <a:effectLst/>
+      </dsp:spPr>
+      <dsp:style>
+        <a:lnRef idx="2">
+          <a:scrgbClr r="0" g="0" b="0"/>
+        </a:lnRef>
+        <a:fillRef idx="1">
+          <a:scrgbClr r="0" g="0" b="0"/>
+        </a:fillRef>
+        <a:effectRef idx="0">
+          <a:scrgbClr r="0" g="0" b="0"/>
+        </a:effectRef>
+        <a:fontRef idx="minor">
+          <a:schemeClr val="lt1"/>
+        </a:fontRef>
+      </dsp:style>
+      <dsp:txBody>
+        <a:bodyPr spcFirstLastPara="0" vert="horz" wrap="square" lIns="344729" tIns="0" rIns="344729" bIns="330200" numCol="1" spcCol="1270" anchor="t" anchorCtr="0">
+          <a:noAutofit/>
+        </a:bodyPr>
+        <a:lstStyle/>
+        <a:p>
+          <a:pPr marL="0" lvl="0" indent="0" algn="l" defTabSz="933450">
+            <a:lnSpc>
+              <a:spcPct val="90000"/>
+            </a:lnSpc>
+            <a:spcBef>
+              <a:spcPct val="0"/>
+            </a:spcBef>
+            <a:spcAft>
+              <a:spcPct val="35000"/>
+            </a:spcAft>
+            <a:buNone/>
+          </a:pPr>
+          <a:r>
+            <a:rPr lang="en-US" sz="2100" kern="1200"/>
+            <a:t>Alternative fuel vehicles and charging stations will increase dramatically in usage in the near future.</a:t>
+          </a:r>
+        </a:p>
+      </dsp:txBody>
+      <dsp:txXfrm>
+        <a:off x="861" y="1525712"/>
+        <a:ext cx="3489945" cy="2288568"/>
+      </dsp:txXfrm>
+    </dsp:sp>
+    <dsp:sp modelId="{B12E9281-75DA-0141-9CB9-8463842669C1}">
+      <dsp:nvSpPr>
+        <dsp:cNvPr id="0" name=""/>
+        <dsp:cNvSpPr/>
+      </dsp:nvSpPr>
+      <dsp:spPr>
+        <a:xfrm>
+          <a:off x="861" y="0"/>
+          <a:ext cx="3489945" cy="1525712"/>
+        </a:xfrm>
+        <a:prstGeom prst="rect">
+          <a:avLst/>
+        </a:prstGeom>
+        <a:noFill/>
+        <a:ln w="22225" cap="rnd" cmpd="sng" algn="ctr">
+          <a:noFill/>
+          <a:prstDash val="solid"/>
+        </a:ln>
+        <a:effectLst/>
+        <a:sp3d/>
+      </dsp:spPr>
+      <dsp:style>
+        <a:lnRef idx="2">
+          <a:scrgbClr r="0" g="0" b="0"/>
+        </a:lnRef>
+        <a:fillRef idx="1">
+          <a:scrgbClr r="0" g="0" b="0"/>
+        </a:fillRef>
+        <a:effectRef idx="0">
+          <a:scrgbClr r="0" g="0" b="0"/>
+        </a:effectRef>
+        <a:fontRef idx="minor">
+          <a:schemeClr val="lt1"/>
+        </a:fontRef>
+      </dsp:style>
+      <dsp:txBody>
+        <a:bodyPr spcFirstLastPara="0" vert="horz" wrap="square" lIns="344729" tIns="165100" rIns="344729" bIns="165100" numCol="1" spcCol="1270" anchor="ctr" anchorCtr="0">
+          <a:noAutofit/>
+        </a:bodyPr>
+        <a:lstStyle/>
+        <a:p>
+          <a:pPr marL="0" lvl="0" indent="0" algn="l" defTabSz="2933700">
+            <a:lnSpc>
+              <a:spcPct val="90000"/>
+            </a:lnSpc>
+            <a:spcBef>
+              <a:spcPct val="0"/>
+            </a:spcBef>
+            <a:spcAft>
+              <a:spcPct val="35000"/>
+            </a:spcAft>
+            <a:buNone/>
+          </a:pPr>
+          <a:r>
+            <a:rPr lang="en-US" sz="6600" kern="1200"/>
+            <a:t>01</a:t>
+          </a:r>
+        </a:p>
+      </dsp:txBody>
+      <dsp:txXfrm>
+        <a:off x="861" y="0"/>
+        <a:ext cx="3489945" cy="1525712"/>
+      </dsp:txXfrm>
+    </dsp:sp>
+    <dsp:sp modelId="{92402D67-8D8A-9F4B-A845-B0404D7A1B7C}">
+      <dsp:nvSpPr>
+        <dsp:cNvPr id="0" name=""/>
+        <dsp:cNvSpPr/>
+      </dsp:nvSpPr>
+      <dsp:spPr>
+        <a:xfrm>
+          <a:off x="3770002" y="0"/>
+          <a:ext cx="3489945" cy="3814281"/>
+        </a:xfrm>
+        <a:prstGeom prst="rect">
+          <a:avLst/>
+        </a:prstGeom>
+        <a:solidFill>
+          <a:schemeClr val="accent3">
+            <a:hueOff val="0"/>
+            <a:satOff val="0"/>
+            <a:lumOff val="0"/>
+            <a:alphaOff val="0"/>
+          </a:schemeClr>
+        </a:solidFill>
+        <a:ln w="22225" cap="rnd" cmpd="sng" algn="ctr">
+          <a:solidFill>
+            <a:schemeClr val="accent3">
+              <a:hueOff val="0"/>
+              <a:satOff val="0"/>
+              <a:lumOff val="0"/>
+              <a:alphaOff val="0"/>
+            </a:schemeClr>
+          </a:solidFill>
+          <a:prstDash val="solid"/>
+        </a:ln>
+        <a:effectLst/>
+      </dsp:spPr>
+      <dsp:style>
+        <a:lnRef idx="2">
+          <a:scrgbClr r="0" g="0" b="0"/>
+        </a:lnRef>
+        <a:fillRef idx="1">
+          <a:scrgbClr r="0" g="0" b="0"/>
+        </a:fillRef>
+        <a:effectRef idx="0">
+          <a:scrgbClr r="0" g="0" b="0"/>
+        </a:effectRef>
+        <a:fontRef idx="minor">
+          <a:schemeClr val="lt1"/>
+        </a:fontRef>
+      </dsp:style>
+      <dsp:txBody>
+        <a:bodyPr spcFirstLastPara="0" vert="horz" wrap="square" lIns="344729" tIns="0" rIns="344729" bIns="330200" numCol="1" spcCol="1270" anchor="t" anchorCtr="0">
+          <a:noAutofit/>
+        </a:bodyPr>
+        <a:lstStyle/>
+        <a:p>
+          <a:pPr marL="0" lvl="0" indent="0" algn="l" defTabSz="933450">
+            <a:lnSpc>
+              <a:spcPct val="90000"/>
+            </a:lnSpc>
+            <a:spcBef>
+              <a:spcPct val="0"/>
+            </a:spcBef>
+            <a:spcAft>
+              <a:spcPct val="35000"/>
+            </a:spcAft>
+            <a:buNone/>
+          </a:pPr>
+          <a:r>
+            <a:rPr lang="en-US" sz="2100" kern="1200" dirty="0"/>
+            <a:t>Zip codes with higher average household incomes do not appear to have more alternative fueling stations. A more in-depth analysis should be performed to confirm.</a:t>
+          </a:r>
+        </a:p>
+      </dsp:txBody>
+      <dsp:txXfrm>
+        <a:off x="3770002" y="1525712"/>
+        <a:ext cx="3489945" cy="2288568"/>
+      </dsp:txXfrm>
+    </dsp:sp>
+    <dsp:sp modelId="{82E5FAEC-2754-394B-A389-4387A923202E}">
+      <dsp:nvSpPr>
+        <dsp:cNvPr id="0" name=""/>
+        <dsp:cNvSpPr/>
+      </dsp:nvSpPr>
+      <dsp:spPr>
+        <a:xfrm>
+          <a:off x="3770002" y="0"/>
+          <a:ext cx="3489945" cy="1525712"/>
+        </a:xfrm>
+        <a:prstGeom prst="rect">
+          <a:avLst/>
+        </a:prstGeom>
+        <a:noFill/>
+        <a:ln w="22225" cap="rnd" cmpd="sng" algn="ctr">
+          <a:noFill/>
+          <a:prstDash val="solid"/>
+        </a:ln>
+        <a:effectLst/>
+        <a:sp3d/>
+      </dsp:spPr>
+      <dsp:style>
+        <a:lnRef idx="2">
+          <a:scrgbClr r="0" g="0" b="0"/>
+        </a:lnRef>
+        <a:fillRef idx="1">
+          <a:scrgbClr r="0" g="0" b="0"/>
+        </a:fillRef>
+        <a:effectRef idx="0">
+          <a:scrgbClr r="0" g="0" b="0"/>
+        </a:effectRef>
+        <a:fontRef idx="minor">
+          <a:schemeClr val="lt1"/>
+        </a:fontRef>
+      </dsp:style>
+      <dsp:txBody>
+        <a:bodyPr spcFirstLastPara="0" vert="horz" wrap="square" lIns="344729" tIns="165100" rIns="344729" bIns="165100" numCol="1" spcCol="1270" anchor="ctr" anchorCtr="0">
+          <a:noAutofit/>
+        </a:bodyPr>
+        <a:lstStyle/>
+        <a:p>
+          <a:pPr marL="0" lvl="0" indent="0" algn="l" defTabSz="2933700">
+            <a:lnSpc>
+              <a:spcPct val="90000"/>
+            </a:lnSpc>
+            <a:spcBef>
+              <a:spcPct val="0"/>
+            </a:spcBef>
+            <a:spcAft>
+              <a:spcPct val="35000"/>
+            </a:spcAft>
+            <a:buNone/>
+          </a:pPr>
+          <a:r>
+            <a:rPr lang="en-US" sz="6600" kern="1200"/>
+            <a:t>02</a:t>
+          </a:r>
+        </a:p>
+      </dsp:txBody>
+      <dsp:txXfrm>
+        <a:off x="3770002" y="0"/>
+        <a:ext cx="3489945" cy="1525712"/>
+      </dsp:txXfrm>
+    </dsp:sp>
+    <dsp:sp modelId="{BAC7FAED-ADAE-BB4C-98D1-25C4BBEE0B85}">
+      <dsp:nvSpPr>
+        <dsp:cNvPr id="0" name=""/>
+        <dsp:cNvSpPr/>
+      </dsp:nvSpPr>
+      <dsp:spPr>
+        <a:xfrm>
+          <a:off x="7539143" y="0"/>
+          <a:ext cx="3489945" cy="3814281"/>
+        </a:xfrm>
+        <a:prstGeom prst="rect">
+          <a:avLst/>
+        </a:prstGeom>
+        <a:solidFill>
+          <a:schemeClr val="accent4">
+            <a:hueOff val="0"/>
+            <a:satOff val="0"/>
+            <a:lumOff val="0"/>
+            <a:alphaOff val="0"/>
+          </a:schemeClr>
+        </a:solidFill>
+        <a:ln w="22225" cap="rnd" cmpd="sng" algn="ctr">
+          <a:solidFill>
+            <a:schemeClr val="accent4">
+              <a:hueOff val="0"/>
+              <a:satOff val="0"/>
+              <a:lumOff val="0"/>
+              <a:alphaOff val="0"/>
+            </a:schemeClr>
+          </a:solidFill>
+          <a:prstDash val="solid"/>
+        </a:ln>
+        <a:effectLst/>
+      </dsp:spPr>
+      <dsp:style>
+        <a:lnRef idx="2">
+          <a:scrgbClr r="0" g="0" b="0"/>
+        </a:lnRef>
+        <a:fillRef idx="1">
+          <a:scrgbClr r="0" g="0" b="0"/>
+        </a:fillRef>
+        <a:effectRef idx="0">
+          <a:scrgbClr r="0" g="0" b="0"/>
+        </a:effectRef>
+        <a:fontRef idx="minor">
+          <a:schemeClr val="lt1"/>
+        </a:fontRef>
+      </dsp:style>
+      <dsp:txBody>
+        <a:bodyPr spcFirstLastPara="0" vert="horz" wrap="square" lIns="344729" tIns="0" rIns="344729" bIns="330200" numCol="1" spcCol="1270" anchor="t" anchorCtr="0">
+          <a:noAutofit/>
+        </a:bodyPr>
+        <a:lstStyle/>
+        <a:p>
+          <a:pPr marL="0" lvl="0" indent="0" algn="l" defTabSz="933450">
+            <a:lnSpc>
+              <a:spcPct val="90000"/>
+            </a:lnSpc>
+            <a:spcBef>
+              <a:spcPct val="0"/>
+            </a:spcBef>
+            <a:spcAft>
+              <a:spcPct val="35000"/>
+            </a:spcAft>
+            <a:buNone/>
+          </a:pPr>
+          <a:r>
+            <a:rPr lang="en-US" sz="2100" kern="1200"/>
+            <a:t>There’s enormous potential for use of an alternative fuel station dashboard with a diverse number of applications.</a:t>
+          </a:r>
+        </a:p>
+      </dsp:txBody>
+      <dsp:txXfrm>
+        <a:off x="7539143" y="1525712"/>
+        <a:ext cx="3489945" cy="2288568"/>
+      </dsp:txXfrm>
+    </dsp:sp>
+    <dsp:sp modelId="{024AAE0E-0DEE-914F-AA09-B22F9855910F}">
+      <dsp:nvSpPr>
+        <dsp:cNvPr id="0" name=""/>
+        <dsp:cNvSpPr/>
+      </dsp:nvSpPr>
+      <dsp:spPr>
+        <a:xfrm>
+          <a:off x="7539143" y="0"/>
+          <a:ext cx="3489945" cy="1525712"/>
+        </a:xfrm>
+        <a:prstGeom prst="rect">
+          <a:avLst/>
+        </a:prstGeom>
+        <a:noFill/>
+        <a:ln w="22225" cap="rnd" cmpd="sng" algn="ctr">
+          <a:noFill/>
+          <a:prstDash val="solid"/>
+        </a:ln>
+        <a:effectLst/>
+        <a:sp3d/>
+      </dsp:spPr>
+      <dsp:style>
+        <a:lnRef idx="2">
+          <a:scrgbClr r="0" g="0" b="0"/>
+        </a:lnRef>
+        <a:fillRef idx="1">
+          <a:scrgbClr r="0" g="0" b="0"/>
+        </a:fillRef>
+        <a:effectRef idx="0">
+          <a:scrgbClr r="0" g="0" b="0"/>
+        </a:effectRef>
+        <a:fontRef idx="minor">
+          <a:schemeClr val="lt1"/>
+        </a:fontRef>
+      </dsp:style>
+      <dsp:txBody>
+        <a:bodyPr spcFirstLastPara="0" vert="horz" wrap="square" lIns="344729" tIns="165100" rIns="344729" bIns="165100" numCol="1" spcCol="1270" anchor="ctr" anchorCtr="0">
+          <a:noAutofit/>
+        </a:bodyPr>
+        <a:lstStyle/>
+        <a:p>
+          <a:pPr marL="0" lvl="0" indent="0" algn="l" defTabSz="2933700">
+            <a:lnSpc>
+              <a:spcPct val="90000"/>
+            </a:lnSpc>
+            <a:spcBef>
+              <a:spcPct val="0"/>
+            </a:spcBef>
+            <a:spcAft>
+              <a:spcPct val="35000"/>
+            </a:spcAft>
+            <a:buNone/>
+          </a:pPr>
+          <a:r>
+            <a:rPr lang="en-US" sz="6600" kern="1200"/>
+            <a:t>03</a:t>
+          </a:r>
+        </a:p>
+      </dsp:txBody>
+      <dsp:txXfrm>
+        <a:off x="7539143" y="0"/>
+        <a:ext cx="3489945" cy="1525712"/>
+      </dsp:txXfrm>
+    </dsp:sp>
+  </dsp:spTree>
+</dsp:drawing>
+</file>
+
+<file path=ppt/diagrams/layout1.xml><?xml version="1.0" encoding="utf-8"?>
+<dgm:layoutDef xmlns:dgm="http://schemas.openxmlformats.org/drawingml/2006/diagram" xmlns:a="http://schemas.openxmlformats.org/drawingml/2006/main" uniqueId="urn:microsoft.com/office/officeart/2016/7/layout/LinearBlockProcessNumbered">
+  <dgm:title val="Linear Block Process Numbered"/>
+  <dgm:desc val="Used to show a progression; a timeline; sequential steps in a task, process, or workflow; or to emphasize movement or direction. Automatic numbers have been introduced to show the steps of the process. Level 1 text and Level 2 text both appears in a rectangle."/>
+  <dgm:catLst>
+    <dgm:cat type="process" pri="500"/>
+  </dgm:catLst>
+  <dgm:sampData>
+    <dgm:dataModel>
+      <dgm:ptLst>
+        <dgm:pt modelId="0" type="doc"/>
+        <dgm:pt modelId="1">
+          <dgm:prSet phldr="1"/>
+        </dgm:pt>
+        <dgm:pt modelId="11">
+          <dgm:prSet phldr="1"/>
+        </dgm:pt>
+        <dgm:pt modelId="2">
+          <dgm:prSet phldr="1"/>
+        </dgm:pt>
+        <dgm:pt modelId="21">
+          <dgm:prSet phldr="1"/>
+        </dgm:pt>
+        <dgm:pt modelId="3">
+          <dgm:prSet phldr="1"/>
+        </dgm:pt>
+        <dgm:pt modelId="31">
+          <dgm:prSet phldr="1"/>
+        </dgm:pt>
+        <dgm:pt modelId="101" type="sibTrans" cxnId="4">
+          <dgm:prSet phldrT="1"/>
+          <dgm:t>
+            <a:bodyPr/>
+            <a:lstStyle/>
+            <a:p>
+              <a:r>
+                <a:t>01</a:t>
+              </a:r>
+            </a:p>
+          </dgm:t>
+        </dgm:pt>
+        <dgm:pt modelId="201" type="sibTrans" cxnId="5">
+          <dgm:prSet phldrT="2"/>
+          <dgm:t>
+            <a:bodyPr/>
+            <a:lstStyle/>
+            <a:p>
+              <a:r>
+                <a:t>02</a:t>
+              </a:r>
+            </a:p>
+          </dgm:t>
+        </dgm:pt>
+        <dgm:pt modelId="301" type="sibTrans" cxnId="6">
+          <dgm:prSet phldrT="3"/>
+          <dgm:t>
+            <a:bodyPr/>
+            <a:lstStyle/>
+            <a:p>
+              <a:r>
+                <a:t>03</a:t>
+              </a:r>
+            </a:p>
+          </dgm:t>
+        </dgm:pt>
+      </dgm:ptLst>
+      <dgm:cxnLst>
+        <dgm:cxn modelId="4" srcId="0" destId="1" srcOrd="0" destOrd="0" sibTransId="101"/>
+        <dgm:cxn modelId="5" srcId="0" destId="2" srcOrd="1" destOrd="0" sibTransId="201"/>
+        <dgm:cxn modelId="6" srcId="0" destId="3" srcOrd="2" destOrd="0" sibTransId="301"/>
+        <dgm:cxn modelId="13" srcId="1" destId="11" srcOrd="0" destOrd="0"/>
+        <dgm:cxn modelId="23" srcId="2" destId="21" srcOrd="0" destOrd="0"/>
+        <dgm:cxn modelId="33" srcId="3" destId="31" srcOrd="0" destOrd="0"/>
+      </dgm:cxnLst>
+      <dgm:bg/>
+      <dgm:whole/>
+    </dgm:dataModel>
+  </dgm:sampData>
+  <dgm:styleData>
+    <dgm:dataModel>
+      <dgm:ptLst>
+        <dgm:pt modelId="0" type="doc"/>
+        <dgm:pt modelId="1"/>
+        <dgm:pt modelId="11"/>
+        <dgm:pt modelId="2"/>
+        <dgm:pt modelId="21"/>
+      </dgm:ptLst>
+      <dgm:cxnLst>
+        <dgm:cxn modelId="4" srcId="0" destId="1" srcOrd="0" destOrd="0"/>
+        <dgm:cxn modelId="5" srcId="0" destId="2" srcOrd="1" destOrd="0"/>
+        <dgm:cxn modelId="13" srcId="1" destId="11" srcOrd="0" destOrd="0"/>
+        <dgm:cxn modelId="23" srcId="2" destId="21" srcOrd="0" destOrd="0"/>
+      </dgm:cxnLst>
+      <dgm:bg/>
+      <dgm:whole/>
+    </dgm:dataModel>
+  </dgm:styleData>
+  <dgm:clrData>
+    <dgm:dataModel>
+      <dgm:ptLst>
+        <dgm:pt modelId="0" type="doc"/>
+        <dgm:pt modelId="1"/>
+        <dgm:pt modelId="11"/>
+        <dgm:pt modelId="2"/>
+        <dgm:pt modelId="21"/>
+        <dgm:pt modelId="3"/>
+        <dgm:pt modelId="31"/>
+        <dgm:pt modelId="4"/>
+        <dgm:pt modelId="41"/>
+      </dgm:ptLst>
+      <dgm:cxnLst>
+        <dgm:cxn modelId="5" srcId="0" destId="1" srcOrd="0" destOrd="0"/>
+        <dgm:cxn modelId="6" srcId="0" destId="2" srcOrd="1" destOrd="0"/>
+        <dgm:cxn modelId="7" srcId="0" destId="3" srcOrd="2" destOrd="0"/>
+        <dgm:cxn modelId="8" srcId="0" destId="4" srcOrd="3" destOrd="0"/>
+        <dgm:cxn modelId="13" srcId="1" destId="11" srcOrd="0" destOrd="0"/>
+        <dgm:cxn modelId="23" srcId="2" destId="21" srcOrd="0" destOrd="0"/>
+        <dgm:cxn modelId="33" srcId="3" destId="31" srcOrd="0" destOrd="0"/>
+        <dgm:cxn modelId="43" srcId="4" destId="41" srcOrd="0" destOrd="0"/>
+      </dgm:cxnLst>
+      <dgm:bg/>
+      <dgm:whole/>
+    </dgm:dataModel>
+  </dgm:clrData>
+  <dgm:layoutNode name="Name0">
+    <dgm:varLst>
+      <dgm:animLvl val="lvl"/>
+      <dgm:resizeHandles val="exact"/>
+    </dgm:varLst>
+    <dgm:alg type="lin">
+      <dgm:param type="linDir" val="fromL"/>
+      <dgm:param type="nodeVertAlign" val="t"/>
+    </dgm:alg>
+    <dgm:shape xmlns:r="http://schemas.openxmlformats.org/officeDocument/2006/relationships" r:blip="">
+      <dgm:adjLst/>
+    </dgm:shape>
+    <dgm:presOf/>
+    <dgm:constrLst>
+      <dgm:constr type="h" for="ch" forName="compositeNode" refType="h"/>
+      <dgm:constr type="w" for="ch" forName="compositeNode" refType="w"/>
+      <dgm:constr type="w" for="des" forName="simulatedConn" refType="w" refFor="ch" refForName="compositeNode" fact="0.15"/>
+      <dgm:constr type="h" for="des" forName="simulatedConn" refType="w" refFor="des" refForName="simulatedConn"/>
+      <dgm:constr type="h" for="des" forName="vSp1" refType="w" refFor="ch" refForName="compositeNode" fact="0.8"/>
+      <dgm:constr type="h" for="des" forName="vSp2" refType="w" refFor="ch" refForName="compositeNode" fact="0.07"/>
+      <dgm:constr type="w" for="ch" forName="vProcSp" refType="w" refFor="des" refForName="simulatedConn" op="equ"/>
+      <dgm:constr type="h" for="ch" forName="vProcSp" refType="h" refFor="ch" refForName="compositeNode" op="equ"/>
+      <dgm:constr type="w" for="ch" forName="sibTrans" refType="w" refFor="ch" refForName="compositeNode" fact="0.08"/>
+      <dgm:constr type="primFontSz" for="des" forName="sibTransNodeRect" op="equ"/>
+      <dgm:constr type="primFontSz" for="des" forName="nodeRect" op="equ"/>
+    </dgm:constrLst>
+    <dgm:ruleLst/>
+    <dgm:forEach name="Name4" axis="ch" ptType="node">
+      <dgm:layoutNode name="compositeNode">
+        <dgm:varLst>
+          <dgm:bulletEnabled val="1"/>
+        </dgm:varLst>
+        <dgm:alg type="composite"/>
+        <dgm:constrLst>
+          <dgm:constr type="h" refType="w" op="lte" fact="1.2"/>
+          <dgm:constr type="w" for="ch" forName="bgRect" refType="w"/>
+          <dgm:constr type="h" for="ch" forName="bgRect" refType="h"/>
+          <dgm:constr type="t" for="ch" forName="bgRect"/>
+          <dgm:constr type="l" for="ch" forName="bgRect"/>
+          <dgm:constr type="w" for="ch" forName="sibTransNodeRect" refType="w" refFor="ch" refForName="bgRect"/>
+          <dgm:constr type="h" for="ch" forName="sibTransNodeRect" refType="h" refFor="ch" refForName="bgRect" fact="0.4"/>
+          <dgm:constr type="t" for="ch" forName="sibTransNodeRect"/>
+          <dgm:constr type="l" for="ch" forName="sibTransNodeRect"/>
+          <dgm:constr type="r" for="ch" forName="nodeRect" refType="r" refFor="ch" refForName="bgRect"/>
+          <dgm:constr type="h" for="ch" forName="nodeRect" refType="h" refFor="ch" refForName="bgRect" fact="0.6"/>
+          <dgm:constr type="t" for="ch" forName="nodeRect" refType="b" refFor="ch" refForName="sibTransNodeRect"/>
+          <dgm:constr type="l" for="ch" forName="nodeRect" refType="l" refFor="ch" refForName="bgRect"/>
+        </dgm:constrLst>
+        <dgm:ruleLst>
+          <dgm:rule type="w" for="ch" forName="nodeRect" val="NaN" fact="NaN" max="30"/>
+        </dgm:ruleLst>
+        <dgm:layoutNode name="bgRect" styleLbl="alignNode1">
+          <dgm:alg type="sp"/>
+          <dgm:shape xmlns:r="http://schemas.openxmlformats.org/officeDocument/2006/relationships" type="rect" r:blip="">
+            <dgm:adjLst>
+              <dgm:adj idx="1" val="0.05"/>
+            </dgm:adjLst>
+          </dgm:shape>
+          <dgm:presOf axis="self"/>
+          <dgm:constrLst/>
+          <dgm:ruleLst/>
+        </dgm:layoutNode>
+        <dgm:forEach name="Name19" axis="followSib" ptType="sibTrans" hideLastTrans="0" cnt="1">
+          <dgm:layoutNode name="sibTransNodeRect" styleLbl="alignNode1">
+            <dgm:varLst>
+              <dgm:chMax val="0"/>
+              <dgm:bulletEnabled val="1"/>
+            </dgm:varLst>
+            <dgm:presOf axis="self"/>
+            <dgm:alg type="tx">
+              <dgm:param type="parTxLTRAlign" val="l"/>
+              <dgm:param type="parTxRTLAlign" val="l"/>
+            </dgm:alg>
+            <dgm:shape xmlns:r="http://schemas.openxmlformats.org/officeDocument/2006/relationships" type="rect" r:blip="" hideGeom="1">
+              <dgm:adjLst/>
+            </dgm:shape>
+            <dgm:constrLst>
+              <dgm:constr type="primFontSz" val="66"/>
+              <dgm:constr type="tMarg" val="13"/>
+              <dgm:constr type="lMarg" refType="w" fact="0.28"/>
+              <dgm:constr type="rMarg" refType="w" fact="0.28"/>
+              <dgm:constr type="bMarg" val="13"/>
+            </dgm:constrLst>
+            <dgm:ruleLst>
+              <dgm:rule type="primFontSz" val="14" fact="NaN" max="NaN"/>
+              <dgm:rule type="tMarg" val="13" fact="NaN" max="NaN"/>
+            </dgm:ruleLst>
+          </dgm:layoutNode>
+        </dgm:forEach>
+        <dgm:layoutNode name="nodeRect" styleLbl="alignNode1" moveWith="bgRect">
+          <dgm:varLst>
+            <dgm:bulletEnabled val="1"/>
+          </dgm:varLst>
+          <dgm:alg type="tx">
+            <dgm:param type="parTxLTRAlign" val="l"/>
+            <dgm:param type="parTxRTLAlign" val="r"/>
+            <dgm:param type="txAnchorVert" val="t"/>
+            <dgm:param type="stBulletLvl" val="2"/>
+          </dgm:alg>
+          <dgm:shape xmlns:r="http://schemas.openxmlformats.org/officeDocument/2006/relationships" type="rect" r:blip="" hideGeom="1">
+            <dgm:adjLst/>
+          </dgm:shape>
+          <dgm:presOf axis="desOrSelf" ptType="node"/>
+          <dgm:constrLst>
+            <dgm:constr type="primFontSz" val="26"/>
+            <dgm:constr type="tMarg"/>
+            <dgm:constr type="lMarg" refType="w" fact="0.28"/>
+            <dgm:constr type="rMarg" refType="w" fact="0.28"/>
+            <dgm:constr type="bMarg" val="26"/>
+          </dgm:constrLst>
+          <dgm:ruleLst>
+            <dgm:rule type="primFontSz" val="11" fact="NaN" max="NaN"/>
+          </dgm:ruleLst>
+        </dgm:layoutNode>
+      </dgm:layoutNode>
+      <dgm:forEach name="Name14" axis="followSib" ptType="sibTrans" cnt="1">
+        <dgm:layoutNode name="sibTrans">
+          <dgm:alg type="sp"/>
+          <dgm:shape xmlns:r="http://schemas.openxmlformats.org/officeDocument/2006/relationships" r:blip="">
+            <dgm:adjLst/>
+          </dgm:shape>
+          <dgm:presOf/>
+          <dgm:constrLst/>
+          <dgm:ruleLst/>
+        </dgm:layoutNode>
+      </dgm:forEach>
+    </dgm:forEach>
+  </dgm:layoutNode>
+  <dgm:extLst>
+    <a:ext uri="{4F341089-5ED1-44EC-B178-C955D00A3D55}">
+      <dgm1611:autoBuNodeInfoLst xmlns:dgm1611="http://schemas.microsoft.com/office/drawing/2016/11/diagram">
+        <dgm1611:autoBuNodeInfo lvl="1" ptType="sibTrans">
+          <dgm1611:buPr prefix="" leadZeros="1">
+            <a:buAutoNum type="arabicParenBoth"/>
+          </dgm1611:buPr>
+        </dgm1611:autoBuNodeInfo>
+      </dgm1611:autoBuNodeInfoLst>
+    </a:ext>
+  </dgm:extLst>
+</dgm:layoutDef>
+</file>
+
+<file path=ppt/diagrams/quickStyle1.xml><?xml version="1.0" encoding="utf-8"?>
+<dgm:styleDef xmlns:dgm="http://schemas.openxmlformats.org/drawingml/2006/diagram" xmlns:a="http://schemas.openxmlformats.org/drawingml/2006/main" uniqueId="urn:microsoft.com/office/officeart/2005/8/quickstyle/simple1">
+  <dgm:title val=""/>
+  <dgm:desc val=""/>
+  <dgm:catLst>
+    <dgm:cat type="simple" pri="10100"/>
+  </dgm:catLst>
+  <dgm:scene3d>
+    <a:camera prst="orthographicFront"/>
+    <a:lightRig rig="threePt" dir="t"/>
+  </dgm:scene3d>
+  <dgm:styleLbl name="node0">
+    <dgm:scene3d>
+      <a:camera prst="orthographicFront"/>
+      <a:lightRig rig="threePt" dir="t"/>
+    </dgm:scene3d>
+    <dgm:sp3d/>
+    <dgm:txPr/>
+    <dgm:style>
+      <a:lnRef idx="2">
+        <a:scrgbClr r="0" g="0" b="0"/>
+      </a:lnRef>
+      <a:fillRef idx="1">
+        <a:scrgbClr r="0" g="0" b="0"/>
+      </a:fillRef>
+      <a:effectRef idx="0">
+        <a:scrgbClr r="0" g="0" b="0"/>
+      </a:effectRef>
+      <a:fontRef idx="minor">
+        <a:schemeClr val="lt1"/>
+      </a:fontRef>
+    </dgm:style>
+  </dgm:styleLbl>
+  <dgm:styleLbl name="lnNode1">
+    <dgm:scene3d>
+      <a:camera prst="orthographicFront"/>
+      <a:lightRig rig="threePt" dir="t"/>
+    </dgm:scene3d>
+    <dgm:sp3d/>
+    <dgm:txPr/>
+    <dgm:style>
+      <a:lnRef idx="2">
+        <a:scrgbClr r="0" g="0" b="0"/>
+      </a:lnRef>
+      <a:fillRef idx="1">
+        <a:scrgbClr r="0" g="0" b="0"/>
+      </a:fillRef>
+      <a:effectRef idx="0">
+        <a:scrgbClr r="0" g="0" b="0"/>
+      </a:effectRef>
+      <a:fontRef idx="minor">
+        <a:schemeClr val="lt1"/>
+      </a:fontRef>
+    </dgm:style>
+  </dgm:styleLbl>
+  <dgm:styleLbl name="vennNode1">
+    <dgm:scene3d>
+      <a:camera prst="orthographicFront"/>
+      <a:lightRig rig="threePt" dir="t"/>
+    </dgm:scene3d>
+    <dgm:sp3d/>
+    <dgm:txPr/>
+    <dgm:style>
+      <a:lnRef idx="2">
+        <a:scrgbClr r="0" g="0" b="0"/>
+      </a:lnRef>
+      <a:fillRef idx="1">
+        <a:scrgbClr r="0" g="0" b="0"/>
+      </a:fillRef>
+      <a:effectRef idx="0">
+        <a:scrgbClr r="0" g="0" b="0"/>
+      </a:effectRef>
+      <a:fontRef idx="minor">
+        <a:schemeClr val="tx1"/>
+      </a:fontRef>
+    </dgm:style>
+  </dgm:styleLbl>
+  <dgm:styleLbl name="alignNode1">
+    <dgm:scene3d>
+      <a:camera prst="orthographicFront"/>
+      <a:lightRig rig="threePt" dir="t"/>
+    </dgm:scene3d>
+    <dgm:sp3d/>
+    <dgm:txPr/>
+    <dgm:style>
+      <a:lnRef idx="2">
+        <a:scrgbClr r="0" g="0" b="0"/>
+      </a:lnRef>
+      <a:fillRef idx="1">
+        <a:scrgbClr r="0" g="0" b="0"/>
+      </a:fillRef>
+      <a:effectRef idx="0">
+        <a:scrgbClr r="0" g="0" b="0"/>
+      </a:effectRef>
+      <a:fontRef idx="minor">
+        <a:schemeClr val="lt1"/>
+      </a:fontRef>
+    </dgm:style>
+  </dgm:styleLbl>
+  <dgm:styleLbl name="node1">
+    <dgm:scene3d>
+      <a:camera prst="orthographicFront"/>
+      <a:lightRig rig="threePt" dir="t"/>
+    </dgm:scene3d>
+    <dgm:sp3d/>
+    <dgm:txPr/>
+    <dgm:style>
+      <a:lnRef idx="2">
+        <a:scrgbClr r="0" g="0" b="0"/>
+      </a:lnRef>
+      <a:fillRef idx="1">
+        <a:scrgbClr r="0" g="0" b="0"/>
+      </a:fillRef>
+      <a:effectRef idx="0">
+        <a:scrgbClr r="0" g="0" b="0"/>
+      </a:effectRef>
+      <a:fontRef idx="minor">
+        <a:schemeClr val="lt1"/>
+      </a:fontRef>
+    </dgm:style>
+  </dgm:styleLbl>
+  <dgm:styleLbl name="node2">
+    <dgm:scene3d>
+      <a:camera prst="orthographicFront"/>
+      <a:lightRig rig="threePt" dir="t"/>
+    </dgm:scene3d>
+    <dgm:sp3d/>
+    <dgm:txPr/>
+    <dgm:style>
+      <a:lnRef idx="2">
+        <a:scrgbClr r="0" g="0" b="0"/>
+      </a:lnRef>
+      <a:fillRef idx="1">
+        <a:scrgbClr r="0" g="0" b="0"/>
+      </a:fillRef>
+      <a:effectRef idx="0">
+        <a:scrgbClr r="0" g="0" b="0"/>
+      </a:effectRef>
+      <a:fontRef idx="minor">
+        <a:schemeClr val="lt1"/>
+      </a:fontRef>
+    </dgm:style>
+  </dgm:styleLbl>
+  <dgm:styleLbl name="node3">
+    <dgm:scene3d>
+      <a:camera prst="orthographicFront"/>
+      <a:lightRig rig="threePt" dir="t"/>
+    </dgm:scene3d>
+    <dgm:sp3d/>
+    <dgm:txPr/>
+    <dgm:style>
+      <a:lnRef idx="2">
+        <a:scrgbClr r="0" g="0" b="0"/>
+      </a:lnRef>
+      <a:fillRef idx="1">
+        <a:scrgbClr r="0" g="0" b="0"/>
+      </a:fillRef>
+      <a:effectRef idx="0">
+        <a:scrgbClr r="0" g="0" b="0"/>
+      </a:effectRef>
+      <a:fontRef idx="minor">
+        <a:schemeClr val="lt1"/>
+      </a:fontRef>
+    </dgm:style>
+  </dgm:styleLbl>
+  <dgm:styleLbl name="node4">
+    <dgm:scene3d>
+      <a:camera prst="orthographicFront"/>
+      <a:lightRig rig="threePt" dir="t"/>
+    </dgm:scene3d>
+    <dgm:sp3d/>
+    <dgm:txPr/>
+    <dgm:style>
+      <a:lnRef idx="2">
+        <a:scrgbClr r="0" g="0" b="0"/>
+      </a:lnRef>
+      <a:fillRef idx="1">
+        <a:scrgbClr r="0" g="0" b="0"/>
+      </a:fillRef>
+      <a:effectRef idx="0">
+        <a:scrgbClr r="0" g="0" b="0"/>
+      </a:effectRef>
+      <a:fontRef idx="minor">
+        <a:schemeClr val="lt1"/>
+      </a:fontRef>
+    </dgm:style>
+  </dgm:styleLbl>
+  <dgm:styleLbl name="fgImgPlace1">
+    <dgm:scene3d>
+      <a:camera prst="orthographicFront"/>
+      <a:lightRig rig="threePt" dir="t"/>
+    </dgm:scene3d>
+    <dgm:sp3d/>
+    <dgm:txPr/>
+    <dgm:style>
+      <a:lnRef idx="2">
+        <a:scrgbClr r="0" g="0" b="0"/>
+      </a:lnRef>
+      <a:fillRef idx="1">
+        <a:scrgbClr r="0" g="0" b="0"/>
+      </a:fillRef>
+      <a:effectRef idx="0">
+        <a:scrgbClr r="0" g="0" b="0"/>
+      </a:effectRef>
+      <a:fontRef idx="minor"/>
+    </dgm:style>
+  </dgm:styleLbl>
+  <dgm:styleLbl name="alignImgPlace1">
+    <dgm:scene3d>
+      <a:camera prst="orthographicFront"/>
+      <a:lightRig rig="threePt" dir="t"/>
+    </dgm:scene3d>
+    <dgm:sp3d/>
+    <dgm:txPr/>
+    <dgm:style>
+      <a:lnRef idx="2">
+        <a:scrgbClr r="0" g="0" b="0"/>
+      </a:lnRef>
+      <a:fillRef idx="1">
+        <a:scrgbClr r="0" g="0" b="0"/>
+      </a:fillRef>
+      <a:effectRef idx="0">
+        <a:scrgbClr r="0" g="0" b="0"/>
+      </a:effectRef>
+      <a:fontRef idx="minor"/>
+    </dgm:style>
+  </dgm:styleLbl>
+  <dgm:styleLbl name="bgImgPlace1">
+    <dgm:scene3d>
+      <a:camera prst="orthographicFront"/>
+      <a:lightRig rig="threePt" dir="t"/>
+    </dgm:scene3d>
+    <dgm:sp3d/>
+    <dgm:txPr/>
+    <dgm:style>
+      <a:lnRef idx="2">
+        <a:scrgbClr r="0" g="0" b="0"/>
+      </a:lnRef>
+      <a:fillRef idx="1">
+        <a:scrgbClr r="0" g="0" b="0"/>
+      </a:fillRef>
+      <a:effectRef idx="0">
+        <a:scrgbClr r="0" g="0" b="0"/>
+      </a:effectRef>
+      <a:fontRef idx="minor"/>
+    </dgm:style>
+  </dgm:styleLbl>
+  <dgm:styleLbl name="sibTrans2D1">
+    <dgm:scene3d>
+      <a:camera prst="orthographicFront"/>
+      <a:lightRig rig="threePt" dir="t"/>
+    </dgm:scene3d>
+    <dgm:sp3d/>
+    <dgm:txPr/>
+    <dgm:style>
+      <a:lnRef idx="0">
+        <a:scrgbClr r="0" g="0" b="0"/>
+      </a:lnRef>
+      <a:fillRef idx="1">
+        <a:scrgbClr r="0" g="0" b="0"/>
+      </a:fillRef>
+      <a:effectRef idx="0">
+        <a:scrgbClr r="0" g="0" b="0"/>
+      </a:effectRef>
+      <a:fontRef idx="minor">
+        <a:schemeClr val="lt1"/>
+      </a:fontRef>
+    </dgm:style>
+  </dgm:styleLbl>
+  <dgm:styleLbl name="fgSibTrans2D1">
+    <dgm:scene3d>
+      <a:camera prst="orthographicFront"/>
+      <a:lightRig rig="threePt" dir="t"/>
+    </dgm:scene3d>
+    <dgm:sp3d/>
+    <dgm:txPr/>
+    <dgm:style>
+      <a:lnRef idx="0">
+        <a:scrgbClr r="0" g="0" b="0"/>
+      </a:lnRef>
+      <a:fillRef idx="1">
+        <a:scrgbClr r="0" g="0" b="0"/>
+      </a:fillRef>
+      <a:effectRef idx="0">
+        <a:scrgbClr r="0" g="0" b="0"/>
+      </a:effectRef>
+      <a:fontRef idx="minor">
+        <a:schemeClr val="lt1"/>
+      </a:fontRef>
+    </dgm:style>
+  </dgm:styleLbl>
+  <dgm:styleLbl name="bgSibTrans2D1">
+    <dgm:scene3d>
+      <a:camera prst="orthographicFront"/>
+      <a:lightRig rig="threePt" dir="t"/>
+    </dgm:scene3d>
+    <dgm:sp3d/>
+    <dgm:txPr/>
+    <dgm:style>
+      <a:lnRef idx="0">
+        <a:scrgbClr r="0" g="0" b="0"/>
+      </a:lnRef>
+      <a:fillRef idx="1">
+        <a:scrgbClr r="0" g="0" b="0"/>
+      </a:fillRef>
+      <a:effectRef idx="0">
+        <a:scrgbClr r="0" g="0" b="0"/>
+      </a:effectRef>
+      <a:fontRef idx="minor">
+        <a:schemeClr val="lt1"/>
+      </a:fontRef>
+    </dgm:style>
+  </dgm:styleLbl>
+  <dgm:styleLbl name="sibTrans1D1">
+    <dgm:scene3d>
+      <a:camera prst="orthographicFront"/>
+      <a:lightRig rig="threePt" dir="t"/>
+    </dgm:scene3d>
+    <dgm:sp3d/>
+    <dgm:txPr/>
+    <dgm:style>
+      <a:lnRef idx="1">
+        <a:scrgbClr r="0" g="0" b="0"/>
+      </a:lnRef>
+      <a:fillRef idx="0">
+        <a:scrgbClr r="0" g="0" b="0"/>
+      </a:fillRef>
+      <a:effectRef idx="0">
+        <a:scrgbClr r="0" g="0" b="0"/>
+      </a:effectRef>
+      <a:fontRef idx="minor"/>
+    </dgm:style>
+  </dgm:styleLbl>
+  <dgm:styleLbl name="callout">
+    <dgm:scene3d>
+      <a:camera prst="orthographicFront"/>
+      <a:lightRig rig="threePt" dir="t"/>
+    </dgm:scene3d>
+    <dgm:sp3d/>
+    <dgm:txPr/>
+    <dgm:style>
+      <a:lnRef idx="2">
+        <a:scrgbClr r="0" g="0" b="0"/>
+      </a:lnRef>
+      <a:fillRef idx="1">
+        <a:scrgbClr r="0" g="0" b="0"/>
+      </a:fillRef>
+      <a:effectRef idx="0">
+        <a:scrgbClr r="0" g="0" b="0"/>
+      </a:effectRef>
+      <a:fontRef idx="minor"/>
+    </dgm:style>
+  </dgm:styleLbl>
+  <dgm:styleLbl name="asst0">
+    <dgm:scene3d>
+      <a:camera prst="orthographicFront"/>
+      <a:lightRig rig="threePt" dir="t"/>
+    </dgm:scene3d>
+    <dgm:sp3d/>
+    <dgm:txPr/>
+    <dgm:style>
+      <a:lnRef idx="2">
+        <a:scrgbClr r="0" g="0" b="0"/>
+      </a:lnRef>
+      <a:fillRef idx="1">
+        <a:scrgbClr r="0" g="0" b="0"/>
+      </a:fillRef>
+      <a:effectRef idx="0">
+        <a:scrgbClr r="0" g="0" b="0"/>
+      </a:effectRef>
+      <a:fontRef idx="minor">
+        <a:schemeClr val="lt1"/>
+      </a:fontRef>
+    </dgm:style>
+  </dgm:styleLbl>
+  <dgm:styleLbl name="asst1">
+    <dgm:scene3d>
+      <a:camera prst="orthographicFront"/>
+      <a:lightRig rig="threePt" dir="t"/>
+    </dgm:scene3d>
+    <dgm:sp3d/>
+    <dgm:txPr/>
+    <dgm:style>
+      <a:lnRef idx="2">
+        <a:scrgbClr r="0" g="0" b="0"/>
+      </a:lnRef>
+      <a:fillRef idx="1">
+        <a:scrgbClr r="0" g="0" b="0"/>
+      </a:fillRef>
+      <a:effectRef idx="0">
+        <a:scrgbClr r="0" g="0" b="0"/>
+      </a:effectRef>
+      <a:fontRef idx="minor">
+        <a:schemeClr val="lt1"/>
+      </a:fontRef>
+    </dgm:style>
+  </dgm:styleLbl>
+  <dgm:styleLbl name="asst2">
+    <dgm:scene3d>
+      <a:camera prst="orthographicFront"/>
+      <a:lightRig rig="threePt" dir="t"/>
+    </dgm:scene3d>
+    <dgm:sp3d/>
+    <dgm:txPr/>
+    <dgm:style>
+      <a:lnRef idx="2">
+        <a:scrgbClr r="0" g="0" b="0"/>
+      </a:lnRef>
+      <a:fillRef idx="1">
+        <a:scrgbClr r="0" g="0" b="0"/>
+      </a:fillRef>
+      <a:effectRef idx="0">
+        <a:scrgbClr r="0" g="0" b="0"/>
+      </a:effectRef>
+      <a:fontRef idx="minor">
+        <a:schemeClr val="lt1"/>
+      </a:fontRef>
+    </dgm:style>
+  </dgm:styleLbl>
+  <dgm:styleLbl name="asst3">
+    <dgm:scene3d>
+      <a:camera prst="orthographicFront"/>
+      <a:lightRig rig="threePt" dir="t"/>
+    </dgm:scene3d>
+    <dgm:sp3d/>
+    <dgm:txPr/>
+    <dgm:style>
+      <a:lnRef idx="2">
+        <a:scrgbClr r="0" g="0" b="0"/>
+      </a:lnRef>
+      <a:fillRef idx="1">
+        <a:scrgbClr r="0" g="0" b="0"/>
+      </a:fillRef>
+      <a:effectRef idx="0">
+        <a:scrgbClr r="0" g="0" b="0"/>
+      </a:effectRef>
+      <a:fontRef idx="minor">
+        <a:schemeClr val="lt1"/>
+      </a:fontRef>
+    </dgm:style>
+  </dgm:styleLbl>
+  <dgm:styleLbl name="asst4">
+    <dgm:scene3d>
+      <a:camera prst="orthographicFront"/>
+      <a:lightRig rig="threePt" dir="t"/>
+    </dgm:scene3d>
+    <dgm:sp3d/>
+    <dgm:txPr/>
+    <dgm:style>
+      <a:lnRef idx="2">
+        <a:scrgbClr r="0" g="0" b="0"/>
+      </a:lnRef>
+      <a:fillRef idx="1">
+        <a:scrgbClr r="0" g="0" b="0"/>
+      </a:fillRef>
+      <a:effectRef idx="0">
+        <a:scrgbClr r="0" g="0" b="0"/>
+      </a:effectRef>
+      <a:fontRef idx="minor">
+        <a:schemeClr val="lt1"/>
+      </a:fontRef>
+    </dgm:style>
+  </dgm:styleLbl>
+  <dgm:styleLbl name="parChTrans2D1">
+    <dgm:scene3d>
+      <a:camera prst="orthographicFront"/>
+      <a:lightRig rig="threePt" dir="t"/>
+    </dgm:scene3d>
+    <dgm:sp3d/>
+    <dgm:txPr/>
+    <dgm:style>
+      <a:lnRef idx="2">
+        <a:scrgbClr r="0" g="0" b="0"/>
+      </a:lnRef>
+      <a:fillRef idx="1">
+        <a:scrgbClr r="0" g="0" b="0"/>
+      </a:fillRef>
+      <a:effectRef idx="0">
+        <a:scrgbClr r="0" g="0" b="0"/>
+      </a:effectRef>
+      <a:fontRef idx="minor">
+        <a:schemeClr val="lt1"/>
+      </a:fontRef>
+    </dgm:style>
+  </dgm:styleLbl>
+  <dgm:styleLbl name="parChTrans2D2">
+    <dgm:scene3d>
+      <a:camera prst="orthographicFront"/>
+      <a:lightRig rig="threePt" dir="t"/>
+    </dgm:scene3d>
+    <dgm:sp3d/>
+    <dgm:txPr/>
+    <dgm:style>
+      <a:lnRef idx="2">
+        <a:scrgbClr r="0" g="0" b="0"/>
+      </a:lnRef>
+      <a:fillRef idx="1">
+        <a:scrgbClr r="0" g="0" b="0"/>
+      </a:fillRef>
+      <a:effectRef idx="0">
+        <a:scrgbClr r="0" g="0" b="0"/>
+      </a:effectRef>
+      <a:fontRef idx="minor">
+        <a:schemeClr val="lt1"/>
+      </a:fontRef>
+    </dgm:style>
+  </dgm:styleLbl>
+  <dgm:styleLbl name="parChTrans2D3">
+    <dgm:scene3d>
+      <a:camera prst="orthographicFront"/>
+      <a:lightRig rig="threePt" dir="t"/>
+    </dgm:scene3d>
+    <dgm:sp3d/>
+    <dgm:txPr/>
+    <dgm:style>
+      <a:lnRef idx="2">
+        <a:scrgbClr r="0" g="0" b="0"/>
+      </a:lnRef>
+      <a:fillRef idx="1">
+        <a:scrgbClr r="0" g="0" b="0"/>
+      </a:fillRef>
+      <a:effectRef idx="0">
+        <a:scrgbClr r="0" g="0" b="0"/>
+      </a:effectRef>
+      <a:fontRef idx="minor">
+        <a:schemeClr val="lt1"/>
+      </a:fontRef>
+    </dgm:style>
+  </dgm:styleLbl>
+  <dgm:styleLbl name="parChTrans2D4">
+    <dgm:scene3d>
+      <a:camera prst="orthographicFront"/>
+      <a:lightRig rig="threePt" dir="t"/>
+    </dgm:scene3d>
+    <dgm:sp3d/>
+    <dgm:txPr/>
+    <dgm:style>
+      <a:lnRef idx="2">
+        <a:scrgbClr r="0" g="0" b="0"/>
+      </a:lnRef>
+      <a:fillRef idx="1">
+        <a:scrgbClr r="0" g="0" b="0"/>
+      </a:fillRef>
+      <a:effectRef idx="0">
+        <a:scrgbClr r="0" g="0" b="0"/>
+      </a:effectRef>
+      <a:fontRef idx="minor">
+        <a:schemeClr val="lt1"/>
+      </a:fontRef>
+    </dgm:style>
+  </dgm:styleLbl>
+  <dgm:styleLbl name="parChTrans1D1">
+    <dgm:scene3d>
+      <a:camera prst="orthographicFront"/>
+      <a:lightRig rig="threePt" dir="t"/>
+    </dgm:scene3d>
+    <dgm:sp3d/>
+    <dgm:txPr/>
+    <dgm:style>
+      <a:lnRef idx="2">
+        <a:scrgbClr r="0" g="0" b="0"/>
+      </a:lnRef>
+      <a:fillRef idx="0">
+        <a:scrgbClr r="0" g="0" b="0"/>
+      </a:fillRef>
+      <a:effectRef idx="0">
+        <a:scrgbClr r="0" g="0" b="0"/>
+      </a:effectRef>
+      <a:fontRef idx="minor"/>
+    </dgm:style>
+  </dgm:styleLbl>
+  <dgm:styleLbl name="parChTrans1D2">
+    <dgm:scene3d>
+      <a:camera prst="orthographicFront"/>
+      <a:lightRig rig="threePt" dir="t"/>
+    </dgm:scene3d>
+    <dgm:sp3d/>
+    <dgm:txPr/>
+    <dgm:style>
+      <a:lnRef idx="2">
+        <a:scrgbClr r="0" g="0" b="0"/>
+      </a:lnRef>
+      <a:fillRef idx="0">
+        <a:scrgbClr r="0" g="0" b="0"/>
+      </a:fillRef>
+      <a:effectRef idx="0">
+        <a:scrgbClr r="0" g="0" b="0"/>
+      </a:effectRef>
+      <a:fontRef idx="minor"/>
+    </dgm:style>
+  </dgm:styleLbl>
+  <dgm:styleLbl name="parChTrans1D3">
+    <dgm:scene3d>
+      <a:camera prst="orthographicFront"/>
+      <a:lightRig rig="threePt" dir="t"/>
+    </dgm:scene3d>
+    <dgm:sp3d/>
+    <dgm:txPr/>
+    <dgm:style>
+      <a:lnRef idx="2">
+        <a:scrgbClr r="0" g="0" b="0"/>
+      </a:lnRef>
+      <a:fillRef idx="0">
+        <a:scrgbClr r="0" g="0" b="0"/>
+      </a:fillRef>
+      <a:effectRef idx="0">
+        <a:scrgbClr r="0" g="0" b="0"/>
+      </a:effectRef>
+      <a:fontRef idx="minor"/>
+    </dgm:style>
+  </dgm:styleLbl>
+  <dgm:styleLbl name="parChTrans1D4">
+    <dgm:scene3d>
+      <a:camera prst="orthographicFront"/>
+      <a:lightRig rig="threePt" dir="t"/>
+    </dgm:scene3d>
+    <dgm:sp3d/>
+    <dgm:txPr/>
+    <dgm:style>
+      <a:lnRef idx="2">
+        <a:scrgbClr r="0" g="0" b="0"/>
+      </a:lnRef>
+      <a:fillRef idx="0">
+        <a:scrgbClr r="0" g="0" b="0"/>
+      </a:fillRef>
+      <a:effectRef idx="0">
+        <a:scrgbClr r="0" g="0" b="0"/>
+      </a:effectRef>
+      <a:fontRef idx="minor"/>
+    </dgm:style>
+  </dgm:styleLbl>
+  <dgm:styleLbl name="fgAcc1">
+    <dgm:scene3d>
+      <a:camera prst="orthographicFront"/>
+      <a:lightRig rig="threePt" dir="t"/>
+    </dgm:scene3d>
+    <dgm:sp3d/>
+    <dgm:txPr/>
+    <dgm:style>
+      <a:lnRef idx="2">
+        <a:scrgbClr r="0" g="0" b="0"/>
+      </a:lnRef>
+      <a:fillRef idx="1">
+        <a:scrgbClr r="0" g="0" b="0"/>
+      </a:fillRef>
+      <a:effectRef idx="0">
+        <a:scrgbClr r="0" g="0" b="0"/>
+      </a:effectRef>
+      <a:fontRef idx="minor"/>
+    </dgm:style>
+  </dgm:styleLbl>
+  <dgm:styleLbl name="conFgAcc1">
+    <dgm:scene3d>
+      <a:camera prst="orthographicFront"/>
+      <a:lightRig rig="threePt" dir="t"/>
+    </dgm:scene3d>
+    <dgm:sp3d/>
+    <dgm:txPr/>
+    <dgm:style>
+      <a:lnRef idx="2">
+        <a:scrgbClr r="0" g="0" b="0"/>
+      </a:lnRef>
+      <a:fillRef idx="1">
+        <a:scrgbClr r="0" g="0" b="0"/>
+      </a:fillRef>
+      <a:effectRef idx="0">
+        <a:scrgbClr r="0" g="0" b="0"/>
+      </a:effectRef>
+      <a:fontRef idx="minor"/>
+    </dgm:style>
+  </dgm:styleLbl>
+  <dgm:styleLbl name="alignAcc1">
+    <dgm:scene3d>
+      <a:camera prst="orthographicFront"/>
+      <a:lightRig rig="threePt" dir="t"/>
+    </dgm:scene3d>
+    <dgm:sp3d/>
+    <dgm:txPr/>
+    <dgm:style>
+      <a:lnRef idx="2">
+        <a:scrgbClr r="0" g="0" b="0"/>
+      </a:lnRef>
+      <a:fillRef idx="1">
+        <a:scrgbClr r="0" g="0" b="0"/>
+      </a:fillRef>
+      <a:effectRef idx="0">
+        <a:scrgbClr r="0" g="0" b="0"/>
+      </a:effectRef>
+      <a:fontRef idx="minor"/>
+    </dgm:style>
+  </dgm:styleLbl>
+  <dgm:styleLbl name="trAlignAcc1">
+    <dgm:scene3d>
+      <a:camera prst="orthographicFront"/>
+      <a:lightRig rig="threePt" dir="t"/>
+    </dgm:scene3d>
+    <dgm:sp3d/>
+    <dgm:txPr/>
+    <dgm:style>
+      <a:lnRef idx="1">
+        <a:scrgbClr r="0" g="0" b="0"/>
+      </a:lnRef>
+      <a:fillRef idx="1">
+        <a:scrgbClr r="0" g="0" b="0"/>
+      </a:fillRef>
+      <a:effectRef idx="0">
+        <a:scrgbClr r="0" g="0" b="0"/>
+      </a:effectRef>
+      <a:fontRef idx="minor"/>
+    </dgm:style>
+  </dgm:styleLbl>
+  <dgm:styleLbl name="bgAcc1">
+    <dgm:scene3d>
+      <a:camera prst="orthographicFront"/>
+      <a:lightRig rig="threePt" dir="t"/>
+    </dgm:scene3d>
+    <dgm:sp3d/>
+    <dgm:txPr/>
+    <dgm:style>
+      <a:lnRef idx="2">
+        <a:scrgbClr r="0" g="0" b="0"/>
+      </a:lnRef>
+      <a:fillRef idx="1">
+        <a:scrgbClr r="0" g="0" b="0"/>
+      </a:fillRef>
+      <a:effectRef idx="0">
+        <a:scrgbClr r="0" g="0" b="0"/>
+      </a:effectRef>
+      <a:fontRef idx="minor"/>
+    </dgm:style>
+  </dgm:styleLbl>
+  <dgm:styleLbl name="solidFgAcc1">
+    <dgm:scene3d>
+      <a:camera prst="orthographicFront"/>
+      <a:lightRig rig="threePt" dir="t"/>
+    </dgm:scene3d>
+    <dgm:sp3d/>
+    <dgm:txPr/>
+    <dgm:style>
+      <a:lnRef idx="2">
+        <a:scrgbClr r="0" g="0" b="0"/>
+      </a:lnRef>
+      <a:fillRef idx="1">
+        <a:scrgbClr r="0" g="0" b="0"/>
+      </a:fillRef>
+      <a:effectRef idx="0">
+        <a:scrgbClr r="0" g="0" b="0"/>
+      </a:effectRef>
+      <a:fontRef idx="minor"/>
+    </dgm:style>
+  </dgm:styleLbl>
+  <dgm:styleLbl name="solidAlignAcc1">
+    <dgm:scene3d>
+      <a:camera prst="orthographicFront"/>
+      <a:lightRig rig="threePt" dir="t"/>
+    </dgm:scene3d>
+    <dgm:sp3d/>
+    <dgm:txPr/>
+    <dgm:style>
+      <a:lnRef idx="2">
+        <a:scrgbClr r="0" g="0" b="0"/>
+      </a:lnRef>
+      <a:fillRef idx="1">
+        <a:scrgbClr r="0" g="0" b="0"/>
+      </a:fillRef>
+      <a:effectRef idx="0">
+        <a:scrgbClr r="0" g="0" b="0"/>
+      </a:effectRef>
+      <a:fontRef idx="minor"/>
+    </dgm:style>
+  </dgm:styleLbl>
+  <dgm:styleLbl name="solidBgAcc1">
+    <dgm:scene3d>
+      <a:camera prst="orthographicFront"/>
+      <a:lightRig rig="threePt" dir="t"/>
+    </dgm:scene3d>
+    <dgm:sp3d/>
+    <dgm:txPr/>
+    <dgm:style>
+      <a:lnRef idx="2">
+        <a:scrgbClr r="0" g="0" b="0"/>
+      </a:lnRef>
+      <a:fillRef idx="1">
+        <a:scrgbClr r="0" g="0" b="0"/>
+      </a:fillRef>
+      <a:effectRef idx="0">
+        <a:scrgbClr r="0" g="0" b="0"/>
+      </a:effectRef>
+      <a:fontRef idx="minor"/>
+    </dgm:style>
+  </dgm:styleLbl>
+  <dgm:styleLbl name="fgAccFollowNode1">
+    <dgm:scene3d>
+      <a:camera prst="orthographicFront"/>
+      <a:lightRig rig="threePt" dir="t"/>
+    </dgm:scene3d>
+    <dgm:sp3d/>
+    <dgm:txPr/>
+    <dgm:style>
+      <a:lnRef idx="2">
+        <a:scrgbClr r="0" g="0" b="0"/>
+      </a:lnRef>
+      <a:fillRef idx="1">
+        <a:scrgbClr r="0" g="0" b="0"/>
+      </a:fillRef>
+      <a:effectRef idx="0">
+        <a:scrgbClr r="0" g="0" b="0"/>
+      </a:effectRef>
+      <a:fontRef idx="minor"/>
+    </dgm:style>
+  </dgm:styleLbl>
+  <dgm:styleLbl name="alignAccFollowNode1">
+    <dgm:scene3d>
+      <a:camera prst="orthographicFront"/>
+      <a:lightRig rig="threePt" dir="t"/>
+    </dgm:scene3d>
+    <dgm:sp3d/>
+    <dgm:txPr/>
+    <dgm:style>
+      <a:lnRef idx="2">
+        <a:scrgbClr r="0" g="0" b="0"/>
+      </a:lnRef>
+      <a:fillRef idx="1">
+        <a:scrgbClr r="0" g="0" b="0"/>
+      </a:fillRef>
+      <a:effectRef idx="0">
+        <a:scrgbClr r="0" g="0" b="0"/>
+      </a:effectRef>
+      <a:fontRef idx="minor"/>
+    </dgm:style>
+  </dgm:styleLbl>
+  <dgm:styleLbl name="bgAccFollowNode1">
+    <dgm:scene3d>
+      <a:camera prst="orthographicFront"/>
+      <a:lightRig rig="threePt" dir="t"/>
+    </dgm:scene3d>
+    <dgm:sp3d/>
+    <dgm:txPr/>
+    <dgm:style>
+      <a:lnRef idx="2">
+        <a:scrgbClr r="0" g="0" b="0"/>
+      </a:lnRef>
+      <a:fillRef idx="1">
+        <a:scrgbClr r="0" g="0" b="0"/>
+      </a:fillRef>
+      <a:effectRef idx="0">
+        <a:scrgbClr r="0" g="0" b="0"/>
+      </a:effectRef>
+      <a:fontRef idx="minor"/>
+    </dgm:style>
+  </dgm:styleLbl>
+  <dgm:styleLbl name="fgAcc0">
+    <dgm:scene3d>
+      <a:camera prst="orthographicFront"/>
+      <a:lightRig rig="threePt" dir="t"/>
+    </dgm:scene3d>
+    <dgm:sp3d/>
+    <dgm:txPr/>
+    <dgm:style>
+      <a:lnRef idx="2">
+        <a:scrgbClr r="0" g="0" b="0"/>
+      </a:lnRef>
+      <a:fillRef idx="1">
+        <a:scrgbClr r="0" g="0" b="0"/>
+      </a:fillRef>
+      <a:effectRef idx="0">
+        <a:scrgbClr r="0" g="0" b="0"/>
+      </a:effectRef>
+      <a:fontRef idx="minor"/>
+    </dgm:style>
+  </dgm:styleLbl>
+  <dgm:styleLbl name="fgAcc2">
+    <dgm:scene3d>
+      <a:camera prst="orthographicFront"/>
+      <a:lightRig rig="threePt" dir="t"/>
+    </dgm:scene3d>
+    <dgm:sp3d/>
+    <dgm:txPr/>
+    <dgm:style>
+      <a:lnRef idx="2">
+        <a:scrgbClr r="0" g="0" b="0"/>
+      </a:lnRef>
+      <a:fillRef idx="1">
+        <a:scrgbClr r="0" g="0" b="0"/>
+      </a:fillRef>
+      <a:effectRef idx="0">
+        <a:scrgbClr r="0" g="0" b="0"/>
+      </a:effectRef>
+      <a:fontRef idx="minor"/>
+    </dgm:style>
+  </dgm:styleLbl>
+  <dgm:styleLbl name="fgAcc3">
+    <dgm:scene3d>
+      <a:camera prst="orthographicFront"/>
+      <a:lightRig rig="threePt" dir="t"/>
+    </dgm:scene3d>
+    <dgm:sp3d/>
+    <dgm:txPr/>
+    <dgm:style>
+      <a:lnRef idx="2">
+        <a:scrgbClr r="0" g="0" b="0"/>
+      </a:lnRef>
+      <a:fillRef idx="1">
+        <a:scrgbClr r="0" g="0" b="0"/>
+      </a:fillRef>
+      <a:effectRef idx="0">
+        <a:scrgbClr r="0" g="0" b="0"/>
+      </a:effectRef>
+      <a:fontRef idx="minor"/>
+    </dgm:style>
+  </dgm:styleLbl>
+  <dgm:styleLbl name="fgAcc4">
+    <dgm:scene3d>
+      <a:camera prst="orthographicFront"/>
+      <a:lightRig rig="threePt" dir="t"/>
+    </dgm:scene3d>
+    <dgm:sp3d/>
+    <dgm:txPr/>
+    <dgm:style>
+      <a:lnRef idx="2">
+        <a:scrgbClr r="0" g="0" b="0"/>
+      </a:lnRef>
+      <a:fillRef idx="1">
+        <a:scrgbClr r="0" g="0" b="0"/>
+      </a:fillRef>
+      <a:effectRef idx="0">
+        <a:scrgbClr r="0" g="0" b="0"/>
+      </a:effectRef>
+      <a:fontRef idx="minor"/>
+    </dgm:style>
+  </dgm:styleLbl>
+  <dgm:styleLbl name="bgShp">
+    <dgm:scene3d>
+      <a:camera prst="orthographicFront"/>
+      <a:lightRig rig="threePt" dir="t"/>
+    </dgm:scene3d>
+    <dgm:sp3d/>
+    <dgm:txPr/>
+    <dgm:style>
+      <a:lnRef idx="0">
+        <a:scrgbClr r="0" g="0" b="0"/>
+      </a:lnRef>
+      <a:fillRef idx="1">
+        <a:scrgbClr r="0" g="0" b="0"/>
+      </a:fillRef>
+      <a:effectRef idx="0">
+        <a:scrgbClr r="0" g="0" b="0"/>
+      </a:effectRef>
+      <a:fontRef idx="minor"/>
+    </dgm:style>
+  </dgm:styleLbl>
+  <dgm:styleLbl name="dkBgShp">
+    <dgm:scene3d>
+      <a:camera prst="orthographicFront"/>
+      <a:lightRig rig="threePt" dir="t"/>
+    </dgm:scene3d>
+    <dgm:sp3d/>
+    <dgm:txPr/>
+    <dgm:style>
+      <a:lnRef idx="0">
+        <a:scrgbClr r="0" g="0" b="0"/>
+      </a:lnRef>
+      <a:fillRef idx="1">
+        <a:scrgbClr r="0" g="0" b="0"/>
+      </a:fillRef>
+      <a:effectRef idx="0">
+        <a:scrgbClr r="0" g="0" b="0"/>
+      </a:effectRef>
+      <a:fontRef idx="minor"/>
+    </dgm:style>
+  </dgm:styleLbl>
+  <dgm:styleLbl name="trBgShp">
+    <dgm:scene3d>
+      <a:camera prst="orthographicFront"/>
+      <a:lightRig rig="threePt" dir="t"/>
+    </dgm:scene3d>
+    <dgm:sp3d/>
+    <dgm:txPr/>
+    <dgm:style>
+      <a:lnRef idx="0">
+        <a:scrgbClr r="0" g="0" b="0"/>
+      </a:lnRef>
+      <a:fillRef idx="1">
+        <a:scrgbClr r="0" g="0" b="0"/>
+      </a:fillRef>
+      <a:effectRef idx="0">
+        <a:scrgbClr r="0" g="0" b="0"/>
+      </a:effectRef>
+      <a:fontRef idx="minor"/>
+    </dgm:style>
+  </dgm:styleLbl>
+  <dgm:styleLbl name="fgShp">
+    <dgm:scene3d>
+      <a:camera prst="orthographicFront"/>
+      <a:lightRig rig="threePt" dir="t"/>
+    </dgm:scene3d>
+    <dgm:sp3d/>
+    <dgm:txPr/>
+    <dgm:style>
+      <a:lnRef idx="2">
+        <a:scrgbClr r="0" g="0" b="0"/>
+      </a:lnRef>
+      <a:fillRef idx="1">
+        <a:scrgbClr r="0" g="0" b="0"/>
+      </a:fillRef>
+      <a:effectRef idx="0">
+        <a:scrgbClr r="0" g="0" b="0"/>
+      </a:effectRef>
+      <a:fontRef idx="minor"/>
+    </dgm:style>
+  </dgm:styleLbl>
+  <dgm:styleLbl name="revTx">
+    <dgm:scene3d>
+      <a:camera prst="orthographicFront"/>
+      <a:lightRig rig="threePt" dir="t"/>
+    </dgm:scene3d>
+    <dgm:sp3d/>
+    <dgm:txPr/>
+    <dgm:style>
+      <a:lnRef idx="0">
+        <a:scrgbClr r="0" g="0" b="0"/>
+      </a:lnRef>
+      <a:fillRef idx="0">
+        <a:scrgbClr r="0" g="0" b="0"/>
+      </a:fillRef>
+      <a:effectRef idx="0">
+        <a:scrgbClr r="0" g="0" b="0"/>
+      </a:effectRef>
+      <a:fontRef idx="minor"/>
+    </dgm:style>
+  </dgm:styleLbl>
+</dgm:styleDef>
+</file>
+
 <file path=ppt/notesMasters/notesMaster1.xml><?xml version="1.0" encoding="utf-8"?>
 <p:notesMaster xmlns:a="http://schemas.openxmlformats.org/drawingml/2006/main" xmlns:r="http://schemas.openxmlformats.org/officeDocument/2006/relationships" xmlns:p="http://schemas.openxmlformats.org/presentationml/2006/main">
   <p:cSld>
@@ -216,7 +3145,7 @@
           <a:p>
             <a:fld id="{BD9A23DD-169B-4AC2-A2E5-591C4D9596B3}" type="datetimeFigureOut">
               <a:rPr lang="en-US" smtClean="0"/>
-              <a:t>4/22/2021</a:t>
+              <a:t>4/24/21</a:t>
             </a:fld>
             <a:endParaRPr lang="en-US"/>
           </a:p>
@@ -721,7 +3650,7 @@
           <a:p>
             <a:fld id="{ED291B17-9318-49DB-B28B-6E5994AE9581}" type="datetime1">
               <a:rPr lang="en-US" smtClean="0"/>
-              <a:t>4/22/2021</a:t>
+              <a:t>4/24/21</a:t>
             </a:fld>
             <a:endParaRPr lang="en-US" dirty="0"/>
           </a:p>
@@ -919,7 +3848,7 @@
           <a:p>
             <a:fld id="{78DD82B9-B8EE-4375-B6FF-88FA6ABB15D9}" type="datetime1">
               <a:rPr lang="en-US" smtClean="0"/>
-              <a:t>4/22/2021</a:t>
+              <a:t>4/24/21</a:t>
             </a:fld>
             <a:endParaRPr lang="en-US" dirty="0"/>
           </a:p>
@@ -1231,7 +4160,7 @@
           <a:p>
             <a:fld id="{B2497495-0637-405E-AE64-5CC7506D51F5}" type="datetime1">
               <a:rPr lang="en-US" smtClean="0"/>
-              <a:t>4/22/2021</a:t>
+              <a:t>4/24/21</a:t>
             </a:fld>
             <a:endParaRPr lang="en-US" dirty="0"/>
           </a:p>
@@ -1484,7 +4413,7 @@
           <a:p>
             <a:fld id="{7BFFD690-9426-415D-8B65-26881E07B2D4}" type="datetime1">
               <a:rPr lang="en-US" smtClean="0"/>
-              <a:t>4/22/2021</a:t>
+              <a:t>4/24/21</a:t>
             </a:fld>
             <a:endParaRPr lang="en-US" dirty="0"/>
           </a:p>
@@ -1906,7 +4835,7 @@
           <a:p>
             <a:fld id="{04C4989A-474C-40DE-95B9-011C28B71673}" type="datetime1">
               <a:rPr lang="en-US" smtClean="0"/>
-              <a:t>4/22/2021</a:t>
+              <a:t>4/24/21</a:t>
             </a:fld>
             <a:endParaRPr lang="en-US" dirty="0"/>
           </a:p>
@@ -2029,7 +4958,7 @@
           <a:p>
             <a:fld id="{5DB4ED54-5B5E-4A04-93D3-5772E3CE3818}" type="datetime1">
               <a:rPr lang="en-US" smtClean="0"/>
-              <a:t>4/22/2021</a:t>
+              <a:t>4/24/21</a:t>
             </a:fld>
             <a:endParaRPr lang="en-US" dirty="0"/>
           </a:p>
@@ -2124,7 +5053,7 @@
           <a:p>
             <a:fld id="{4EDE50D6-574B-40AF-946F-D52A04ADE379}" type="datetime1">
               <a:rPr lang="en-US" smtClean="0"/>
-              <a:t>4/22/2021</a:t>
+              <a:t>4/24/21</a:t>
             </a:fld>
             <a:endParaRPr lang="en-US" dirty="0"/>
           </a:p>
@@ -2501,7 +5430,7 @@
           <a:p>
             <a:fld id="{D82884F1-FFEA-405F-9602-3DCA865EDA4E}" type="datetime1">
               <a:rPr lang="en-US" smtClean="0"/>
-              <a:t>4/22/2021</a:t>
+              <a:t>4/24/21</a:t>
             </a:fld>
             <a:endParaRPr lang="en-US" dirty="0"/>
           </a:p>
@@ -2794,7 +5723,7 @@
           <a:p>
             <a:fld id="{7E18DB4A-8810-4A10-AD5C-D5E2C667F5B3}" type="datetime1">
               <a:rPr lang="en-US" smtClean="0"/>
-              <a:t>4/22/2021</a:t>
+              <a:t>4/24/21</a:t>
             </a:fld>
             <a:endParaRPr lang="en-US" dirty="0"/>
           </a:p>
@@ -3009,7 +5938,7 @@
           <a:p>
             <a:fld id="{ED291B17-9318-49DB-B28B-6E5994AE9581}" type="datetime1">
               <a:rPr lang="en-US" smtClean="0"/>
-              <a:t>4/22/2021</a:t>
+              <a:t>4/24/21</a:t>
             </a:fld>
             <a:endParaRPr lang="en-US" dirty="0"/>
           </a:p>
@@ -3985,6 +6914,31 @@
 <file path=ppt/slides/slide10.xml><?xml version="1.0" encoding="utf-8"?>
 <p:sld xmlns:a="http://schemas.openxmlformats.org/drawingml/2006/main" xmlns:r="http://schemas.openxmlformats.org/officeDocument/2006/relationships" xmlns:p="http://schemas.openxmlformats.org/presentationml/2006/main">
   <p:cSld>
+    <p:bg>
+      <p:bgPr>
+        <a:gradFill rotWithShape="1">
+          <a:gsLst>
+            <a:gs pos="0">
+              <a:schemeClr val="bg1">
+                <a:tint val="90000"/>
+                <a:lumMod val="110000"/>
+              </a:schemeClr>
+            </a:gs>
+            <a:gs pos="100000">
+              <a:schemeClr val="bg1">
+                <a:shade val="98000"/>
+                <a:satMod val="110000"/>
+                <a:lumMod val="86000"/>
+              </a:schemeClr>
+            </a:gs>
+          </a:gsLst>
+          <a:path path="circle">
+            <a:fillToRect l="50000" t="50000" r="100000" b="100000"/>
+          </a:path>
+        </a:gradFill>
+        <a:effectLst/>
+      </p:bgPr>
+    </p:bg>
     <p:spTree>
       <p:nvGrpSpPr>
         <p:cNvPr id="1" name=""/>
@@ -4001,6 +6955,168 @@
       </p:grpSpPr>
       <p:sp>
         <p:nvSpPr>
+          <p:cNvPr id="16" name="Rectangle 9">
+            <a:extLst>
+              <a:ext uri="{FF2B5EF4-FFF2-40B4-BE49-F238E27FC236}">
+                <a16:creationId xmlns:a16="http://schemas.microsoft.com/office/drawing/2014/main" id="{B448728E-2EDF-4F60-A97C-C0F08E06DB09}"/>
+              </a:ext>
+              <a:ext uri="{C183D7F6-B498-43B3-948B-1728B52AA6E4}">
+                <adec:decorative xmlns:adec="http://schemas.microsoft.com/office/drawing/2017/decorative" val="1"/>
+              </a:ext>
+            </a:extLst>
+          </p:cNvPr>
+          <p:cNvSpPr>
+            <a:spLocks noGrp="1" noRot="1" noChangeAspect="1" noMove="1" noResize="1" noEditPoints="1" noAdjustHandles="1" noChangeArrowheads="1" noChangeShapeType="1" noTextEdit="1"/>
+          </p:cNvSpPr>
+          <p:nvPr>
+            <p:extLst>
+              <p:ext uri="{386F3935-93C4-4BCD-93E2-E3B085C9AB24}">
+                <p16:designElem xmlns:p16="http://schemas.microsoft.com/office/powerpoint/2015/main" val="1"/>
+              </p:ext>
+            </p:extLst>
+          </p:nvPr>
+        </p:nvSpPr>
+        <p:spPr>
+          <a:xfrm>
+            <a:off x="446534" y="457200"/>
+            <a:ext cx="3703320" cy="94997"/>
+          </a:xfrm>
+          <a:prstGeom prst="rect">
+            <a:avLst/>
+          </a:prstGeom>
+          <a:solidFill>
+            <a:srgbClr val="465359"/>
+          </a:solidFill>
+          <a:ln>
+            <a:noFill/>
+          </a:ln>
+          <a:effectLst/>
+        </p:spPr>
+        <p:style>
+          <a:lnRef idx="1">
+            <a:schemeClr val="accent1"/>
+          </a:lnRef>
+          <a:fillRef idx="3">
+            <a:schemeClr val="accent1"/>
+          </a:fillRef>
+          <a:effectRef idx="2">
+            <a:schemeClr val="accent1"/>
+          </a:effectRef>
+          <a:fontRef idx="minor">
+            <a:schemeClr val="lt1"/>
+          </a:fontRef>
+        </p:style>
+      </p:sp>
+      <p:sp>
+        <p:nvSpPr>
+          <p:cNvPr id="17" name="Rectangle 11">
+            <a:extLst>
+              <a:ext uri="{FF2B5EF4-FFF2-40B4-BE49-F238E27FC236}">
+                <a16:creationId xmlns:a16="http://schemas.microsoft.com/office/drawing/2014/main" id="{78CBB40F-4E03-45AE-9020-C27B0AE7FD20}"/>
+              </a:ext>
+              <a:ext uri="{C183D7F6-B498-43B3-948B-1728B52AA6E4}">
+                <adec:decorative xmlns:adec="http://schemas.microsoft.com/office/drawing/2017/decorative" val="1"/>
+              </a:ext>
+            </a:extLst>
+          </p:cNvPr>
+          <p:cNvSpPr>
+            <a:spLocks noGrp="1" noRot="1" noChangeAspect="1" noMove="1" noResize="1" noEditPoints="1" noAdjustHandles="1" noChangeArrowheads="1" noChangeShapeType="1" noTextEdit="1"/>
+          </p:cNvSpPr>
+          <p:nvPr>
+            <p:extLst>
+              <p:ext uri="{386F3935-93C4-4BCD-93E2-E3B085C9AB24}">
+                <p16:designElem xmlns:p16="http://schemas.microsoft.com/office/powerpoint/2015/main" val="1"/>
+              </p:ext>
+            </p:extLst>
+          </p:nvPr>
+        </p:nvSpPr>
+        <p:spPr>
+          <a:xfrm>
+            <a:off x="8042147" y="453643"/>
+            <a:ext cx="3703320" cy="98554"/>
+          </a:xfrm>
+          <a:prstGeom prst="rect">
+            <a:avLst/>
+          </a:prstGeom>
+          <a:solidFill>
+            <a:srgbClr val="969FA7"/>
+          </a:solidFill>
+          <a:ln>
+            <a:noFill/>
+          </a:ln>
+          <a:effectLst/>
+        </p:spPr>
+        <p:style>
+          <a:lnRef idx="1">
+            <a:schemeClr val="accent1"/>
+          </a:lnRef>
+          <a:fillRef idx="3">
+            <a:schemeClr val="accent1"/>
+          </a:fillRef>
+          <a:effectRef idx="2">
+            <a:schemeClr val="accent1"/>
+          </a:effectRef>
+          <a:fontRef idx="minor">
+            <a:schemeClr val="lt1"/>
+          </a:fontRef>
+        </p:style>
+      </p:sp>
+      <p:sp>
+        <p:nvSpPr>
+          <p:cNvPr id="18" name="Rectangle 13">
+            <a:extLst>
+              <a:ext uri="{FF2B5EF4-FFF2-40B4-BE49-F238E27FC236}">
+                <a16:creationId xmlns:a16="http://schemas.microsoft.com/office/drawing/2014/main" id="{A9F7CCD1-513F-4B7A-9497-7AA9144DB3B6}"/>
+              </a:ext>
+              <a:ext uri="{C183D7F6-B498-43B3-948B-1728B52AA6E4}">
+                <adec:decorative xmlns:adec="http://schemas.microsoft.com/office/drawing/2017/decorative" val="1"/>
+              </a:ext>
+            </a:extLst>
+          </p:cNvPr>
+          <p:cNvSpPr>
+            <a:spLocks noGrp="1" noRot="1" noChangeAspect="1" noMove="1" noResize="1" noEditPoints="1" noAdjustHandles="1" noChangeArrowheads="1" noChangeShapeType="1" noTextEdit="1"/>
+          </p:cNvSpPr>
+          <p:nvPr>
+            <p:extLst>
+              <p:ext uri="{386F3935-93C4-4BCD-93E2-E3B085C9AB24}">
+                <p16:designElem xmlns:p16="http://schemas.microsoft.com/office/powerpoint/2015/main" val="1"/>
+              </p:ext>
+            </p:extLst>
+          </p:nvPr>
+        </p:nvSpPr>
+        <p:spPr>
+          <a:xfrm>
+            <a:off x="4241830" y="457200"/>
+            <a:ext cx="3703320" cy="91440"/>
+          </a:xfrm>
+          <a:prstGeom prst="rect">
+            <a:avLst/>
+          </a:prstGeom>
+          <a:solidFill>
+            <a:schemeClr val="accent1"/>
+          </a:solidFill>
+          <a:ln>
+            <a:noFill/>
+          </a:ln>
+          <a:effectLst/>
+        </p:spPr>
+        <p:style>
+          <a:lnRef idx="1">
+            <a:schemeClr val="accent1"/>
+          </a:lnRef>
+          <a:fillRef idx="3">
+            <a:schemeClr val="accent1"/>
+          </a:fillRef>
+          <a:effectRef idx="2">
+            <a:schemeClr val="accent1"/>
+          </a:effectRef>
+          <a:fontRef idx="minor">
+            <a:schemeClr val="lt1"/>
+          </a:fontRef>
+        </p:style>
+      </p:sp>
+      <p:sp>
+        <p:nvSpPr>
           <p:cNvPr id="2" name="Title 1">
             <a:extLst>
               <a:ext uri="{FF2B5EF4-FFF2-40B4-BE49-F238E27FC236}">
@@ -4015,159 +7131,63 @@
             <p:ph type="title"/>
           </p:nvPr>
         </p:nvSpPr>
-        <p:spPr/>
+        <p:spPr>
+          <a:xfrm>
+            <a:off x="581192" y="702156"/>
+            <a:ext cx="11029616" cy="1188720"/>
+          </a:xfrm>
+        </p:spPr>
         <p:txBody>
-          <a:bodyPr/>
+          <a:bodyPr vert="horz" lIns="91440" tIns="45720" rIns="91440" bIns="45720" rtlCol="0" anchor="b">
+            <a:normAutofit/>
+          </a:bodyPr>
           <a:lstStyle/>
           <a:p>
             <a:r>
-              <a:rPr lang="en-US" dirty="0"/>
+              <a:rPr lang="en-US" b="0" kern="1200" cap="all">
+                <a:solidFill>
+                  <a:schemeClr val="tx1">
+                    <a:lumMod val="85000"/>
+                    <a:lumOff val="15000"/>
+                  </a:schemeClr>
+                </a:solidFill>
+                <a:latin typeface="+mj-lt"/>
+                <a:ea typeface="+mj-ea"/>
+                <a:cs typeface="+mj-cs"/>
+              </a:rPr>
               <a:t>Conclusions</a:t>
             </a:r>
           </a:p>
         </p:txBody>
       </p:sp>
-      <p:sp>
-        <p:nvSpPr>
-          <p:cNvPr id="4" name="TextBox 3">
+      <p:graphicFrame>
+        <p:nvGraphicFramePr>
+          <p:cNvPr id="19" name="TextBox 3">
             <a:extLst>
               <a:ext uri="{FF2B5EF4-FFF2-40B4-BE49-F238E27FC236}">
-                <a16:creationId xmlns:a16="http://schemas.microsoft.com/office/drawing/2014/main" id="{2970FE32-99F1-484F-9640-86339855EB41}"/>
+                <a16:creationId xmlns:a16="http://schemas.microsoft.com/office/drawing/2014/main" id="{9F57EA72-E3E5-42D2-A91B-0BFA6B6E12A8}"/>
               </a:ext>
             </a:extLst>
           </p:cNvPr>
-          <p:cNvSpPr txBox="1"/>
-          <p:nvPr/>
-        </p:nvSpPr>
-        <p:spPr>
-          <a:xfrm>
-            <a:off x="581193" y="3077908"/>
-            <a:ext cx="10562429" cy="2062103"/>
-          </a:xfrm>
-          <a:prstGeom prst="rect">
-            <a:avLst/>
-          </a:prstGeom>
-          <a:noFill/>
-        </p:spPr>
-        <p:txBody>
-          <a:bodyPr wrap="square" rtlCol="0">
-            <a:spAutoFit/>
-          </a:bodyPr>
-          <a:lstStyle/>
-          <a:p>
-            <a:pPr marL="285750" indent="-285750">
-              <a:buClr>
-                <a:schemeClr val="accent1"/>
-              </a:buClr>
-              <a:buSzPct val="92000"/>
-              <a:buFont typeface="Wingdings" panose="05000000000000000000" pitchFamily="2" charset="2"/>
-              <a:buChar char="§"/>
-            </a:pPr>
-            <a:r>
-              <a:rPr lang="en-US" sz="1600" dirty="0">
-                <a:solidFill>
-                  <a:srgbClr val="111111"/>
-                </a:solidFill>
-                <a:cs typeface="Arial" panose="020B0604020202020204" pitchFamily="34" charset="0"/>
-              </a:rPr>
-              <a:t>Alternative fuel vehicles and charging stations will increase dramatically in usage in the near future.</a:t>
-            </a:r>
-          </a:p>
-          <a:p>
-            <a:pPr marL="285750" indent="-285750">
-              <a:buClr>
-                <a:schemeClr val="accent1"/>
-              </a:buClr>
-              <a:buSzPct val="92000"/>
-              <a:buFont typeface="Wingdings" panose="05000000000000000000" pitchFamily="2" charset="2"/>
-              <a:buChar char="§"/>
-            </a:pPr>
-            <a:r>
-              <a:rPr lang="en-US" sz="1600" dirty="0">
-                <a:solidFill>
-                  <a:srgbClr val="111111"/>
-                </a:solidFill>
-                <a:cs typeface="Arial" panose="020B0604020202020204" pitchFamily="34" charset="0"/>
-              </a:rPr>
-              <a:t>Zip codes with higher average household incomes do not appear to have more alternative fueling stations. A more in depth analysis should be performed to confirm.</a:t>
-            </a:r>
-          </a:p>
-          <a:p>
-            <a:pPr marL="285750" indent="-285750">
-              <a:buClr>
-                <a:schemeClr val="accent1"/>
-              </a:buClr>
-              <a:buSzPct val="92000"/>
-              <a:buFont typeface="Wingdings" panose="05000000000000000000" pitchFamily="2" charset="2"/>
-              <a:buChar char="§"/>
-            </a:pPr>
-            <a:r>
-              <a:rPr lang="en-US" sz="1600" dirty="0">
-                <a:solidFill>
-                  <a:srgbClr val="111111"/>
-                </a:solidFill>
-                <a:cs typeface="Arial" panose="020B0604020202020204" pitchFamily="34" charset="0"/>
-              </a:rPr>
-              <a:t>There’s enormous potential for use of an alternative fuel station dashboard with a diverse number of applications.</a:t>
-            </a:r>
-          </a:p>
-          <a:p>
-            <a:pPr marL="285750" indent="-285750">
-              <a:buClr>
-                <a:schemeClr val="accent1"/>
-              </a:buClr>
-              <a:buSzPct val="92000"/>
-              <a:buFont typeface="Wingdings" panose="05000000000000000000" pitchFamily="2" charset="2"/>
-              <a:buChar char="§"/>
-            </a:pPr>
-            <a:endParaRPr lang="en-US" sz="1600" dirty="0">
-              <a:solidFill>
-                <a:srgbClr val="111111"/>
-              </a:solidFill>
-              <a:cs typeface="Arial" panose="020B0604020202020204" pitchFamily="34" charset="0"/>
-            </a:endParaRPr>
-          </a:p>
-          <a:p>
-            <a:pPr marL="285750" indent="-285750">
-              <a:buClr>
-                <a:schemeClr val="accent1"/>
-              </a:buClr>
-              <a:buSzPct val="92000"/>
-              <a:buFont typeface="Wingdings" panose="05000000000000000000" pitchFamily="2" charset="2"/>
-              <a:buChar char="§"/>
-            </a:pPr>
-            <a:endParaRPr lang="en-US" sz="1600" dirty="0">
-              <a:solidFill>
-                <a:srgbClr val="111111"/>
-              </a:solidFill>
-              <a:cs typeface="Arial" panose="020B0604020202020204" pitchFamily="34" charset="0"/>
-            </a:endParaRPr>
-          </a:p>
-          <a:p>
-            <a:pPr lvl="1"/>
-            <a:endParaRPr lang="en-US" sz="1600" dirty="0">
-              <a:solidFill>
-                <a:srgbClr val="111111"/>
-              </a:solidFill>
-              <a:latin typeface="Arial" panose="020B0604020202020204" pitchFamily="34" charset="0"/>
-              <a:cs typeface="Arial" panose="020B0604020202020204" pitchFamily="34" charset="0"/>
-            </a:endParaRPr>
-          </a:p>
-          <a:p>
-            <a:pPr marL="742950" lvl="1" indent="-285750">
-              <a:buFont typeface="Arial" panose="020B0604020202020204" pitchFamily="34" charset="0"/>
-              <a:buChar char="•"/>
-            </a:pPr>
-            <a:endParaRPr lang="en-US" sz="1600" dirty="0">
-              <a:solidFill>
-                <a:srgbClr val="111111"/>
-              </a:solidFill>
-              <a:latin typeface="Arial" panose="020B0604020202020204" pitchFamily="34" charset="0"/>
-              <a:cs typeface="Arial" panose="020B0604020202020204" pitchFamily="34" charset="0"/>
-            </a:endParaRPr>
-          </a:p>
-        </p:txBody>
-      </p:sp>
+          <p:cNvGraphicFramePr/>
+          <p:nvPr>
+            <p:extLst>
+              <p:ext uri="{D42A27DB-BD31-4B8C-83A1-F6EECF244321}">
+                <p14:modId xmlns:p14="http://schemas.microsoft.com/office/powerpoint/2010/main" val="3032993477"/>
+              </p:ext>
+            </p:extLst>
+          </p:nvPr>
+        </p:nvGraphicFramePr>
+        <p:xfrm>
+          <a:off x="581025" y="2341563"/>
+          <a:ext cx="11029950" cy="3814281"/>
+        </p:xfrm>
+        <a:graphic>
+          <a:graphicData uri="http://schemas.openxmlformats.org/drawingml/2006/diagram">
+            <dgm:relIds xmlns:dgm="http://schemas.openxmlformats.org/drawingml/2006/diagram" xmlns:r="http://schemas.openxmlformats.org/officeDocument/2006/relationships" r:dm="rId2" r:lo="rId3" r:qs="rId4" r:cs="rId5"/>
+          </a:graphicData>
+        </a:graphic>
+      </p:graphicFrame>
     </p:spTree>
     <p:extLst>
       <p:ext uri="{BB962C8B-B14F-4D97-AF65-F5344CB8AC3E}">
@@ -4496,6 +7516,14 @@
 <file path=ppt/slides/slide2.xml><?xml version="1.0" encoding="utf-8"?>
 <p:sld xmlns:a="http://schemas.openxmlformats.org/drawingml/2006/main" xmlns:r="http://schemas.openxmlformats.org/officeDocument/2006/relationships" xmlns:p="http://schemas.openxmlformats.org/presentationml/2006/main">
   <p:cSld>
+    <p:bg>
+      <p:bgPr>
+        <a:solidFill>
+          <a:schemeClr val="bg1"/>
+        </a:solidFill>
+        <a:effectLst/>
+      </p:bgPr>
+    </p:bg>
     <p:spTree>
       <p:nvGrpSpPr>
         <p:cNvPr id="1" name=""/>
@@ -4510,6 +7538,97 @@
           <a:chExt cx="0" cy="0"/>
         </a:xfrm>
       </p:grpSpPr>
+      <p:sp useBgFill="1">
+        <p:nvSpPr>
+          <p:cNvPr id="10" name="Rectangle 9">
+            <a:extLst>
+              <a:ext uri="{FF2B5EF4-FFF2-40B4-BE49-F238E27FC236}">
+                <a16:creationId xmlns:a16="http://schemas.microsoft.com/office/drawing/2014/main" id="{B8DD2392-397B-48BF-BEFA-EA1FB881CA85}"/>
+              </a:ext>
+              <a:ext uri="{C183D7F6-B498-43B3-948B-1728B52AA6E4}">
+                <adec:decorative xmlns:adec="http://schemas.microsoft.com/office/drawing/2017/decorative" val="1"/>
+              </a:ext>
+            </a:extLst>
+          </p:cNvPr>
+          <p:cNvSpPr>
+            <a:spLocks noGrp="1" noRot="1" noChangeAspect="1" noMove="1" noResize="1" noEditPoints="1" noAdjustHandles="1" noChangeArrowheads="1" noChangeShapeType="1" noTextEdit="1"/>
+          </p:cNvSpPr>
+          <p:nvPr>
+            <p:extLst>
+              <p:ext uri="{386F3935-93C4-4BCD-93E2-E3B085C9AB24}">
+                <p16:designElem xmlns:p16="http://schemas.microsoft.com/office/powerpoint/2015/main" val="1"/>
+              </p:ext>
+            </p:extLst>
+          </p:nvPr>
+        </p:nvSpPr>
+        <p:spPr>
+          <a:xfrm>
+            <a:off x="0" y="0"/>
+            <a:ext cx="12192000" cy="6858000"/>
+          </a:xfrm>
+          <a:prstGeom prst="rect">
+            <a:avLst/>
+          </a:prstGeom>
+          <a:ln>
+            <a:noFill/>
+          </a:ln>
+        </p:spPr>
+        <p:style>
+          <a:lnRef idx="2">
+            <a:schemeClr val="accent1">
+              <a:shade val="50000"/>
+            </a:schemeClr>
+          </a:lnRef>
+          <a:fillRef idx="1">
+            <a:schemeClr val="accent1"/>
+          </a:fillRef>
+          <a:effectRef idx="0">
+            <a:schemeClr val="accent1"/>
+          </a:effectRef>
+          <a:fontRef idx="minor">
+            <a:schemeClr val="lt1"/>
+          </a:fontRef>
+        </p:style>
+        <p:txBody>
+          <a:bodyPr rtlCol="0" anchor="ctr"/>
+          <a:lstStyle/>
+          <a:p>
+            <a:pPr algn="ctr"/>
+            <a:endParaRPr lang="en-US"/>
+          </a:p>
+        </p:txBody>
+      </p:sp>
+      <p:pic>
+        <p:nvPicPr>
+          <p:cNvPr id="5" name="Picture 4" descr="A picture containing satellite&#10;&#10;Description automatically generated">
+            <a:extLst>
+              <a:ext uri="{FF2B5EF4-FFF2-40B4-BE49-F238E27FC236}">
+                <a16:creationId xmlns:a16="http://schemas.microsoft.com/office/drawing/2014/main" id="{82056F99-3255-2245-B912-71729DF206FF}"/>
+              </a:ext>
+            </a:extLst>
+          </p:cNvPr>
+          <p:cNvPicPr>
+            <a:picLocks noChangeAspect="1"/>
+          </p:cNvPicPr>
+          <p:nvPr/>
+        </p:nvPicPr>
+        <p:blipFill rotWithShape="1">
+          <a:blip r:embed="rId2">
+            <a:alphaModFix amt="40000"/>
+          </a:blip>
+          <a:srcRect r="2667"/>
+          <a:stretch/>
+        </p:blipFill>
+        <p:spPr>
+          <a:xfrm>
+            <a:off x="20" y="10"/>
+            <a:ext cx="12191980" cy="6857990"/>
+          </a:xfrm>
+          <a:prstGeom prst="rect">
+            <a:avLst/>
+          </a:prstGeom>
+        </p:spPr>
+      </p:pic>
       <p:sp>
         <p:nvSpPr>
           <p:cNvPr id="2" name="Title 1">
@@ -4526,13 +7645,24 @@
             <p:ph type="title"/>
           </p:nvPr>
         </p:nvSpPr>
-        <p:spPr/>
+        <p:spPr>
+          <a:xfrm>
+            <a:off x="1023870" y="702156"/>
+            <a:ext cx="10144260" cy="1013800"/>
+          </a:xfrm>
+        </p:spPr>
         <p:txBody>
-          <a:bodyPr/>
+          <a:bodyPr>
+            <a:normAutofit/>
+          </a:bodyPr>
           <a:lstStyle/>
           <a:p>
             <a:r>
-              <a:rPr lang="en-US" dirty="0"/>
+              <a:rPr lang="en-US">
+                <a:solidFill>
+                  <a:schemeClr val="tx1"/>
+                </a:solidFill>
+              </a:rPr>
               <a:t>Contents</a:t>
             </a:r>
           </a:p>
@@ -4556,8 +7686,8 @@
         </p:nvSpPr>
         <p:spPr>
           <a:xfrm>
-            <a:off x="581192" y="2100105"/>
-            <a:ext cx="11029615" cy="3875245"/>
+            <a:off x="965199" y="2180496"/>
+            <a:ext cx="10261602" cy="3678303"/>
           </a:xfrm>
         </p:spPr>
         <p:txBody>
@@ -4621,7 +7751,7 @@
     </p:extLst>
   </p:cSld>
   <p:clrMapOvr>
-    <a:masterClrMapping/>
+    <a:overrideClrMapping bg1="dk1" tx1="lt1" bg2="dk2" tx2="lt2" accent1="accent1" accent2="accent2" accent3="accent3" accent4="accent4" accent5="accent5" accent6="accent6" hlink="hlink" folHlink="folHlink"/>
   </p:clrMapOvr>
 </p:sld>
 </file>
@@ -8147,21 +11277,21 @@
 </file>
 
 <file path=customXml/item1.xml><?xml version="1.0" encoding="utf-8"?>
+<?mso-contentType ?>
+<FormTemplates xmlns="http://schemas.microsoft.com/sharepoint/v3/contenttype/forms">
+  <Display>DocumentLibraryForm</Display>
+  <Edit>DocumentLibraryForm</Edit>
+  <New>DocumentLibraryForm</New>
+</FormTemplates>
+</file>
+
+<file path=customXml/item2.xml><?xml version="1.0" encoding="utf-8"?>
 <p:properties xmlns:p="http://schemas.microsoft.com/office/2006/metadata/properties" xmlns:xsi="http://www.w3.org/2001/XMLSchema-instance" xmlns:pc="http://schemas.microsoft.com/office/infopath/2007/PartnerControls">
   <documentManagement>
     <Status xmlns="71af3243-3dd4-4a8d-8c0d-dd76da1f02a5">Not started</Status>
     <MediaServiceKeyPoints xmlns="71af3243-3dd4-4a8d-8c0d-dd76da1f02a5" xsi:nil="true"/>
   </documentManagement>
 </p:properties>
-</file>
-
-<file path=customXml/item2.xml><?xml version="1.0" encoding="utf-8"?>
-<?mso-contentType ?>
-<FormTemplates xmlns="http://schemas.microsoft.com/sharepoint/v3/contenttype/forms">
-  <Display>DocumentLibraryForm</Display>
-  <Edit>DocumentLibraryForm</Edit>
-  <New>DocumentLibraryForm</New>
-</FormTemplates>
 </file>
 
 <file path=customXml/item3.xml><?xml version="1.0" encoding="utf-8"?>
@@ -8386,19 +11516,19 @@
 </file>
 
 <file path=customXml/itemProps1.xml><?xml version="1.0" encoding="utf-8"?>
+<ds:datastoreItem xmlns:ds="http://schemas.openxmlformats.org/officeDocument/2006/customXml" ds:itemID="{BB3242A4-1E6A-4E02-809C-4A24066EC01D}">
+  <ds:schemaRefs>
+    <ds:schemaRef ds:uri="http://schemas.microsoft.com/sharepoint/v3/contenttype/forms"/>
+  </ds:schemaRefs>
+</ds:datastoreItem>
+</file>
+
+<file path=customXml/itemProps2.xml><?xml version="1.0" encoding="utf-8"?>
 <ds:datastoreItem xmlns:ds="http://schemas.openxmlformats.org/officeDocument/2006/customXml" ds:itemID="{FBD2D995-20F0-4C14-BF62-1248AB4B484D}">
   <ds:schemaRefs>
     <ds:schemaRef ds:uri="http://schemas.microsoft.com/office/2006/metadata/properties"/>
     <ds:schemaRef ds:uri="http://schemas.microsoft.com/office/infopath/2007/PartnerControls"/>
     <ds:schemaRef ds:uri="71af3243-3dd4-4a8d-8c0d-dd76da1f02a5"/>
-  </ds:schemaRefs>
-</ds:datastoreItem>
-</file>
-
-<file path=customXml/itemProps2.xml><?xml version="1.0" encoding="utf-8"?>
-<ds:datastoreItem xmlns:ds="http://schemas.openxmlformats.org/officeDocument/2006/customXml" ds:itemID="{BB3242A4-1E6A-4E02-809C-4A24066EC01D}">
-  <ds:schemaRefs>
-    <ds:schemaRef ds:uri="http://schemas.microsoft.com/sharepoint/v3/contenttype/forms"/>
   </ds:schemaRefs>
 </ds:datastoreItem>
 </file>

--- a/Alternative Fuel Station Project.pptx
+++ b/Alternative Fuel Station Project.pptx
@@ -5,7 +5,7 @@
     <p:sldMasterId id="2147483660" r:id="rId4"/>
   </p:sldMasterIdLst>
   <p:notesMasterIdLst>
-    <p:notesMasterId r:id="rId17"/>
+    <p:notesMasterId r:id="rId16"/>
   </p:notesMasterIdLst>
   <p:sldIdLst>
     <p:sldId id="273" r:id="rId5"/>
@@ -18,8 +18,7 @@
     <p:sldId id="309" r:id="rId12"/>
     <p:sldId id="310" r:id="rId13"/>
     <p:sldId id="305" r:id="rId14"/>
-    <p:sldId id="306" r:id="rId15"/>
-    <p:sldId id="301" r:id="rId16"/>
+    <p:sldId id="301" r:id="rId15"/>
   </p:sldIdLst>
   <p:sldSz cx="12192000" cy="6858000"/>
   <p:notesSz cx="6858000" cy="9144000"/>
@@ -129,9 +128,61 @@
 <file path=ppt/revisionInfo.xml><?xml version="1.0" encoding="utf-8"?>
 <p1510:revInfo xmlns:a="http://schemas.openxmlformats.org/drawingml/2006/main" xmlns:r="http://schemas.openxmlformats.org/officeDocument/2006/relationships" xmlns:p1510="http://schemas.microsoft.com/office/powerpoint/2015/10/main">
   <p1510:revLst>
-    <p1510:client id="{BD585F1B-4D9A-4C89-9F76-E500BE26A5CA}" v="35" dt="2021-02-05T01:37:21.349"/>
+    <p1510:client id="{519B86C2-5BBF-46F9-AE86-F0CF542EBE7F}" v="1" dt="2021-04-24T16:11:56.240"/>
   </p1510:revLst>
 </p1510:revInfo>
+</file>
+
+<file path=ppt/changesInfos/changesInfo1.xml><?xml version="1.0" encoding="utf-8"?>
+<pc:chgInfo xmlns:a="http://schemas.openxmlformats.org/drawingml/2006/main" xmlns:r="http://schemas.openxmlformats.org/officeDocument/2006/relationships" xmlns:ac="http://schemas.microsoft.com/office/drawing/2013/main/command" xmlns:pc="http://schemas.microsoft.com/office/powerpoint/2013/main/command">
+  <pc:docChgLst>
+    <pc:chgData name="Gabriel Allen" userId="c7c74c84cd207ce6" providerId="LiveId" clId="{519B86C2-5BBF-46F9-AE86-F0CF542EBE7F}"/>
+    <pc:docChg chg="custSel delSld modSld">
+      <pc:chgData name="Gabriel Allen" userId="c7c74c84cd207ce6" providerId="LiveId" clId="{519B86C2-5BBF-46F9-AE86-F0CF542EBE7F}" dt="2021-04-24T16:12:47.963" v="8" actId="47"/>
+      <pc:docMkLst>
+        <pc:docMk/>
+      </pc:docMkLst>
+      <pc:sldChg chg="addSp delSp modSp mod">
+        <pc:chgData name="Gabriel Allen" userId="c7c74c84cd207ce6" providerId="LiveId" clId="{519B86C2-5BBF-46F9-AE86-F0CF542EBE7F}" dt="2021-04-24T16:12:16.265" v="7" actId="14100"/>
+        <pc:sldMkLst>
+          <pc:docMk/>
+          <pc:sldMk cId="1950469538" sldId="302"/>
+        </pc:sldMkLst>
+        <pc:spChg chg="add del mod">
+          <ac:chgData name="Gabriel Allen" userId="c7c74c84cd207ce6" providerId="LiveId" clId="{519B86C2-5BBF-46F9-AE86-F0CF542EBE7F}" dt="2021-04-24T16:11:35.734" v="1" actId="478"/>
+          <ac:spMkLst>
+            <pc:docMk/>
+            <pc:sldMk cId="1950469538" sldId="302"/>
+            <ac:spMk id="4" creationId="{66008C14-2AB9-4F4D-8FFC-A6E46D429BA6}"/>
+          </ac:spMkLst>
+        </pc:spChg>
+        <pc:spChg chg="del">
+          <ac:chgData name="Gabriel Allen" userId="c7c74c84cd207ce6" providerId="LiveId" clId="{519B86C2-5BBF-46F9-AE86-F0CF542EBE7F}" dt="2021-04-24T16:11:33.537" v="0" actId="478"/>
+          <ac:spMkLst>
+            <pc:docMk/>
+            <pc:sldMk cId="1950469538" sldId="302"/>
+            <ac:spMk id="5" creationId="{369DC7EE-80BE-464D-A39A-570C8B6AAC6D}"/>
+          </ac:spMkLst>
+        </pc:spChg>
+        <pc:picChg chg="add mod">
+          <ac:chgData name="Gabriel Allen" userId="c7c74c84cd207ce6" providerId="LiveId" clId="{519B86C2-5BBF-46F9-AE86-F0CF542EBE7F}" dt="2021-04-24T16:12:16.265" v="7" actId="14100"/>
+          <ac:picMkLst>
+            <pc:docMk/>
+            <pc:sldMk cId="1950469538" sldId="302"/>
+            <ac:picMk id="7" creationId="{DB87D598-AC5C-4CC2-AB0B-ED1BF870593A}"/>
+          </ac:picMkLst>
+        </pc:picChg>
+      </pc:sldChg>
+      <pc:sldChg chg="del">
+        <pc:chgData name="Gabriel Allen" userId="c7c74c84cd207ce6" providerId="LiveId" clId="{519B86C2-5BBF-46F9-AE86-F0CF542EBE7F}" dt="2021-04-24T16:12:47.963" v="8" actId="47"/>
+        <pc:sldMkLst>
+          <pc:docMk/>
+          <pc:sldMk cId="2736720884" sldId="306"/>
+        </pc:sldMkLst>
+      </pc:sldChg>
+    </pc:docChg>
+  </pc:docChgLst>
+</pc:chgInfo>
 </file>
 
 <file path=ppt/diagrams/colors1.xml><?xml version="1.0" encoding="utf-8"?>
@@ -1294,8 +1345,8 @@
     <dgm:cxn modelId="{4563A815-05EC-9F45-A213-8C14246ED6B5}" type="presOf" srcId="{CA43BAD4-10F7-4B3B-B193-13A2E0E801D6}" destId="{BF79BB80-054D-E146-9A96-7E5379F25D33}" srcOrd="0" destOrd="0" presId="urn:microsoft.com/office/officeart/2016/7/layout/LinearBlockProcessNumbered"/>
     <dgm:cxn modelId="{8B490226-AF58-964F-94B2-A6761AA53DDE}" type="presOf" srcId="{D225BFBC-B679-423A-8760-C3C119639C45}" destId="{BAC7FAED-ADAE-BB4C-98D1-25C4BBEE0B85}" srcOrd="0" destOrd="0" presId="urn:microsoft.com/office/officeart/2016/7/layout/LinearBlockProcessNumbered"/>
     <dgm:cxn modelId="{6155514A-DC8C-044E-8BB6-FFF36F315E18}" type="presOf" srcId="{6D5DB109-EAFF-4A2C-852E-BAA8113B38DA}" destId="{024AAE0E-0DEE-914F-AA09-B22F9855910F}" srcOrd="0" destOrd="0" presId="urn:microsoft.com/office/officeart/2016/7/layout/LinearBlockProcessNumbered"/>
+    <dgm:cxn modelId="{ECB8616D-B79B-2445-A86D-8F1E59471B5A}" type="presOf" srcId="{B7C79DFC-848E-471C-9179-8119FFC5139D}" destId="{82E5FAEC-2754-394B-A389-4387A923202E}" srcOrd="0" destOrd="0" presId="urn:microsoft.com/office/officeart/2016/7/layout/LinearBlockProcessNumbered"/>
     <dgm:cxn modelId="{5C086654-40E4-4788-95DE-4223BF93C9EE}" srcId="{A6C24DCA-FFE5-44D6-A125-42AE73CC7BA5}" destId="{CA43BAD4-10F7-4B3B-B193-13A2E0E801D6}" srcOrd="0" destOrd="0" parTransId="{6316A771-2C0E-4D04-BE8C-6807D56D5FC2}" sibTransId="{A82AB92F-B247-4C21-9B09-60D81052D5C7}"/>
-    <dgm:cxn modelId="{ECB8616D-B79B-2445-A86D-8F1E59471B5A}" type="presOf" srcId="{B7C79DFC-848E-471C-9179-8119FFC5139D}" destId="{82E5FAEC-2754-394B-A389-4387A923202E}" srcOrd="0" destOrd="0" presId="urn:microsoft.com/office/officeart/2016/7/layout/LinearBlockProcessNumbered"/>
     <dgm:cxn modelId="{AAF5C0AA-3CF9-EC40-9BBD-A85AE0985C5A}" type="presOf" srcId="{A82AB92F-B247-4C21-9B09-60D81052D5C7}" destId="{B12E9281-75DA-0141-9CB9-8463842669C1}" srcOrd="0" destOrd="0" presId="urn:microsoft.com/office/officeart/2016/7/layout/LinearBlockProcessNumbered"/>
     <dgm:cxn modelId="{E14C0EAF-6F36-1A48-9643-7F5D7C606450}" type="presOf" srcId="{CA43BAD4-10F7-4B3B-B193-13A2E0E801D6}" destId="{38B514B4-85E7-AF44-A680-AAADBF8A3850}" srcOrd="1" destOrd="0" presId="urn:microsoft.com/office/officeart/2016/7/layout/LinearBlockProcessNumbered"/>
     <dgm:cxn modelId="{1691FFD0-8A7A-4F20-BCA3-BF8ECDE1B4F8}" srcId="{A6C24DCA-FFE5-44D6-A125-42AE73CC7BA5}" destId="{06B0B318-D042-4BED-819D-8F0A36D774BC}" srcOrd="1" destOrd="0" parTransId="{5E68F262-F767-4C26-B655-EEF3ECA35D6F}" sibTransId="{B7C79DFC-848E-471C-9179-8119FFC5139D}"/>
@@ -3145,7 +3196,7 @@
           <a:p>
             <a:fld id="{BD9A23DD-169B-4AC2-A2E5-591C4D9596B3}" type="datetimeFigureOut">
               <a:rPr lang="en-US" smtClean="0"/>
-              <a:t>4/24/21</a:t>
+              <a:t>4/24/2021</a:t>
             </a:fld>
             <a:endParaRPr lang="en-US"/>
           </a:p>
@@ -3650,7 +3701,7 @@
           <a:p>
             <a:fld id="{ED291B17-9318-49DB-B28B-6E5994AE9581}" type="datetime1">
               <a:rPr lang="en-US" smtClean="0"/>
-              <a:t>4/24/21</a:t>
+              <a:t>4/24/2021</a:t>
             </a:fld>
             <a:endParaRPr lang="en-US" dirty="0"/>
           </a:p>
@@ -3848,7 +3899,7 @@
           <a:p>
             <a:fld id="{78DD82B9-B8EE-4375-B6FF-88FA6ABB15D9}" type="datetime1">
               <a:rPr lang="en-US" smtClean="0"/>
-              <a:t>4/24/21</a:t>
+              <a:t>4/24/2021</a:t>
             </a:fld>
             <a:endParaRPr lang="en-US" dirty="0"/>
           </a:p>
@@ -4160,7 +4211,7 @@
           <a:p>
             <a:fld id="{B2497495-0637-405E-AE64-5CC7506D51F5}" type="datetime1">
               <a:rPr lang="en-US" smtClean="0"/>
-              <a:t>4/24/21</a:t>
+              <a:t>4/24/2021</a:t>
             </a:fld>
             <a:endParaRPr lang="en-US" dirty="0"/>
           </a:p>
@@ -4413,7 +4464,7 @@
           <a:p>
             <a:fld id="{7BFFD690-9426-415D-8B65-26881E07B2D4}" type="datetime1">
               <a:rPr lang="en-US" smtClean="0"/>
-              <a:t>4/24/21</a:t>
+              <a:t>4/24/2021</a:t>
             </a:fld>
             <a:endParaRPr lang="en-US" dirty="0"/>
           </a:p>
@@ -4835,7 +4886,7 @@
           <a:p>
             <a:fld id="{04C4989A-474C-40DE-95B9-011C28B71673}" type="datetime1">
               <a:rPr lang="en-US" smtClean="0"/>
-              <a:t>4/24/21</a:t>
+              <a:t>4/24/2021</a:t>
             </a:fld>
             <a:endParaRPr lang="en-US" dirty="0"/>
           </a:p>
@@ -4958,7 +5009,7 @@
           <a:p>
             <a:fld id="{5DB4ED54-5B5E-4A04-93D3-5772E3CE3818}" type="datetime1">
               <a:rPr lang="en-US" smtClean="0"/>
-              <a:t>4/24/21</a:t>
+              <a:t>4/24/2021</a:t>
             </a:fld>
             <a:endParaRPr lang="en-US" dirty="0"/>
           </a:p>
@@ -5053,7 +5104,7 @@
           <a:p>
             <a:fld id="{4EDE50D6-574B-40AF-946F-D52A04ADE379}" type="datetime1">
               <a:rPr lang="en-US" smtClean="0"/>
-              <a:t>4/24/21</a:t>
+              <a:t>4/24/2021</a:t>
             </a:fld>
             <a:endParaRPr lang="en-US" dirty="0"/>
           </a:p>
@@ -5430,7 +5481,7 @@
           <a:p>
             <a:fld id="{D82884F1-FFEA-405F-9602-3DCA865EDA4E}" type="datetime1">
               <a:rPr lang="en-US" smtClean="0"/>
-              <a:t>4/24/21</a:t>
+              <a:t>4/24/2021</a:t>
             </a:fld>
             <a:endParaRPr lang="en-US" dirty="0"/>
           </a:p>
@@ -5723,7 +5774,7 @@
           <a:p>
             <a:fld id="{7E18DB4A-8810-4A10-AD5C-D5E2C667F5B3}" type="datetime1">
               <a:rPr lang="en-US" smtClean="0"/>
-              <a:t>4/24/21</a:t>
+              <a:t>4/24/2021</a:t>
             </a:fld>
             <a:endParaRPr lang="en-US" dirty="0"/>
           </a:p>
@@ -5938,7 +5989,7 @@
           <a:p>
             <a:fld id="{ED291B17-9318-49DB-B28B-6E5994AE9581}" type="datetime1">
               <a:rPr lang="en-US" smtClean="0"/>
-              <a:t>4/24/21</a:t>
+              <a:t>4/24/2021</a:t>
             </a:fld>
             <a:endParaRPr lang="en-US" dirty="0"/>
           </a:p>
@@ -7223,72 +7274,6 @@
           <p:cNvPr id="2" name="Title 1">
             <a:extLst>
               <a:ext uri="{FF2B5EF4-FFF2-40B4-BE49-F238E27FC236}">
-                <a16:creationId xmlns:a16="http://schemas.microsoft.com/office/drawing/2014/main" id="{7A4BDC69-4580-40A1-828F-CB453F1E883E}"/>
-              </a:ext>
-            </a:extLst>
-          </p:cNvPr>
-          <p:cNvSpPr>
-            <a:spLocks noGrp="1"/>
-          </p:cNvSpPr>
-          <p:nvPr>
-            <p:ph type="title"/>
-          </p:nvPr>
-        </p:nvSpPr>
-        <p:spPr/>
-        <p:txBody>
-          <a:bodyPr/>
-          <a:lstStyle/>
-          <a:p>
-            <a:r>
-              <a:rPr lang="en-US" dirty="0"/>
-              <a:t>Dashboard </a:t>
-            </a:r>
-            <a:r>
-              <a:rPr lang="en-US" dirty="0" err="1"/>
-              <a:t>GiF</a:t>
-            </a:r>
-            <a:r>
-              <a:rPr lang="en-US" dirty="0"/>
-              <a:t> or link to Heroku</a:t>
-            </a:r>
-          </a:p>
-        </p:txBody>
-      </p:sp>
-    </p:spTree>
-    <p:extLst>
-      <p:ext uri="{BB962C8B-B14F-4D97-AF65-F5344CB8AC3E}">
-        <p14:creationId xmlns:p14="http://schemas.microsoft.com/office/powerpoint/2010/main" val="2736720884"/>
-      </p:ext>
-    </p:extLst>
-  </p:cSld>
-  <p:clrMapOvr>
-    <a:masterClrMapping/>
-  </p:clrMapOvr>
-</p:sld>
-</file>
-
-<file path=ppt/slides/slide12.xml><?xml version="1.0" encoding="utf-8"?>
-<p:sld xmlns:a="http://schemas.openxmlformats.org/drawingml/2006/main" xmlns:r="http://schemas.openxmlformats.org/officeDocument/2006/relationships" xmlns:p="http://schemas.openxmlformats.org/presentationml/2006/main">
-  <p:cSld>
-    <p:spTree>
-      <p:nvGrpSpPr>
-        <p:cNvPr id="1" name=""/>
-        <p:cNvGrpSpPr/>
-        <p:nvPr/>
-      </p:nvGrpSpPr>
-      <p:grpSpPr>
-        <a:xfrm>
-          <a:off x="0" y="0"/>
-          <a:ext cx="0" cy="0"/>
-          <a:chOff x="0" y="0"/>
-          <a:chExt cx="0" cy="0"/>
-        </a:xfrm>
-      </p:grpSpPr>
-      <p:sp>
-        <p:nvSpPr>
-          <p:cNvPr id="2" name="Title 1">
-            <a:extLst>
-              <a:ext uri="{FF2B5EF4-FFF2-40B4-BE49-F238E27FC236}">
                 <a16:creationId xmlns:a16="http://schemas.microsoft.com/office/drawing/2014/main" id="{8A75B6AD-4719-4AF0-9E29-741709DBB9D0}"/>
               </a:ext>
             </a:extLst>
@@ -8949,34 +8934,6 @@
       </p:sp>
       <p:sp>
         <p:nvSpPr>
-          <p:cNvPr id="5" name="Text Placeholder 4">
-            <a:extLst>
-              <a:ext uri="{FF2B5EF4-FFF2-40B4-BE49-F238E27FC236}">
-                <a16:creationId xmlns:a16="http://schemas.microsoft.com/office/drawing/2014/main" id="{369DC7EE-80BE-464D-A39A-570C8B6AAC6D}"/>
-              </a:ext>
-            </a:extLst>
-          </p:cNvPr>
-          <p:cNvSpPr>
-            <a:spLocks noGrp="1"/>
-          </p:cNvSpPr>
-          <p:nvPr>
-            <p:ph type="body" sz="quarter" idx="3"/>
-          </p:nvPr>
-        </p:nvSpPr>
-        <p:spPr/>
-        <p:txBody>
-          <a:bodyPr/>
-          <a:lstStyle/>
-          <a:p>
-            <a:r>
-              <a:rPr lang="en-US" dirty="0"/>
-              <a:t>**Dashboard Screenshot**</a:t>
-            </a:r>
-          </a:p>
-        </p:txBody>
-      </p:sp>
-      <p:sp>
-        <p:nvSpPr>
           <p:cNvPr id="8" name="TextBox 7">
             <a:extLst>
               <a:ext uri="{FF2B5EF4-FFF2-40B4-BE49-F238E27FC236}">
@@ -9365,6 +9322,36 @@
           </a:p>
         </p:txBody>
       </p:sp>
+      <p:pic>
+        <p:nvPicPr>
+          <p:cNvPr id="7" name="Picture 6" descr="A screenshot of a computer&#10;&#10;Description automatically generated with medium confidence">
+            <a:extLst>
+              <a:ext uri="{FF2B5EF4-FFF2-40B4-BE49-F238E27FC236}">
+                <a16:creationId xmlns:a16="http://schemas.microsoft.com/office/drawing/2014/main" id="{DB87D598-AC5C-4CC2-AB0B-ED1BF870593A}"/>
+              </a:ext>
+            </a:extLst>
+          </p:cNvPr>
+          <p:cNvPicPr>
+            <a:picLocks noChangeAspect="1"/>
+          </p:cNvPicPr>
+          <p:nvPr/>
+        </p:nvPicPr>
+        <p:blipFill>
+          <a:blip r:embed="rId2"/>
+          <a:stretch>
+            <a:fillRect/>
+          </a:stretch>
+        </p:blipFill>
+        <p:spPr>
+          <a:xfrm>
+            <a:off x="5210580" y="1717989"/>
+            <a:ext cx="6541865" cy="4320673"/>
+          </a:xfrm>
+          <a:prstGeom prst="rect">
+            <a:avLst/>
+          </a:prstGeom>
+        </p:spPr>
+      </p:pic>
     </p:spTree>
     <p:extLst>
       <p:ext uri="{BB962C8B-B14F-4D97-AF65-F5344CB8AC3E}">
@@ -11286,15 +11273,6 @@
 </file>
 
 <file path=customXml/item2.xml><?xml version="1.0" encoding="utf-8"?>
-<p:properties xmlns:p="http://schemas.microsoft.com/office/2006/metadata/properties" xmlns:xsi="http://www.w3.org/2001/XMLSchema-instance" xmlns:pc="http://schemas.microsoft.com/office/infopath/2007/PartnerControls">
-  <documentManagement>
-    <Status xmlns="71af3243-3dd4-4a8d-8c0d-dd76da1f02a5">Not started</Status>
-    <MediaServiceKeyPoints xmlns="71af3243-3dd4-4a8d-8c0d-dd76da1f02a5" xsi:nil="true"/>
-  </documentManagement>
-</p:properties>
-</file>
-
-<file path=customXml/item3.xml><?xml version="1.0" encoding="utf-8"?>
 <ct:contentTypeSchema xmlns:ct="http://schemas.microsoft.com/office/2006/metadata/contentType" xmlns:ma="http://schemas.microsoft.com/office/2006/metadata/properties/metaAttributes" ct:_="" ma:_="" ma:contentTypeName="Document" ma:contentTypeID="0x01010079F111ED35F8CC479449609E8A0923A6" ma:contentTypeVersion="12" ma:contentTypeDescription="Create a new document." ma:contentTypeScope="" ma:versionID="a410dd7f93c95333ffa1b60ed6adedd1">
   <xsd:schema xmlns:xsd="http://www.w3.org/2001/XMLSchema" xmlns:xs="http://www.w3.org/2001/XMLSchema" xmlns:p="http://schemas.microsoft.com/office/2006/metadata/properties" xmlns:ns2="71af3243-3dd4-4a8d-8c0d-dd76da1f02a5" xmlns:ns3="16c05727-aa75-4e4a-9b5f-8a80a1165891" targetNamespace="http://schemas.microsoft.com/office/2006/metadata/properties" ma:root="true" ma:fieldsID="a936d9baba76aa3866493feff160faab" ns2:_="" ns3:_="">
     <xsd:import namespace="71af3243-3dd4-4a8d-8c0d-dd76da1f02a5"/>
@@ -11515,6 +11493,15 @@
 </ct:contentTypeSchema>
 </file>
 
+<file path=customXml/item3.xml><?xml version="1.0" encoding="utf-8"?>
+<p:properties xmlns:p="http://schemas.microsoft.com/office/2006/metadata/properties" xmlns:xsi="http://www.w3.org/2001/XMLSchema-instance" xmlns:pc="http://schemas.microsoft.com/office/infopath/2007/PartnerControls">
+  <documentManagement>
+    <Status xmlns="71af3243-3dd4-4a8d-8c0d-dd76da1f02a5">Not started</Status>
+    <MediaServiceKeyPoints xmlns="71af3243-3dd4-4a8d-8c0d-dd76da1f02a5" xsi:nil="true"/>
+  </documentManagement>
+</p:properties>
+</file>
+
 <file path=customXml/itemProps1.xml><?xml version="1.0" encoding="utf-8"?>
 <ds:datastoreItem xmlns:ds="http://schemas.openxmlformats.org/officeDocument/2006/customXml" ds:itemID="{BB3242A4-1E6A-4E02-809C-4A24066EC01D}">
   <ds:schemaRefs>
@@ -11524,16 +11511,6 @@
 </file>
 
 <file path=customXml/itemProps2.xml><?xml version="1.0" encoding="utf-8"?>
-<ds:datastoreItem xmlns:ds="http://schemas.openxmlformats.org/officeDocument/2006/customXml" ds:itemID="{FBD2D995-20F0-4C14-BF62-1248AB4B484D}">
-  <ds:schemaRefs>
-    <ds:schemaRef ds:uri="http://schemas.microsoft.com/office/2006/metadata/properties"/>
-    <ds:schemaRef ds:uri="http://schemas.microsoft.com/office/infopath/2007/PartnerControls"/>
-    <ds:schemaRef ds:uri="71af3243-3dd4-4a8d-8c0d-dd76da1f02a5"/>
-  </ds:schemaRefs>
-</ds:datastoreItem>
-</file>
-
-<file path=customXml/itemProps3.xml><?xml version="1.0" encoding="utf-8"?>
 <ds:datastoreItem xmlns:ds="http://schemas.openxmlformats.org/officeDocument/2006/customXml" ds:itemID="{965255AC-12AC-4323-AA35-9BAC798B66BD}">
   <ds:schemaRefs>
     <ds:schemaRef ds:uri="http://schemas.microsoft.com/office/2006/metadata/contentType"/>
@@ -11550,4 +11527,14 @@
     <ds:schemaRef ds:uri="http://schemas.microsoft.com/internal/obd"/>
   </ds:schemaRefs>
 </ds:datastoreItem>
+</file>
+
+<file path=customXml/itemProps3.xml><?xml version="1.0" encoding="utf-8"?>
+<ds:datastoreItem xmlns:ds="http://schemas.openxmlformats.org/officeDocument/2006/customXml" ds:itemID="{FBD2D995-20F0-4C14-BF62-1248AB4B484D}">
+  <ds:schemaRefs>
+    <ds:schemaRef ds:uri="http://schemas.microsoft.com/office/2006/metadata/properties"/>
+    <ds:schemaRef ds:uri="http://schemas.microsoft.com/office/infopath/2007/PartnerControls"/>
+    <ds:schemaRef ds:uri="71af3243-3dd4-4a8d-8c0d-dd76da1f02a5"/>
+  </ds:schemaRefs>
+</ds:datastoreItem>
 </file>